--- a/Article/섬네일공장/새 Microsoft PowerPoint 프레젠테이션.pptx
+++ b/Article/섬네일공장/새 Microsoft PowerPoint 프레젠테이션.pptx
@@ -10,6 +10,8 @@
     <p:sldId id="258" r:id="rId4"/>
     <p:sldId id="259" r:id="rId5"/>
     <p:sldId id="260" r:id="rId6"/>
+    <p:sldId id="261" r:id="rId7"/>
+    <p:sldId id="262" r:id="rId8"/>
   </p:sldIdLst>
   <p:sldSz cx="12192000" cy="6858000"/>
   <p:notesSz cx="6858000" cy="9144000"/>
@@ -3852,6 +3854,310 @@
 </p:sld>
 </file>
 
+<file path=ppt/slides/slide6.xml><?xml version="1.0" encoding="utf-8"?>
+<p:sld xmlns:a="http://schemas.openxmlformats.org/drawingml/2006/main" xmlns:r="http://schemas.openxmlformats.org/officeDocument/2006/relationships" xmlns:p="http://schemas.openxmlformats.org/presentationml/2006/main">
+  <p:cSld>
+    <p:bg>
+      <p:bgPr>
+        <a:solidFill>
+          <a:srgbClr val="CCDCB9"/>
+        </a:solidFill>
+        <a:effectLst/>
+      </p:bgPr>
+    </p:bg>
+    <p:spTree>
+      <p:nvGrpSpPr>
+        <p:cNvPr id="1" name=""/>
+        <p:cNvGrpSpPr/>
+        <p:nvPr/>
+      </p:nvGrpSpPr>
+      <p:grpSpPr>
+        <a:xfrm>
+          <a:off x="0" y="0"/>
+          <a:ext cx="0" cy="0"/>
+          <a:chOff x="0" y="0"/>
+          <a:chExt cx="0" cy="0"/>
+        </a:xfrm>
+      </p:grpSpPr>
+      <p:pic>
+        <p:nvPicPr>
+          <p:cNvPr id="5" name="그림 4" descr="그리기, 의자이(가) 표시된 사진&#10;&#10;자동 생성된 설명">
+            <a:extLst>
+              <a:ext uri="{FF2B5EF4-FFF2-40B4-BE49-F238E27FC236}">
+                <a16:creationId xmlns:a16="http://schemas.microsoft.com/office/drawing/2014/main" id="{2D1BD117-1CFD-49FA-B3E3-E92D5520E439}"/>
+              </a:ext>
+            </a:extLst>
+          </p:cNvPr>
+          <p:cNvPicPr>
+            <a:picLocks noChangeAspect="1"/>
+          </p:cNvPicPr>
+          <p:nvPr/>
+        </p:nvPicPr>
+        <p:blipFill>
+          <a:blip r:embed="rId2">
+            <a:extLst>
+              <a:ext uri="{28A0092B-C50C-407E-A947-70E740481C1C}">
+                <a14:useLocalDpi xmlns:a14="http://schemas.microsoft.com/office/drawing/2010/main" val="0"/>
+              </a:ext>
+            </a:extLst>
+          </a:blip>
+          <a:stretch>
+            <a:fillRect/>
+          </a:stretch>
+        </p:blipFill>
+        <p:spPr>
+          <a:xfrm>
+            <a:off x="4073769" y="1406769"/>
+            <a:ext cx="4044462" cy="4044462"/>
+          </a:xfrm>
+          <a:prstGeom prst="rect">
+            <a:avLst/>
+          </a:prstGeom>
+        </p:spPr>
+      </p:pic>
+    </p:spTree>
+    <p:extLst>
+      <p:ext uri="{BB962C8B-B14F-4D97-AF65-F5344CB8AC3E}">
+        <p14:creationId xmlns:p14="http://schemas.microsoft.com/office/powerpoint/2010/main" val="366494196"/>
+      </p:ext>
+    </p:extLst>
+  </p:cSld>
+  <p:clrMapOvr>
+    <a:masterClrMapping/>
+  </p:clrMapOvr>
+</p:sld>
+</file>
+
+<file path=ppt/slides/slide7.xml><?xml version="1.0" encoding="utf-8"?>
+<p:sld xmlns:a="http://schemas.openxmlformats.org/drawingml/2006/main" xmlns:r="http://schemas.openxmlformats.org/officeDocument/2006/relationships" xmlns:p="http://schemas.openxmlformats.org/presentationml/2006/main">
+  <p:cSld>
+    <p:spTree>
+      <p:nvGrpSpPr>
+        <p:cNvPr id="1" name=""/>
+        <p:cNvGrpSpPr/>
+        <p:nvPr/>
+      </p:nvGrpSpPr>
+      <p:grpSpPr>
+        <a:xfrm>
+          <a:off x="0" y="0"/>
+          <a:ext cx="0" cy="0"/>
+          <a:chOff x="0" y="0"/>
+          <a:chExt cx="0" cy="0"/>
+        </a:xfrm>
+      </p:grpSpPr>
+      <p:sp>
+        <p:nvSpPr>
+          <p:cNvPr id="5" name="직사각형 4">
+            <a:extLst>
+              <a:ext uri="{FF2B5EF4-FFF2-40B4-BE49-F238E27FC236}">
+                <a16:creationId xmlns:a16="http://schemas.microsoft.com/office/drawing/2014/main" id="{D1AB863B-C36B-41D3-8EFE-9BFD75B6B8FF}"/>
+              </a:ext>
+            </a:extLst>
+          </p:cNvPr>
+          <p:cNvSpPr/>
+          <p:nvPr/>
+        </p:nvSpPr>
+        <p:spPr>
+          <a:xfrm>
+            <a:off x="1" y="0"/>
+            <a:ext cx="6096000" cy="6858000"/>
+          </a:xfrm>
+          <a:prstGeom prst="rect">
+            <a:avLst/>
+          </a:prstGeom>
+          <a:solidFill>
+            <a:srgbClr val="2D68C4"/>
+          </a:solidFill>
+          <a:ln>
+            <a:noFill/>
+          </a:ln>
+        </p:spPr>
+        <p:style>
+          <a:lnRef idx="2">
+            <a:schemeClr val="accent1">
+              <a:shade val="50000"/>
+            </a:schemeClr>
+          </a:lnRef>
+          <a:fillRef idx="1">
+            <a:schemeClr val="accent1"/>
+          </a:fillRef>
+          <a:effectRef idx="0">
+            <a:schemeClr val="accent1"/>
+          </a:effectRef>
+          <a:fontRef idx="minor">
+            <a:schemeClr val="lt1"/>
+          </a:fontRef>
+        </p:style>
+        <p:txBody>
+          <a:bodyPr rtlCol="0" anchor="ctr"/>
+          <a:lstStyle/>
+          <a:p>
+            <a:pPr algn="ctr"/>
+            <a:endParaRPr lang="ko-KR" altLang="en-US"/>
+          </a:p>
+        </p:txBody>
+      </p:sp>
+      <p:sp>
+        <p:nvSpPr>
+          <p:cNvPr id="6" name="직사각형 5">
+            <a:extLst>
+              <a:ext uri="{FF2B5EF4-FFF2-40B4-BE49-F238E27FC236}">
+                <a16:creationId xmlns:a16="http://schemas.microsoft.com/office/drawing/2014/main" id="{4CBCE3BF-5EAA-4462-A95E-F84C13A52944}"/>
+              </a:ext>
+            </a:extLst>
+          </p:cNvPr>
+          <p:cNvSpPr/>
+          <p:nvPr/>
+        </p:nvSpPr>
+        <p:spPr>
+          <a:xfrm>
+            <a:off x="6095999" y="0"/>
+            <a:ext cx="6096000" cy="6858000"/>
+          </a:xfrm>
+          <a:prstGeom prst="rect">
+            <a:avLst/>
+          </a:prstGeom>
+          <a:solidFill>
+            <a:srgbClr val="2DD126"/>
+          </a:solidFill>
+          <a:ln>
+            <a:noFill/>
+          </a:ln>
+        </p:spPr>
+        <p:style>
+          <a:lnRef idx="2">
+            <a:schemeClr val="accent1">
+              <a:shade val="50000"/>
+            </a:schemeClr>
+          </a:lnRef>
+          <a:fillRef idx="1">
+            <a:schemeClr val="accent1"/>
+          </a:fillRef>
+          <a:effectRef idx="0">
+            <a:schemeClr val="accent1"/>
+          </a:effectRef>
+          <a:fontRef idx="minor">
+            <a:schemeClr val="lt1"/>
+          </a:fontRef>
+        </p:style>
+        <p:txBody>
+          <a:bodyPr rtlCol="0" anchor="ctr"/>
+          <a:lstStyle/>
+          <a:p>
+            <a:pPr algn="ctr"/>
+            <a:endParaRPr lang="ko-KR" altLang="en-US"/>
+          </a:p>
+        </p:txBody>
+      </p:sp>
+      <p:sp>
+        <p:nvSpPr>
+          <p:cNvPr id="7" name="TextBox 6">
+            <a:extLst>
+              <a:ext uri="{FF2B5EF4-FFF2-40B4-BE49-F238E27FC236}">
+                <a16:creationId xmlns:a16="http://schemas.microsoft.com/office/drawing/2014/main" id="{2EFAFD58-B5E4-4001-B5F3-8FD8111FF441}"/>
+              </a:ext>
+            </a:extLst>
+          </p:cNvPr>
+          <p:cNvSpPr txBox="1"/>
+          <p:nvPr/>
+        </p:nvSpPr>
+        <p:spPr>
+          <a:xfrm>
+            <a:off x="6898510" y="2578999"/>
+            <a:ext cx="3750198" cy="1862048"/>
+          </a:xfrm>
+          <a:prstGeom prst="rect">
+            <a:avLst/>
+          </a:prstGeom>
+          <a:noFill/>
+        </p:spPr>
+        <p:txBody>
+          <a:bodyPr wrap="square" rtlCol="0">
+            <a:spAutoFit/>
+          </a:bodyPr>
+          <a:lstStyle/>
+          <a:p>
+            <a:r>
+              <a:rPr lang="en-US" altLang="ko-KR" sz="11500">
+                <a:solidFill>
+                  <a:schemeClr val="bg1"/>
+                </a:solidFill>
+                <a:latin typeface="나눔스퀘어_ac ExtraBold" panose="020B0600000101010101" pitchFamily="50" charset="-127"/>
+                <a:ea typeface="나눔스퀘어_ac ExtraBold" panose="020B0600000101010101" pitchFamily="50" charset="-127"/>
+              </a:rPr>
+              <a:t>RISC</a:t>
+            </a:r>
+            <a:endParaRPr lang="ko-KR" altLang="en-US" sz="11500">
+              <a:solidFill>
+                <a:schemeClr val="bg1"/>
+              </a:solidFill>
+              <a:latin typeface="나눔스퀘어_ac ExtraBold" panose="020B0600000101010101" pitchFamily="50" charset="-127"/>
+              <a:ea typeface="나눔스퀘어_ac ExtraBold" panose="020B0600000101010101" pitchFamily="50" charset="-127"/>
+            </a:endParaRPr>
+          </a:p>
+        </p:txBody>
+      </p:sp>
+      <p:sp>
+        <p:nvSpPr>
+          <p:cNvPr id="8" name="TextBox 7">
+            <a:extLst>
+              <a:ext uri="{FF2B5EF4-FFF2-40B4-BE49-F238E27FC236}">
+                <a16:creationId xmlns:a16="http://schemas.microsoft.com/office/drawing/2014/main" id="{2FD615B9-8334-4632-AD63-95442D339FA0}"/>
+              </a:ext>
+            </a:extLst>
+          </p:cNvPr>
+          <p:cNvSpPr txBox="1"/>
+          <p:nvPr/>
+        </p:nvSpPr>
+        <p:spPr>
+          <a:xfrm>
+            <a:off x="1886672" y="2497976"/>
+            <a:ext cx="3750198" cy="1862048"/>
+          </a:xfrm>
+          <a:prstGeom prst="rect">
+            <a:avLst/>
+          </a:prstGeom>
+          <a:noFill/>
+        </p:spPr>
+        <p:txBody>
+          <a:bodyPr wrap="square" rtlCol="0">
+            <a:spAutoFit/>
+          </a:bodyPr>
+          <a:lstStyle/>
+          <a:p>
+            <a:r>
+              <a:rPr lang="en-US" altLang="ko-KR" sz="11500">
+                <a:solidFill>
+                  <a:schemeClr val="bg1"/>
+                </a:solidFill>
+                <a:latin typeface="나눔스퀘어_ac ExtraBold" panose="020B0600000101010101" pitchFamily="50" charset="-127"/>
+                <a:ea typeface="나눔스퀘어_ac ExtraBold" panose="020B0600000101010101" pitchFamily="50" charset="-127"/>
+              </a:rPr>
+              <a:t>CISC</a:t>
+            </a:r>
+            <a:endParaRPr lang="ko-KR" altLang="en-US" sz="11500">
+              <a:solidFill>
+                <a:schemeClr val="bg1"/>
+              </a:solidFill>
+              <a:latin typeface="나눔스퀘어_ac ExtraBold" panose="020B0600000101010101" pitchFamily="50" charset="-127"/>
+              <a:ea typeface="나눔스퀘어_ac ExtraBold" panose="020B0600000101010101" pitchFamily="50" charset="-127"/>
+            </a:endParaRPr>
+          </a:p>
+        </p:txBody>
+      </p:sp>
+    </p:spTree>
+    <p:extLst>
+      <p:ext uri="{BB962C8B-B14F-4D97-AF65-F5344CB8AC3E}">
+        <p14:creationId xmlns:p14="http://schemas.microsoft.com/office/powerpoint/2010/main" val="4286233959"/>
+      </p:ext>
+    </p:extLst>
+  </p:cSld>
+  <p:clrMapOvr>
+    <a:masterClrMapping/>
+  </p:clrMapOvr>
+</p:sld>
+</file>
+
 <file path=ppt/theme/theme1.xml><?xml version="1.0" encoding="utf-8"?>
 <a:theme xmlns:a="http://schemas.openxmlformats.org/drawingml/2006/main" name="Office 테마">
   <a:themeElements>

--- a/Article/섬네일공장/새 Microsoft PowerPoint 프레젠테이션.pptx
+++ b/Article/섬네일공장/새 Microsoft PowerPoint 프레젠테이션.pptx
@@ -12,6 +12,8 @@
     <p:sldId id="260" r:id="rId6"/>
     <p:sldId id="261" r:id="rId7"/>
     <p:sldId id="262" r:id="rId8"/>
+    <p:sldId id="263" r:id="rId9"/>
+    <p:sldId id="264" r:id="rId10"/>
   </p:sldIdLst>
   <p:sldSz cx="12192000" cy="6858000"/>
   <p:notesSz cx="6858000" cy="9144000"/>
@@ -276,7 +278,7 @@
           <a:p>
             <a:fld id="{6A8F2BA4-AD55-4F95-926C-ED709381EFD6}" type="datetimeFigureOut">
               <a:rPr lang="ko-KR" altLang="en-US" smtClean="0"/>
-              <a:t>2020-03-26</a:t>
+              <a:t>2020-04-08</a:t>
             </a:fld>
             <a:endParaRPr lang="ko-KR" altLang="en-US"/>
           </a:p>
@@ -474,7 +476,7 @@
           <a:p>
             <a:fld id="{6A8F2BA4-AD55-4F95-926C-ED709381EFD6}" type="datetimeFigureOut">
               <a:rPr lang="ko-KR" altLang="en-US" smtClean="0"/>
-              <a:t>2020-03-26</a:t>
+              <a:t>2020-04-08</a:t>
             </a:fld>
             <a:endParaRPr lang="ko-KR" altLang="en-US"/>
           </a:p>
@@ -682,7 +684,7 @@
           <a:p>
             <a:fld id="{6A8F2BA4-AD55-4F95-926C-ED709381EFD6}" type="datetimeFigureOut">
               <a:rPr lang="ko-KR" altLang="en-US" smtClean="0"/>
-              <a:t>2020-03-26</a:t>
+              <a:t>2020-04-08</a:t>
             </a:fld>
             <a:endParaRPr lang="ko-KR" altLang="en-US"/>
           </a:p>
@@ -880,7 +882,7 @@
           <a:p>
             <a:fld id="{6A8F2BA4-AD55-4F95-926C-ED709381EFD6}" type="datetimeFigureOut">
               <a:rPr lang="ko-KR" altLang="en-US" smtClean="0"/>
-              <a:t>2020-03-26</a:t>
+              <a:t>2020-04-08</a:t>
             </a:fld>
             <a:endParaRPr lang="ko-KR" altLang="en-US"/>
           </a:p>
@@ -1155,7 +1157,7 @@
           <a:p>
             <a:fld id="{6A8F2BA4-AD55-4F95-926C-ED709381EFD6}" type="datetimeFigureOut">
               <a:rPr lang="ko-KR" altLang="en-US" smtClean="0"/>
-              <a:t>2020-03-26</a:t>
+              <a:t>2020-04-08</a:t>
             </a:fld>
             <a:endParaRPr lang="ko-KR" altLang="en-US"/>
           </a:p>
@@ -1420,7 +1422,7 @@
           <a:p>
             <a:fld id="{6A8F2BA4-AD55-4F95-926C-ED709381EFD6}" type="datetimeFigureOut">
               <a:rPr lang="ko-KR" altLang="en-US" smtClean="0"/>
-              <a:t>2020-03-26</a:t>
+              <a:t>2020-04-08</a:t>
             </a:fld>
             <a:endParaRPr lang="ko-KR" altLang="en-US"/>
           </a:p>
@@ -1832,7 +1834,7 @@
           <a:p>
             <a:fld id="{6A8F2BA4-AD55-4F95-926C-ED709381EFD6}" type="datetimeFigureOut">
               <a:rPr lang="ko-KR" altLang="en-US" smtClean="0"/>
-              <a:t>2020-03-26</a:t>
+              <a:t>2020-04-08</a:t>
             </a:fld>
             <a:endParaRPr lang="ko-KR" altLang="en-US"/>
           </a:p>
@@ -1973,7 +1975,7 @@
           <a:p>
             <a:fld id="{6A8F2BA4-AD55-4F95-926C-ED709381EFD6}" type="datetimeFigureOut">
               <a:rPr lang="ko-KR" altLang="en-US" smtClean="0"/>
-              <a:t>2020-03-26</a:t>
+              <a:t>2020-04-08</a:t>
             </a:fld>
             <a:endParaRPr lang="ko-KR" altLang="en-US"/>
           </a:p>
@@ -2086,7 +2088,7 @@
           <a:p>
             <a:fld id="{6A8F2BA4-AD55-4F95-926C-ED709381EFD6}" type="datetimeFigureOut">
               <a:rPr lang="ko-KR" altLang="en-US" smtClean="0"/>
-              <a:t>2020-03-26</a:t>
+              <a:t>2020-04-08</a:t>
             </a:fld>
             <a:endParaRPr lang="ko-KR" altLang="en-US"/>
           </a:p>
@@ -2397,7 +2399,7 @@
           <a:p>
             <a:fld id="{6A8F2BA4-AD55-4F95-926C-ED709381EFD6}" type="datetimeFigureOut">
               <a:rPr lang="ko-KR" altLang="en-US" smtClean="0"/>
-              <a:t>2020-03-26</a:t>
+              <a:t>2020-04-08</a:t>
             </a:fld>
             <a:endParaRPr lang="ko-KR" altLang="en-US"/>
           </a:p>
@@ -2685,7 +2687,7 @@
           <a:p>
             <a:fld id="{6A8F2BA4-AD55-4F95-926C-ED709381EFD6}" type="datetimeFigureOut">
               <a:rPr lang="ko-KR" altLang="en-US" smtClean="0"/>
-              <a:t>2020-03-26</a:t>
+              <a:t>2020-04-08</a:t>
             </a:fld>
             <a:endParaRPr lang="ko-KR" altLang="en-US"/>
           </a:p>
@@ -2926,7 +2928,7 @@
           <a:p>
             <a:fld id="{6A8F2BA4-AD55-4F95-926C-ED709381EFD6}" type="datetimeFigureOut">
               <a:rPr lang="ko-KR" altLang="en-US" smtClean="0"/>
-              <a:t>2020-03-26</a:t>
+              <a:t>2020-04-08</a:t>
             </a:fld>
             <a:endParaRPr lang="ko-KR" altLang="en-US"/>
           </a:p>
@@ -4158,6 +4160,1174 @@
 </p:sld>
 </file>
 
+<file path=ppt/slides/slide8.xml><?xml version="1.0" encoding="utf-8"?>
+<p:sld xmlns:a="http://schemas.openxmlformats.org/drawingml/2006/main" xmlns:r="http://schemas.openxmlformats.org/officeDocument/2006/relationships" xmlns:p="http://schemas.openxmlformats.org/presentationml/2006/main">
+  <p:cSld>
+    <p:spTree>
+      <p:nvGrpSpPr>
+        <p:cNvPr id="1" name=""/>
+        <p:cNvGrpSpPr/>
+        <p:nvPr/>
+      </p:nvGrpSpPr>
+      <p:grpSpPr>
+        <a:xfrm>
+          <a:off x="0" y="0"/>
+          <a:ext cx="0" cy="0"/>
+          <a:chOff x="0" y="0"/>
+          <a:chExt cx="0" cy="0"/>
+        </a:xfrm>
+      </p:grpSpPr>
+      <p:sp>
+        <p:nvSpPr>
+          <p:cNvPr id="5" name="직사각형 4">
+            <a:extLst>
+              <a:ext uri="{FF2B5EF4-FFF2-40B4-BE49-F238E27FC236}">
+                <a16:creationId xmlns:a16="http://schemas.microsoft.com/office/drawing/2014/main" id="{BBBF2437-4097-4DA6-BB35-3E8BE0E8B9D3}"/>
+              </a:ext>
+            </a:extLst>
+          </p:cNvPr>
+          <p:cNvSpPr/>
+          <p:nvPr/>
+        </p:nvSpPr>
+        <p:spPr>
+          <a:xfrm>
+            <a:off x="3714361" y="1874285"/>
+            <a:ext cx="709128" cy="709128"/>
+          </a:xfrm>
+          <a:prstGeom prst="rect">
+            <a:avLst/>
+          </a:prstGeom>
+          <a:ln>
+            <a:noFill/>
+          </a:ln>
+        </p:spPr>
+        <p:style>
+          <a:lnRef idx="2">
+            <a:schemeClr val="accent1">
+              <a:shade val="50000"/>
+            </a:schemeClr>
+          </a:lnRef>
+          <a:fillRef idx="1">
+            <a:schemeClr val="accent1"/>
+          </a:fillRef>
+          <a:effectRef idx="0">
+            <a:schemeClr val="accent1"/>
+          </a:effectRef>
+          <a:fontRef idx="minor">
+            <a:schemeClr val="lt1"/>
+          </a:fontRef>
+        </p:style>
+        <p:txBody>
+          <a:bodyPr rtlCol="0" anchor="ctr"/>
+          <a:lstStyle/>
+          <a:p>
+            <a:pPr algn="ctr"/>
+            <a:endParaRPr lang="ko-KR" altLang="en-US"/>
+          </a:p>
+        </p:txBody>
+      </p:sp>
+      <p:sp>
+        <p:nvSpPr>
+          <p:cNvPr id="6" name="직사각형 5">
+            <a:extLst>
+              <a:ext uri="{FF2B5EF4-FFF2-40B4-BE49-F238E27FC236}">
+                <a16:creationId xmlns:a16="http://schemas.microsoft.com/office/drawing/2014/main" id="{CE25940B-D2BD-4F7C-A782-106FD17523A7}"/>
+              </a:ext>
+            </a:extLst>
+          </p:cNvPr>
+          <p:cNvSpPr/>
+          <p:nvPr/>
+        </p:nvSpPr>
+        <p:spPr>
+          <a:xfrm>
+            <a:off x="3714361" y="2583413"/>
+            <a:ext cx="709128" cy="709128"/>
+          </a:xfrm>
+          <a:prstGeom prst="rect">
+            <a:avLst/>
+          </a:prstGeom>
+          <a:ln>
+            <a:noFill/>
+          </a:ln>
+        </p:spPr>
+        <p:style>
+          <a:lnRef idx="2">
+            <a:schemeClr val="accent1">
+              <a:shade val="50000"/>
+            </a:schemeClr>
+          </a:lnRef>
+          <a:fillRef idx="1">
+            <a:schemeClr val="accent1"/>
+          </a:fillRef>
+          <a:effectRef idx="0">
+            <a:schemeClr val="accent1"/>
+          </a:effectRef>
+          <a:fontRef idx="minor">
+            <a:schemeClr val="lt1"/>
+          </a:fontRef>
+        </p:style>
+        <p:txBody>
+          <a:bodyPr rtlCol="0" anchor="ctr"/>
+          <a:lstStyle/>
+          <a:p>
+            <a:pPr algn="ctr"/>
+            <a:endParaRPr lang="ko-KR" altLang="en-US"/>
+          </a:p>
+        </p:txBody>
+      </p:sp>
+      <p:sp>
+        <p:nvSpPr>
+          <p:cNvPr id="7" name="직사각형 6">
+            <a:extLst>
+              <a:ext uri="{FF2B5EF4-FFF2-40B4-BE49-F238E27FC236}">
+                <a16:creationId xmlns:a16="http://schemas.microsoft.com/office/drawing/2014/main" id="{7D7FF276-A670-4A1E-94C3-6357F96671F5}"/>
+              </a:ext>
+            </a:extLst>
+          </p:cNvPr>
+          <p:cNvSpPr/>
+          <p:nvPr/>
+        </p:nvSpPr>
+        <p:spPr>
+          <a:xfrm>
+            <a:off x="3714361" y="3292541"/>
+            <a:ext cx="709128" cy="709128"/>
+          </a:xfrm>
+          <a:prstGeom prst="rect">
+            <a:avLst/>
+          </a:prstGeom>
+          <a:ln>
+            <a:noFill/>
+          </a:ln>
+        </p:spPr>
+        <p:style>
+          <a:lnRef idx="2">
+            <a:schemeClr val="accent1">
+              <a:shade val="50000"/>
+            </a:schemeClr>
+          </a:lnRef>
+          <a:fillRef idx="1">
+            <a:schemeClr val="accent1"/>
+          </a:fillRef>
+          <a:effectRef idx="0">
+            <a:schemeClr val="accent1"/>
+          </a:effectRef>
+          <a:fontRef idx="minor">
+            <a:schemeClr val="lt1"/>
+          </a:fontRef>
+        </p:style>
+        <p:txBody>
+          <a:bodyPr rtlCol="0" anchor="ctr"/>
+          <a:lstStyle/>
+          <a:p>
+            <a:pPr algn="ctr"/>
+            <a:endParaRPr lang="ko-KR" altLang="en-US"/>
+          </a:p>
+        </p:txBody>
+      </p:sp>
+      <p:sp>
+        <p:nvSpPr>
+          <p:cNvPr id="8" name="직사각형 7">
+            <a:extLst>
+              <a:ext uri="{FF2B5EF4-FFF2-40B4-BE49-F238E27FC236}">
+                <a16:creationId xmlns:a16="http://schemas.microsoft.com/office/drawing/2014/main" id="{EA72D837-1097-4AD0-B592-55469BA3346D}"/>
+              </a:ext>
+            </a:extLst>
+          </p:cNvPr>
+          <p:cNvSpPr/>
+          <p:nvPr/>
+        </p:nvSpPr>
+        <p:spPr>
+          <a:xfrm>
+            <a:off x="3714361" y="4001669"/>
+            <a:ext cx="709128" cy="709128"/>
+          </a:xfrm>
+          <a:prstGeom prst="rect">
+            <a:avLst/>
+          </a:prstGeom>
+          <a:ln>
+            <a:noFill/>
+          </a:ln>
+        </p:spPr>
+        <p:style>
+          <a:lnRef idx="2">
+            <a:schemeClr val="accent1">
+              <a:shade val="50000"/>
+            </a:schemeClr>
+          </a:lnRef>
+          <a:fillRef idx="1">
+            <a:schemeClr val="accent1"/>
+          </a:fillRef>
+          <a:effectRef idx="0">
+            <a:schemeClr val="accent1"/>
+          </a:effectRef>
+          <a:fontRef idx="minor">
+            <a:schemeClr val="lt1"/>
+          </a:fontRef>
+        </p:style>
+        <p:txBody>
+          <a:bodyPr rtlCol="0" anchor="ctr"/>
+          <a:lstStyle/>
+          <a:p>
+            <a:pPr algn="ctr"/>
+            <a:endParaRPr lang="ko-KR" altLang="en-US"/>
+          </a:p>
+        </p:txBody>
+      </p:sp>
+      <p:sp>
+        <p:nvSpPr>
+          <p:cNvPr id="9" name="직사각형 8">
+            <a:extLst>
+              <a:ext uri="{FF2B5EF4-FFF2-40B4-BE49-F238E27FC236}">
+                <a16:creationId xmlns:a16="http://schemas.microsoft.com/office/drawing/2014/main" id="{0FBF9409-9EE4-44F7-8356-401D5F0DD77E}"/>
+              </a:ext>
+            </a:extLst>
+          </p:cNvPr>
+          <p:cNvSpPr/>
+          <p:nvPr/>
+        </p:nvSpPr>
+        <p:spPr>
+          <a:xfrm>
+            <a:off x="4423489" y="4001669"/>
+            <a:ext cx="709128" cy="709128"/>
+          </a:xfrm>
+          <a:prstGeom prst="rect">
+            <a:avLst/>
+          </a:prstGeom>
+          <a:ln>
+            <a:noFill/>
+          </a:ln>
+        </p:spPr>
+        <p:style>
+          <a:lnRef idx="2">
+            <a:schemeClr val="accent1">
+              <a:shade val="50000"/>
+            </a:schemeClr>
+          </a:lnRef>
+          <a:fillRef idx="1">
+            <a:schemeClr val="accent1"/>
+          </a:fillRef>
+          <a:effectRef idx="0">
+            <a:schemeClr val="accent1"/>
+          </a:effectRef>
+          <a:fontRef idx="minor">
+            <a:schemeClr val="lt1"/>
+          </a:fontRef>
+        </p:style>
+        <p:txBody>
+          <a:bodyPr rtlCol="0" anchor="ctr"/>
+          <a:lstStyle/>
+          <a:p>
+            <a:pPr algn="ctr"/>
+            <a:endParaRPr lang="ko-KR" altLang="en-US"/>
+          </a:p>
+        </p:txBody>
+      </p:sp>
+      <p:sp>
+        <p:nvSpPr>
+          <p:cNvPr id="10" name="직사각형 9">
+            <a:extLst>
+              <a:ext uri="{FF2B5EF4-FFF2-40B4-BE49-F238E27FC236}">
+                <a16:creationId xmlns:a16="http://schemas.microsoft.com/office/drawing/2014/main" id="{E1115C64-D9D3-40EA-BFF3-F2F486EE9845}"/>
+              </a:ext>
+            </a:extLst>
+          </p:cNvPr>
+          <p:cNvSpPr/>
+          <p:nvPr/>
+        </p:nvSpPr>
+        <p:spPr>
+          <a:xfrm>
+            <a:off x="5104627" y="4001669"/>
+            <a:ext cx="709128" cy="709128"/>
+          </a:xfrm>
+          <a:prstGeom prst="rect">
+            <a:avLst/>
+          </a:prstGeom>
+          <a:ln>
+            <a:noFill/>
+          </a:ln>
+        </p:spPr>
+        <p:style>
+          <a:lnRef idx="2">
+            <a:schemeClr val="accent1">
+              <a:shade val="50000"/>
+            </a:schemeClr>
+          </a:lnRef>
+          <a:fillRef idx="1">
+            <a:schemeClr val="accent1"/>
+          </a:fillRef>
+          <a:effectRef idx="0">
+            <a:schemeClr val="accent1"/>
+          </a:effectRef>
+          <a:fontRef idx="minor">
+            <a:schemeClr val="lt1"/>
+          </a:fontRef>
+        </p:style>
+        <p:txBody>
+          <a:bodyPr rtlCol="0" anchor="ctr"/>
+          <a:lstStyle/>
+          <a:p>
+            <a:pPr algn="ctr"/>
+            <a:endParaRPr lang="ko-KR" altLang="en-US"/>
+          </a:p>
+        </p:txBody>
+      </p:sp>
+      <p:sp>
+        <p:nvSpPr>
+          <p:cNvPr id="11" name="직사각형 10">
+            <a:extLst>
+              <a:ext uri="{FF2B5EF4-FFF2-40B4-BE49-F238E27FC236}">
+                <a16:creationId xmlns:a16="http://schemas.microsoft.com/office/drawing/2014/main" id="{C8F281BE-91E5-4F5A-AEB8-771CE514901A}"/>
+              </a:ext>
+            </a:extLst>
+          </p:cNvPr>
+          <p:cNvSpPr/>
+          <p:nvPr/>
+        </p:nvSpPr>
+        <p:spPr>
+          <a:xfrm>
+            <a:off x="5344105" y="1874285"/>
+            <a:ext cx="709128" cy="709128"/>
+          </a:xfrm>
+          <a:prstGeom prst="rect">
+            <a:avLst/>
+          </a:prstGeom>
+          <a:ln>
+            <a:noFill/>
+          </a:ln>
+        </p:spPr>
+        <p:style>
+          <a:lnRef idx="2">
+            <a:schemeClr val="accent1">
+              <a:shade val="50000"/>
+            </a:schemeClr>
+          </a:lnRef>
+          <a:fillRef idx="1">
+            <a:schemeClr val="accent1"/>
+          </a:fillRef>
+          <a:effectRef idx="0">
+            <a:schemeClr val="accent1"/>
+          </a:effectRef>
+          <a:fontRef idx="minor">
+            <a:schemeClr val="lt1"/>
+          </a:fontRef>
+        </p:style>
+        <p:txBody>
+          <a:bodyPr rtlCol="0" anchor="ctr"/>
+          <a:lstStyle/>
+          <a:p>
+            <a:pPr algn="ctr"/>
+            <a:endParaRPr lang="ko-KR" altLang="en-US"/>
+          </a:p>
+        </p:txBody>
+      </p:sp>
+      <p:sp>
+        <p:nvSpPr>
+          <p:cNvPr id="12" name="직사각형 11">
+            <a:extLst>
+              <a:ext uri="{FF2B5EF4-FFF2-40B4-BE49-F238E27FC236}">
+                <a16:creationId xmlns:a16="http://schemas.microsoft.com/office/drawing/2014/main" id="{B0A9C087-93C4-4345-B697-B514A984FA61}"/>
+              </a:ext>
+            </a:extLst>
+          </p:cNvPr>
+          <p:cNvSpPr/>
+          <p:nvPr/>
+        </p:nvSpPr>
+        <p:spPr>
+          <a:xfrm>
+            <a:off x="5344105" y="2583413"/>
+            <a:ext cx="709128" cy="709128"/>
+          </a:xfrm>
+          <a:prstGeom prst="rect">
+            <a:avLst/>
+          </a:prstGeom>
+          <a:ln>
+            <a:noFill/>
+          </a:ln>
+        </p:spPr>
+        <p:style>
+          <a:lnRef idx="2">
+            <a:schemeClr val="accent1">
+              <a:shade val="50000"/>
+            </a:schemeClr>
+          </a:lnRef>
+          <a:fillRef idx="1">
+            <a:schemeClr val="accent1"/>
+          </a:fillRef>
+          <a:effectRef idx="0">
+            <a:schemeClr val="accent1"/>
+          </a:effectRef>
+          <a:fontRef idx="minor">
+            <a:schemeClr val="lt1"/>
+          </a:fontRef>
+        </p:style>
+        <p:txBody>
+          <a:bodyPr rtlCol="0" anchor="ctr"/>
+          <a:lstStyle/>
+          <a:p>
+            <a:pPr algn="ctr"/>
+            <a:endParaRPr lang="ko-KR" altLang="en-US"/>
+          </a:p>
+        </p:txBody>
+      </p:sp>
+      <p:sp>
+        <p:nvSpPr>
+          <p:cNvPr id="13" name="직사각형 12">
+            <a:extLst>
+              <a:ext uri="{FF2B5EF4-FFF2-40B4-BE49-F238E27FC236}">
+                <a16:creationId xmlns:a16="http://schemas.microsoft.com/office/drawing/2014/main" id="{6E4F2D2F-00A4-4F38-BF9F-5290221C1E4C}"/>
+              </a:ext>
+            </a:extLst>
+          </p:cNvPr>
+          <p:cNvSpPr/>
+          <p:nvPr/>
+        </p:nvSpPr>
+        <p:spPr>
+          <a:xfrm>
+            <a:off x="5344105" y="3292541"/>
+            <a:ext cx="709128" cy="709128"/>
+          </a:xfrm>
+          <a:prstGeom prst="rect">
+            <a:avLst/>
+          </a:prstGeom>
+          <a:ln>
+            <a:noFill/>
+          </a:ln>
+        </p:spPr>
+        <p:style>
+          <a:lnRef idx="2">
+            <a:schemeClr val="accent1">
+              <a:shade val="50000"/>
+            </a:schemeClr>
+          </a:lnRef>
+          <a:fillRef idx="1">
+            <a:schemeClr val="accent1"/>
+          </a:fillRef>
+          <a:effectRef idx="0">
+            <a:schemeClr val="accent1"/>
+          </a:effectRef>
+          <a:fontRef idx="minor">
+            <a:schemeClr val="lt1"/>
+          </a:fontRef>
+        </p:style>
+        <p:txBody>
+          <a:bodyPr rtlCol="0" anchor="ctr"/>
+          <a:lstStyle/>
+          <a:p>
+            <a:pPr algn="ctr"/>
+            <a:endParaRPr lang="ko-KR" altLang="en-US"/>
+          </a:p>
+        </p:txBody>
+      </p:sp>
+      <p:sp>
+        <p:nvSpPr>
+          <p:cNvPr id="14" name="직사각형 13">
+            <a:extLst>
+              <a:ext uri="{FF2B5EF4-FFF2-40B4-BE49-F238E27FC236}">
+                <a16:creationId xmlns:a16="http://schemas.microsoft.com/office/drawing/2014/main" id="{3666B0FA-2552-4B25-849C-DEFBB93B8F05}"/>
+              </a:ext>
+            </a:extLst>
+          </p:cNvPr>
+          <p:cNvSpPr/>
+          <p:nvPr/>
+        </p:nvSpPr>
+        <p:spPr>
+          <a:xfrm>
+            <a:off x="5344105" y="4001669"/>
+            <a:ext cx="709128" cy="709128"/>
+          </a:xfrm>
+          <a:prstGeom prst="rect">
+            <a:avLst/>
+          </a:prstGeom>
+          <a:ln>
+            <a:noFill/>
+          </a:ln>
+        </p:spPr>
+        <p:style>
+          <a:lnRef idx="2">
+            <a:schemeClr val="accent1">
+              <a:shade val="50000"/>
+            </a:schemeClr>
+          </a:lnRef>
+          <a:fillRef idx="1">
+            <a:schemeClr val="accent1"/>
+          </a:fillRef>
+          <a:effectRef idx="0">
+            <a:schemeClr val="accent1"/>
+          </a:effectRef>
+          <a:fontRef idx="minor">
+            <a:schemeClr val="lt1"/>
+          </a:fontRef>
+        </p:style>
+        <p:txBody>
+          <a:bodyPr rtlCol="0" anchor="ctr"/>
+          <a:lstStyle/>
+          <a:p>
+            <a:pPr algn="ctr"/>
+            <a:endParaRPr lang="ko-KR" altLang="en-US"/>
+          </a:p>
+        </p:txBody>
+      </p:sp>
+      <p:sp>
+        <p:nvSpPr>
+          <p:cNvPr id="15" name="직사각형 14">
+            <a:extLst>
+              <a:ext uri="{FF2B5EF4-FFF2-40B4-BE49-F238E27FC236}">
+                <a16:creationId xmlns:a16="http://schemas.microsoft.com/office/drawing/2014/main" id="{F5CBCC32-3DAB-4CEE-ACBA-44B484188CDF}"/>
+              </a:ext>
+            </a:extLst>
+          </p:cNvPr>
+          <p:cNvSpPr/>
+          <p:nvPr/>
+        </p:nvSpPr>
+        <p:spPr>
+          <a:xfrm>
+            <a:off x="6025243" y="4001669"/>
+            <a:ext cx="709128" cy="709128"/>
+          </a:xfrm>
+          <a:prstGeom prst="rect">
+            <a:avLst/>
+          </a:prstGeom>
+          <a:ln>
+            <a:noFill/>
+          </a:ln>
+        </p:spPr>
+        <p:style>
+          <a:lnRef idx="2">
+            <a:schemeClr val="accent1">
+              <a:shade val="50000"/>
+            </a:schemeClr>
+          </a:lnRef>
+          <a:fillRef idx="1">
+            <a:schemeClr val="accent1"/>
+          </a:fillRef>
+          <a:effectRef idx="0">
+            <a:schemeClr val="accent1"/>
+          </a:effectRef>
+          <a:fontRef idx="minor">
+            <a:schemeClr val="lt1"/>
+          </a:fontRef>
+        </p:style>
+        <p:txBody>
+          <a:bodyPr rtlCol="0" anchor="ctr"/>
+          <a:lstStyle/>
+          <a:p>
+            <a:pPr algn="ctr"/>
+            <a:endParaRPr lang="ko-KR" altLang="en-US"/>
+          </a:p>
+        </p:txBody>
+      </p:sp>
+      <p:sp>
+        <p:nvSpPr>
+          <p:cNvPr id="16" name="직사각형 15">
+            <a:extLst>
+              <a:ext uri="{FF2B5EF4-FFF2-40B4-BE49-F238E27FC236}">
+                <a16:creationId xmlns:a16="http://schemas.microsoft.com/office/drawing/2014/main" id="{0735AECC-E2A5-4072-9CD3-F43D36A2B177}"/>
+              </a:ext>
+            </a:extLst>
+          </p:cNvPr>
+          <p:cNvSpPr/>
+          <p:nvPr/>
+        </p:nvSpPr>
+        <p:spPr>
+          <a:xfrm>
+            <a:off x="6053233" y="2891324"/>
+            <a:ext cx="709128" cy="709128"/>
+          </a:xfrm>
+          <a:prstGeom prst="rect">
+            <a:avLst/>
+          </a:prstGeom>
+          <a:ln>
+            <a:noFill/>
+          </a:ln>
+        </p:spPr>
+        <p:style>
+          <a:lnRef idx="2">
+            <a:schemeClr val="accent1">
+              <a:shade val="50000"/>
+            </a:schemeClr>
+          </a:lnRef>
+          <a:fillRef idx="1">
+            <a:schemeClr val="accent1"/>
+          </a:fillRef>
+          <a:effectRef idx="0">
+            <a:schemeClr val="accent1"/>
+          </a:effectRef>
+          <a:fontRef idx="minor">
+            <a:schemeClr val="lt1"/>
+          </a:fontRef>
+        </p:style>
+        <p:txBody>
+          <a:bodyPr rtlCol="0" anchor="ctr"/>
+          <a:lstStyle/>
+          <a:p>
+            <a:pPr algn="ctr"/>
+            <a:endParaRPr lang="ko-KR" altLang="en-US"/>
+          </a:p>
+        </p:txBody>
+      </p:sp>
+      <p:sp>
+        <p:nvSpPr>
+          <p:cNvPr id="17" name="직사각형 16">
+            <a:extLst>
+              <a:ext uri="{FF2B5EF4-FFF2-40B4-BE49-F238E27FC236}">
+                <a16:creationId xmlns:a16="http://schemas.microsoft.com/office/drawing/2014/main" id="{FE83CFCF-FC50-4175-B05B-ED9815F1443C}"/>
+              </a:ext>
+            </a:extLst>
+          </p:cNvPr>
+          <p:cNvSpPr/>
+          <p:nvPr/>
+        </p:nvSpPr>
+        <p:spPr>
+          <a:xfrm>
+            <a:off x="6025243" y="1874285"/>
+            <a:ext cx="709128" cy="709128"/>
+          </a:xfrm>
+          <a:prstGeom prst="rect">
+            <a:avLst/>
+          </a:prstGeom>
+          <a:ln>
+            <a:noFill/>
+          </a:ln>
+        </p:spPr>
+        <p:style>
+          <a:lnRef idx="2">
+            <a:schemeClr val="accent1">
+              <a:shade val="50000"/>
+            </a:schemeClr>
+          </a:lnRef>
+          <a:fillRef idx="1">
+            <a:schemeClr val="accent1"/>
+          </a:fillRef>
+          <a:effectRef idx="0">
+            <a:schemeClr val="accent1"/>
+          </a:effectRef>
+          <a:fontRef idx="minor">
+            <a:schemeClr val="lt1"/>
+          </a:fontRef>
+        </p:style>
+        <p:txBody>
+          <a:bodyPr rtlCol="0" anchor="ctr"/>
+          <a:lstStyle/>
+          <a:p>
+            <a:pPr algn="ctr"/>
+            <a:endParaRPr lang="ko-KR" altLang="en-US"/>
+          </a:p>
+        </p:txBody>
+      </p:sp>
+      <p:sp>
+        <p:nvSpPr>
+          <p:cNvPr id="22" name="직사각형 21">
+            <a:extLst>
+              <a:ext uri="{FF2B5EF4-FFF2-40B4-BE49-F238E27FC236}">
+                <a16:creationId xmlns:a16="http://schemas.microsoft.com/office/drawing/2014/main" id="{EE1C8829-14D2-4DB8-9DD6-672D78C55F32}"/>
+              </a:ext>
+            </a:extLst>
+          </p:cNvPr>
+          <p:cNvSpPr/>
+          <p:nvPr/>
+        </p:nvSpPr>
+        <p:spPr>
+          <a:xfrm>
+            <a:off x="6986293" y="1874285"/>
+            <a:ext cx="709128" cy="709128"/>
+          </a:xfrm>
+          <a:prstGeom prst="rect">
+            <a:avLst/>
+          </a:prstGeom>
+          <a:ln>
+            <a:noFill/>
+          </a:ln>
+        </p:spPr>
+        <p:style>
+          <a:lnRef idx="2">
+            <a:schemeClr val="accent1">
+              <a:shade val="50000"/>
+            </a:schemeClr>
+          </a:lnRef>
+          <a:fillRef idx="1">
+            <a:schemeClr val="accent1"/>
+          </a:fillRef>
+          <a:effectRef idx="0">
+            <a:schemeClr val="accent1"/>
+          </a:effectRef>
+          <a:fontRef idx="minor">
+            <a:schemeClr val="lt1"/>
+          </a:fontRef>
+        </p:style>
+        <p:txBody>
+          <a:bodyPr rtlCol="0" anchor="ctr"/>
+          <a:lstStyle/>
+          <a:p>
+            <a:pPr algn="ctr"/>
+            <a:endParaRPr lang="ko-KR" altLang="en-US"/>
+          </a:p>
+        </p:txBody>
+      </p:sp>
+      <p:sp>
+        <p:nvSpPr>
+          <p:cNvPr id="23" name="직사각형 22">
+            <a:extLst>
+              <a:ext uri="{FF2B5EF4-FFF2-40B4-BE49-F238E27FC236}">
+                <a16:creationId xmlns:a16="http://schemas.microsoft.com/office/drawing/2014/main" id="{CA4AE643-80AC-46FD-B33C-EBB65206B353}"/>
+              </a:ext>
+            </a:extLst>
+          </p:cNvPr>
+          <p:cNvSpPr/>
+          <p:nvPr/>
+        </p:nvSpPr>
+        <p:spPr>
+          <a:xfrm>
+            <a:off x="6986293" y="2583413"/>
+            <a:ext cx="709128" cy="709128"/>
+          </a:xfrm>
+          <a:prstGeom prst="rect">
+            <a:avLst/>
+          </a:prstGeom>
+          <a:ln>
+            <a:noFill/>
+          </a:ln>
+        </p:spPr>
+        <p:style>
+          <a:lnRef idx="2">
+            <a:schemeClr val="accent1">
+              <a:shade val="50000"/>
+            </a:schemeClr>
+          </a:lnRef>
+          <a:fillRef idx="1">
+            <a:schemeClr val="accent1"/>
+          </a:fillRef>
+          <a:effectRef idx="0">
+            <a:schemeClr val="accent1"/>
+          </a:effectRef>
+          <a:fontRef idx="minor">
+            <a:schemeClr val="lt1"/>
+          </a:fontRef>
+        </p:style>
+        <p:txBody>
+          <a:bodyPr rtlCol="0" anchor="ctr"/>
+          <a:lstStyle/>
+          <a:p>
+            <a:pPr algn="ctr"/>
+            <a:endParaRPr lang="ko-KR" altLang="en-US"/>
+          </a:p>
+        </p:txBody>
+      </p:sp>
+      <p:sp>
+        <p:nvSpPr>
+          <p:cNvPr id="24" name="직사각형 23">
+            <a:extLst>
+              <a:ext uri="{FF2B5EF4-FFF2-40B4-BE49-F238E27FC236}">
+                <a16:creationId xmlns:a16="http://schemas.microsoft.com/office/drawing/2014/main" id="{51BB8700-6C49-414A-9954-AFC2A9BAAF79}"/>
+              </a:ext>
+            </a:extLst>
+          </p:cNvPr>
+          <p:cNvSpPr/>
+          <p:nvPr/>
+        </p:nvSpPr>
+        <p:spPr>
+          <a:xfrm>
+            <a:off x="6986293" y="3292541"/>
+            <a:ext cx="709128" cy="709128"/>
+          </a:xfrm>
+          <a:prstGeom prst="rect">
+            <a:avLst/>
+          </a:prstGeom>
+          <a:ln>
+            <a:noFill/>
+          </a:ln>
+        </p:spPr>
+        <p:style>
+          <a:lnRef idx="2">
+            <a:schemeClr val="accent1">
+              <a:shade val="50000"/>
+            </a:schemeClr>
+          </a:lnRef>
+          <a:fillRef idx="1">
+            <a:schemeClr val="accent1"/>
+          </a:fillRef>
+          <a:effectRef idx="0">
+            <a:schemeClr val="accent1"/>
+          </a:effectRef>
+          <a:fontRef idx="minor">
+            <a:schemeClr val="lt1"/>
+          </a:fontRef>
+        </p:style>
+        <p:txBody>
+          <a:bodyPr rtlCol="0" anchor="ctr"/>
+          <a:lstStyle/>
+          <a:p>
+            <a:pPr algn="ctr"/>
+            <a:endParaRPr lang="ko-KR" altLang="en-US"/>
+          </a:p>
+        </p:txBody>
+      </p:sp>
+      <p:sp>
+        <p:nvSpPr>
+          <p:cNvPr id="25" name="직사각형 24">
+            <a:extLst>
+              <a:ext uri="{FF2B5EF4-FFF2-40B4-BE49-F238E27FC236}">
+                <a16:creationId xmlns:a16="http://schemas.microsoft.com/office/drawing/2014/main" id="{21BF95A7-B0BC-49E4-A4F1-D7BA9F884C18}"/>
+              </a:ext>
+            </a:extLst>
+          </p:cNvPr>
+          <p:cNvSpPr/>
+          <p:nvPr/>
+        </p:nvSpPr>
+        <p:spPr>
+          <a:xfrm>
+            <a:off x="6986293" y="4001669"/>
+            <a:ext cx="709128" cy="709128"/>
+          </a:xfrm>
+          <a:prstGeom prst="rect">
+            <a:avLst/>
+          </a:prstGeom>
+          <a:ln>
+            <a:noFill/>
+          </a:ln>
+        </p:spPr>
+        <p:style>
+          <a:lnRef idx="2">
+            <a:schemeClr val="accent1">
+              <a:shade val="50000"/>
+            </a:schemeClr>
+          </a:lnRef>
+          <a:fillRef idx="1">
+            <a:schemeClr val="accent1"/>
+          </a:fillRef>
+          <a:effectRef idx="0">
+            <a:schemeClr val="accent1"/>
+          </a:effectRef>
+          <a:fontRef idx="minor">
+            <a:schemeClr val="lt1"/>
+          </a:fontRef>
+        </p:style>
+        <p:txBody>
+          <a:bodyPr rtlCol="0" anchor="ctr"/>
+          <a:lstStyle/>
+          <a:p>
+            <a:pPr algn="ctr"/>
+            <a:endParaRPr lang="ko-KR" altLang="en-US"/>
+          </a:p>
+        </p:txBody>
+      </p:sp>
+      <p:sp>
+        <p:nvSpPr>
+          <p:cNvPr id="26" name="직사각형 25">
+            <a:extLst>
+              <a:ext uri="{FF2B5EF4-FFF2-40B4-BE49-F238E27FC236}">
+                <a16:creationId xmlns:a16="http://schemas.microsoft.com/office/drawing/2014/main" id="{40F460F1-5874-4E9F-B9F1-8B658ED85FC7}"/>
+              </a:ext>
+            </a:extLst>
+          </p:cNvPr>
+          <p:cNvSpPr/>
+          <p:nvPr/>
+        </p:nvSpPr>
+        <p:spPr>
+          <a:xfrm>
+            <a:off x="7695421" y="1874285"/>
+            <a:ext cx="709128" cy="709128"/>
+          </a:xfrm>
+          <a:prstGeom prst="rect">
+            <a:avLst/>
+          </a:prstGeom>
+          <a:ln>
+            <a:noFill/>
+          </a:ln>
+        </p:spPr>
+        <p:style>
+          <a:lnRef idx="2">
+            <a:schemeClr val="accent1">
+              <a:shade val="50000"/>
+            </a:schemeClr>
+          </a:lnRef>
+          <a:fillRef idx="1">
+            <a:schemeClr val="accent1"/>
+          </a:fillRef>
+          <a:effectRef idx="0">
+            <a:schemeClr val="accent1"/>
+          </a:effectRef>
+          <a:fontRef idx="minor">
+            <a:schemeClr val="lt1"/>
+          </a:fontRef>
+        </p:style>
+        <p:txBody>
+          <a:bodyPr rtlCol="0" anchor="ctr"/>
+          <a:lstStyle/>
+          <a:p>
+            <a:pPr algn="ctr"/>
+            <a:endParaRPr lang="ko-KR" altLang="en-US"/>
+          </a:p>
+        </p:txBody>
+      </p:sp>
+      <p:sp>
+        <p:nvSpPr>
+          <p:cNvPr id="27" name="직사각형 26">
+            <a:extLst>
+              <a:ext uri="{FF2B5EF4-FFF2-40B4-BE49-F238E27FC236}">
+                <a16:creationId xmlns:a16="http://schemas.microsoft.com/office/drawing/2014/main" id="{024EC04F-F045-4BD2-AD2C-80D2823B0937}"/>
+              </a:ext>
+            </a:extLst>
+          </p:cNvPr>
+          <p:cNvSpPr/>
+          <p:nvPr/>
+        </p:nvSpPr>
+        <p:spPr>
+          <a:xfrm>
+            <a:off x="8287912" y="2583413"/>
+            <a:ext cx="709128" cy="709128"/>
+          </a:xfrm>
+          <a:prstGeom prst="rect">
+            <a:avLst/>
+          </a:prstGeom>
+          <a:ln>
+            <a:noFill/>
+          </a:ln>
+        </p:spPr>
+        <p:style>
+          <a:lnRef idx="2">
+            <a:schemeClr val="accent1">
+              <a:shade val="50000"/>
+            </a:schemeClr>
+          </a:lnRef>
+          <a:fillRef idx="1">
+            <a:schemeClr val="accent1"/>
+          </a:fillRef>
+          <a:effectRef idx="0">
+            <a:schemeClr val="accent1"/>
+          </a:effectRef>
+          <a:fontRef idx="minor">
+            <a:schemeClr val="lt1"/>
+          </a:fontRef>
+        </p:style>
+        <p:txBody>
+          <a:bodyPr rtlCol="0" anchor="ctr"/>
+          <a:lstStyle/>
+          <a:p>
+            <a:pPr algn="ctr"/>
+            <a:endParaRPr lang="ko-KR" altLang="en-US"/>
+          </a:p>
+        </p:txBody>
+      </p:sp>
+      <p:sp>
+        <p:nvSpPr>
+          <p:cNvPr id="28" name="직사각형 27">
+            <a:extLst>
+              <a:ext uri="{FF2B5EF4-FFF2-40B4-BE49-F238E27FC236}">
+                <a16:creationId xmlns:a16="http://schemas.microsoft.com/office/drawing/2014/main" id="{6C350BB4-213B-494A-B3EE-48234AA2A5B9}"/>
+              </a:ext>
+            </a:extLst>
+          </p:cNvPr>
+          <p:cNvSpPr/>
+          <p:nvPr/>
+        </p:nvSpPr>
+        <p:spPr>
+          <a:xfrm>
+            <a:off x="7641768" y="2937977"/>
+            <a:ext cx="709128" cy="709128"/>
+          </a:xfrm>
+          <a:prstGeom prst="rect">
+            <a:avLst/>
+          </a:prstGeom>
+          <a:ln>
+            <a:noFill/>
+          </a:ln>
+        </p:spPr>
+        <p:style>
+          <a:lnRef idx="2">
+            <a:schemeClr val="accent1">
+              <a:shade val="50000"/>
+            </a:schemeClr>
+          </a:lnRef>
+          <a:fillRef idx="1">
+            <a:schemeClr val="accent1"/>
+          </a:fillRef>
+          <a:effectRef idx="0">
+            <a:schemeClr val="accent1"/>
+          </a:effectRef>
+          <a:fontRef idx="minor">
+            <a:schemeClr val="lt1"/>
+          </a:fontRef>
+        </p:style>
+        <p:txBody>
+          <a:bodyPr rtlCol="0" anchor="ctr"/>
+          <a:lstStyle/>
+          <a:p>
+            <a:pPr algn="ctr"/>
+            <a:endParaRPr lang="ko-KR" altLang="en-US"/>
+          </a:p>
+        </p:txBody>
+      </p:sp>
+      <p:sp>
+        <p:nvSpPr>
+          <p:cNvPr id="29" name="직사각형 28">
+            <a:extLst>
+              <a:ext uri="{FF2B5EF4-FFF2-40B4-BE49-F238E27FC236}">
+                <a16:creationId xmlns:a16="http://schemas.microsoft.com/office/drawing/2014/main" id="{8D37F7F9-27D5-4923-BB65-DD8030EC24AC}"/>
+              </a:ext>
+            </a:extLst>
+          </p:cNvPr>
+          <p:cNvSpPr/>
+          <p:nvPr/>
+        </p:nvSpPr>
+        <p:spPr>
+          <a:xfrm>
+            <a:off x="8287912" y="3292541"/>
+            <a:ext cx="709128" cy="709128"/>
+          </a:xfrm>
+          <a:prstGeom prst="rect">
+            <a:avLst/>
+          </a:prstGeom>
+          <a:ln>
+            <a:noFill/>
+          </a:ln>
+        </p:spPr>
+        <p:style>
+          <a:lnRef idx="2">
+            <a:schemeClr val="accent1">
+              <a:shade val="50000"/>
+            </a:schemeClr>
+          </a:lnRef>
+          <a:fillRef idx="1">
+            <a:schemeClr val="accent1"/>
+          </a:fillRef>
+          <a:effectRef idx="0">
+            <a:schemeClr val="accent1"/>
+          </a:effectRef>
+          <a:fontRef idx="minor">
+            <a:schemeClr val="lt1"/>
+          </a:fontRef>
+        </p:style>
+        <p:txBody>
+          <a:bodyPr rtlCol="0" anchor="ctr"/>
+          <a:lstStyle/>
+          <a:p>
+            <a:pPr algn="ctr"/>
+            <a:endParaRPr lang="ko-KR" altLang="en-US"/>
+          </a:p>
+        </p:txBody>
+      </p:sp>
+      <p:sp>
+        <p:nvSpPr>
+          <p:cNvPr id="30" name="직사각형 29">
+            <a:extLst>
+              <a:ext uri="{FF2B5EF4-FFF2-40B4-BE49-F238E27FC236}">
+                <a16:creationId xmlns:a16="http://schemas.microsoft.com/office/drawing/2014/main" id="{22662D20-3232-473B-9E6A-5443611768FD}"/>
+              </a:ext>
+            </a:extLst>
+          </p:cNvPr>
+          <p:cNvSpPr/>
+          <p:nvPr/>
+        </p:nvSpPr>
+        <p:spPr>
+          <a:xfrm>
+            <a:off x="7695421" y="4001669"/>
+            <a:ext cx="709128" cy="709128"/>
+          </a:xfrm>
+          <a:prstGeom prst="rect">
+            <a:avLst/>
+          </a:prstGeom>
+          <a:ln>
+            <a:noFill/>
+          </a:ln>
+        </p:spPr>
+        <p:style>
+          <a:lnRef idx="2">
+            <a:schemeClr val="accent1">
+              <a:shade val="50000"/>
+            </a:schemeClr>
+          </a:lnRef>
+          <a:fillRef idx="1">
+            <a:schemeClr val="accent1"/>
+          </a:fillRef>
+          <a:effectRef idx="0">
+            <a:schemeClr val="accent1"/>
+          </a:effectRef>
+          <a:fontRef idx="minor">
+            <a:schemeClr val="lt1"/>
+          </a:fontRef>
+        </p:style>
+        <p:txBody>
+          <a:bodyPr rtlCol="0" anchor="ctr"/>
+          <a:lstStyle/>
+          <a:p>
+            <a:pPr algn="ctr"/>
+            <a:endParaRPr lang="ko-KR" altLang="en-US"/>
+          </a:p>
+        </p:txBody>
+      </p:sp>
+    </p:spTree>
+    <p:extLst>
+      <p:ext uri="{BB962C8B-B14F-4D97-AF65-F5344CB8AC3E}">
+        <p14:creationId xmlns:p14="http://schemas.microsoft.com/office/powerpoint/2010/main" val="42395600"/>
+      </p:ext>
+    </p:extLst>
+  </p:cSld>
+  <p:clrMapOvr>
+    <a:masterClrMapping/>
+  </p:clrMapOvr>
+</p:sld>
+</file>
+
+<file path=ppt/slides/slide9.xml><?xml version="1.0" encoding="utf-8"?>
+<p:sld xmlns:a="http://schemas.openxmlformats.org/drawingml/2006/main" xmlns:r="http://schemas.openxmlformats.org/officeDocument/2006/relationships" xmlns:p="http://schemas.openxmlformats.org/presentationml/2006/main">
+  <p:cSld>
+    <p:spTree>
+      <p:nvGrpSpPr>
+        <p:cNvPr id="1" name=""/>
+        <p:cNvGrpSpPr/>
+        <p:nvPr/>
+      </p:nvGrpSpPr>
+      <p:grpSpPr>
+        <a:xfrm>
+          <a:off x="0" y="0"/>
+          <a:ext cx="0" cy="0"/>
+          <a:chOff x="0" y="0"/>
+          <a:chExt cx="0" cy="0"/>
+        </a:xfrm>
+      </p:grpSpPr>
+      <p:pic>
+        <p:nvPicPr>
+          <p:cNvPr id="5" name="그림 4">
+            <a:extLst>
+              <a:ext uri="{FF2B5EF4-FFF2-40B4-BE49-F238E27FC236}">
+                <a16:creationId xmlns:a16="http://schemas.microsoft.com/office/drawing/2014/main" id="{57B8267E-F591-493F-A909-96D2F4D9ED10}"/>
+              </a:ext>
+            </a:extLst>
+          </p:cNvPr>
+          <p:cNvPicPr>
+            <a:picLocks noChangeAspect="1"/>
+          </p:cNvPicPr>
+          <p:nvPr/>
+        </p:nvPicPr>
+        <p:blipFill>
+          <a:blip r:embed="rId2"/>
+          <a:stretch>
+            <a:fillRect/>
+          </a:stretch>
+        </p:blipFill>
+        <p:spPr>
+          <a:xfrm>
+            <a:off x="0" y="0"/>
+            <a:ext cx="12192000" cy="6858000"/>
+          </a:xfrm>
+          <a:prstGeom prst="rect">
+            <a:avLst/>
+          </a:prstGeom>
+        </p:spPr>
+      </p:pic>
+    </p:spTree>
+    <p:extLst>
+      <p:ext uri="{BB962C8B-B14F-4D97-AF65-F5344CB8AC3E}">
+        <p14:creationId xmlns:p14="http://schemas.microsoft.com/office/powerpoint/2010/main" val="1533552917"/>
+      </p:ext>
+    </p:extLst>
+  </p:cSld>
+  <p:clrMapOvr>
+    <a:masterClrMapping/>
+  </p:clrMapOvr>
+</p:sld>
+</file>
+
 <file path=ppt/theme/theme1.xml><?xml version="1.0" encoding="utf-8"?>
 <a:theme xmlns:a="http://schemas.openxmlformats.org/drawingml/2006/main" name="Office 테마">
   <a:themeElements>

--- a/Article/섬네일공장/새 Microsoft PowerPoint 프레젠테이션.pptx
+++ b/Article/섬네일공장/새 Microsoft PowerPoint 프레젠테이션.pptx
@@ -14,6 +14,7 @@
     <p:sldId id="262" r:id="rId8"/>
     <p:sldId id="263" r:id="rId9"/>
     <p:sldId id="264" r:id="rId10"/>
+    <p:sldId id="265" r:id="rId11"/>
   </p:sldIdLst>
   <p:sldSz cx="12192000" cy="6858000"/>
   <p:notesSz cx="6858000" cy="9144000"/>
@@ -278,7 +279,7 @@
           <a:p>
             <a:fld id="{6A8F2BA4-AD55-4F95-926C-ED709381EFD6}" type="datetimeFigureOut">
               <a:rPr lang="ko-KR" altLang="en-US" smtClean="0"/>
-              <a:t>2020-04-08</a:t>
+              <a:t>2020-06-15</a:t>
             </a:fld>
             <a:endParaRPr lang="ko-KR" altLang="en-US"/>
           </a:p>
@@ -476,7 +477,7 @@
           <a:p>
             <a:fld id="{6A8F2BA4-AD55-4F95-926C-ED709381EFD6}" type="datetimeFigureOut">
               <a:rPr lang="ko-KR" altLang="en-US" smtClean="0"/>
-              <a:t>2020-04-08</a:t>
+              <a:t>2020-06-15</a:t>
             </a:fld>
             <a:endParaRPr lang="ko-KR" altLang="en-US"/>
           </a:p>
@@ -684,7 +685,7 @@
           <a:p>
             <a:fld id="{6A8F2BA4-AD55-4F95-926C-ED709381EFD6}" type="datetimeFigureOut">
               <a:rPr lang="ko-KR" altLang="en-US" smtClean="0"/>
-              <a:t>2020-04-08</a:t>
+              <a:t>2020-06-15</a:t>
             </a:fld>
             <a:endParaRPr lang="ko-KR" altLang="en-US"/>
           </a:p>
@@ -882,7 +883,7 @@
           <a:p>
             <a:fld id="{6A8F2BA4-AD55-4F95-926C-ED709381EFD6}" type="datetimeFigureOut">
               <a:rPr lang="ko-KR" altLang="en-US" smtClean="0"/>
-              <a:t>2020-04-08</a:t>
+              <a:t>2020-06-15</a:t>
             </a:fld>
             <a:endParaRPr lang="ko-KR" altLang="en-US"/>
           </a:p>
@@ -1157,7 +1158,7 @@
           <a:p>
             <a:fld id="{6A8F2BA4-AD55-4F95-926C-ED709381EFD6}" type="datetimeFigureOut">
               <a:rPr lang="ko-KR" altLang="en-US" smtClean="0"/>
-              <a:t>2020-04-08</a:t>
+              <a:t>2020-06-15</a:t>
             </a:fld>
             <a:endParaRPr lang="ko-KR" altLang="en-US"/>
           </a:p>
@@ -1422,7 +1423,7 @@
           <a:p>
             <a:fld id="{6A8F2BA4-AD55-4F95-926C-ED709381EFD6}" type="datetimeFigureOut">
               <a:rPr lang="ko-KR" altLang="en-US" smtClean="0"/>
-              <a:t>2020-04-08</a:t>
+              <a:t>2020-06-15</a:t>
             </a:fld>
             <a:endParaRPr lang="ko-KR" altLang="en-US"/>
           </a:p>
@@ -1834,7 +1835,7 @@
           <a:p>
             <a:fld id="{6A8F2BA4-AD55-4F95-926C-ED709381EFD6}" type="datetimeFigureOut">
               <a:rPr lang="ko-KR" altLang="en-US" smtClean="0"/>
-              <a:t>2020-04-08</a:t>
+              <a:t>2020-06-15</a:t>
             </a:fld>
             <a:endParaRPr lang="ko-KR" altLang="en-US"/>
           </a:p>
@@ -1975,7 +1976,7 @@
           <a:p>
             <a:fld id="{6A8F2BA4-AD55-4F95-926C-ED709381EFD6}" type="datetimeFigureOut">
               <a:rPr lang="ko-KR" altLang="en-US" smtClean="0"/>
-              <a:t>2020-04-08</a:t>
+              <a:t>2020-06-15</a:t>
             </a:fld>
             <a:endParaRPr lang="ko-KR" altLang="en-US"/>
           </a:p>
@@ -2088,7 +2089,7 @@
           <a:p>
             <a:fld id="{6A8F2BA4-AD55-4F95-926C-ED709381EFD6}" type="datetimeFigureOut">
               <a:rPr lang="ko-KR" altLang="en-US" smtClean="0"/>
-              <a:t>2020-04-08</a:t>
+              <a:t>2020-06-15</a:t>
             </a:fld>
             <a:endParaRPr lang="ko-KR" altLang="en-US"/>
           </a:p>
@@ -2399,7 +2400,7 @@
           <a:p>
             <a:fld id="{6A8F2BA4-AD55-4F95-926C-ED709381EFD6}" type="datetimeFigureOut">
               <a:rPr lang="ko-KR" altLang="en-US" smtClean="0"/>
-              <a:t>2020-04-08</a:t>
+              <a:t>2020-06-15</a:t>
             </a:fld>
             <a:endParaRPr lang="ko-KR" altLang="en-US"/>
           </a:p>
@@ -2687,7 +2688,7 @@
           <a:p>
             <a:fld id="{6A8F2BA4-AD55-4F95-926C-ED709381EFD6}" type="datetimeFigureOut">
               <a:rPr lang="ko-KR" altLang="en-US" smtClean="0"/>
-              <a:t>2020-04-08</a:t>
+              <a:t>2020-06-15</a:t>
             </a:fld>
             <a:endParaRPr lang="ko-KR" altLang="en-US"/>
           </a:p>
@@ -2928,7 +2929,7 @@
           <a:p>
             <a:fld id="{6A8F2BA4-AD55-4F95-926C-ED709381EFD6}" type="datetimeFigureOut">
               <a:rPr lang="ko-KR" altLang="en-US" smtClean="0"/>
-              <a:t>2020-04-08</a:t>
+              <a:t>2020-06-15</a:t>
             </a:fld>
             <a:endParaRPr lang="ko-KR" altLang="en-US"/>
           </a:p>
@@ -3413,6 +3414,83 @@
 </p:sld>
 </file>
 
+<file path=ppt/slides/slide10.xml><?xml version="1.0" encoding="utf-8"?>
+<p:sld xmlns:a="http://schemas.openxmlformats.org/drawingml/2006/main" xmlns:r="http://schemas.openxmlformats.org/officeDocument/2006/relationships" xmlns:p="http://schemas.openxmlformats.org/presentationml/2006/main">
+  <p:cSld>
+    <p:spTree>
+      <p:nvGrpSpPr>
+        <p:cNvPr id="1" name=""/>
+        <p:cNvGrpSpPr/>
+        <p:nvPr/>
+      </p:nvGrpSpPr>
+      <p:grpSpPr>
+        <a:xfrm>
+          <a:off x="0" y="0"/>
+          <a:ext cx="0" cy="0"/>
+          <a:chOff x="0" y="0"/>
+          <a:chExt cx="0" cy="0"/>
+        </a:xfrm>
+      </p:grpSpPr>
+      <p:pic>
+        <p:nvPicPr>
+          <p:cNvPr id="1026" name="Picture 2">
+            <a:extLst>
+              <a:ext uri="{FF2B5EF4-FFF2-40B4-BE49-F238E27FC236}">
+                <a16:creationId xmlns:a16="http://schemas.microsoft.com/office/drawing/2014/main" id="{612BAC02-8898-47B5-9AB3-354B04698623}"/>
+              </a:ext>
+            </a:extLst>
+          </p:cNvPr>
+          <p:cNvPicPr>
+            <a:picLocks noChangeAspect="1" noChangeArrowheads="1"/>
+          </p:cNvPicPr>
+          <p:nvPr/>
+        </p:nvPicPr>
+        <p:blipFill>
+          <a:blip r:embed="rId2">
+            <a:extLst>
+              <a:ext uri="{28A0092B-C50C-407E-A947-70E740481C1C}">
+                <a14:useLocalDpi xmlns:a14="http://schemas.microsoft.com/office/drawing/2010/main" val="0"/>
+              </a:ext>
+            </a:extLst>
+          </a:blip>
+          <a:srcRect/>
+          <a:stretch>
+            <a:fillRect/>
+          </a:stretch>
+        </p:blipFill>
+        <p:spPr bwMode="auto">
+          <a:xfrm>
+            <a:off x="2258688" y="1511559"/>
+            <a:ext cx="7674624" cy="3542134"/>
+          </a:xfrm>
+          <a:prstGeom prst="rect">
+            <a:avLst/>
+          </a:prstGeom>
+          <a:noFill/>
+          <a:extLst>
+            <a:ext uri="{909E8E84-426E-40DD-AFC4-6F175D3DCCD1}">
+              <a14:hiddenFill xmlns:a14="http://schemas.microsoft.com/office/drawing/2010/main">
+                <a:solidFill>
+                  <a:srgbClr val="FFFFFF"/>
+                </a:solidFill>
+              </a14:hiddenFill>
+            </a:ext>
+          </a:extLst>
+        </p:spPr>
+      </p:pic>
+    </p:spTree>
+    <p:extLst>
+      <p:ext uri="{BB962C8B-B14F-4D97-AF65-F5344CB8AC3E}">
+        <p14:creationId xmlns:p14="http://schemas.microsoft.com/office/powerpoint/2010/main" val="355549321"/>
+      </p:ext>
+    </p:extLst>
+  </p:cSld>
+  <p:clrMapOvr>
+    <a:masterClrMapping/>
+  </p:clrMapOvr>
+</p:sld>
+</file>
+
 <file path=ppt/slides/slide2.xml><?xml version="1.0" encoding="utf-8"?>
 <p:sld xmlns:a="http://schemas.openxmlformats.org/drawingml/2006/main" xmlns:r="http://schemas.openxmlformats.org/officeDocument/2006/relationships" xmlns:p="http://schemas.openxmlformats.org/presentationml/2006/main">
   <p:cSld>

--- a/Article/섬네일공장/새 Microsoft PowerPoint 프레젠테이션.pptx
+++ b/Article/섬네일공장/새 Microsoft PowerPoint 프레젠테이션.pptx
@@ -15,6 +15,7 @@
     <p:sldId id="263" r:id="rId9"/>
     <p:sldId id="264" r:id="rId10"/>
     <p:sldId id="265" r:id="rId11"/>
+    <p:sldId id="266" r:id="rId12"/>
   </p:sldIdLst>
   <p:sldSz cx="12192000" cy="6858000"/>
   <p:notesSz cx="6858000" cy="9144000"/>
@@ -279,7 +280,7 @@
           <a:p>
             <a:fld id="{6A8F2BA4-AD55-4F95-926C-ED709381EFD6}" type="datetimeFigureOut">
               <a:rPr lang="ko-KR" altLang="en-US" smtClean="0"/>
-              <a:t>2020-06-15</a:t>
+              <a:t>2020-06-17</a:t>
             </a:fld>
             <a:endParaRPr lang="ko-KR" altLang="en-US"/>
           </a:p>
@@ -477,7 +478,7 @@
           <a:p>
             <a:fld id="{6A8F2BA4-AD55-4F95-926C-ED709381EFD6}" type="datetimeFigureOut">
               <a:rPr lang="ko-KR" altLang="en-US" smtClean="0"/>
-              <a:t>2020-06-15</a:t>
+              <a:t>2020-06-17</a:t>
             </a:fld>
             <a:endParaRPr lang="ko-KR" altLang="en-US"/>
           </a:p>
@@ -685,7 +686,7 @@
           <a:p>
             <a:fld id="{6A8F2BA4-AD55-4F95-926C-ED709381EFD6}" type="datetimeFigureOut">
               <a:rPr lang="ko-KR" altLang="en-US" smtClean="0"/>
-              <a:t>2020-06-15</a:t>
+              <a:t>2020-06-17</a:t>
             </a:fld>
             <a:endParaRPr lang="ko-KR" altLang="en-US"/>
           </a:p>
@@ -883,7 +884,7 @@
           <a:p>
             <a:fld id="{6A8F2BA4-AD55-4F95-926C-ED709381EFD6}" type="datetimeFigureOut">
               <a:rPr lang="ko-KR" altLang="en-US" smtClean="0"/>
-              <a:t>2020-06-15</a:t>
+              <a:t>2020-06-17</a:t>
             </a:fld>
             <a:endParaRPr lang="ko-KR" altLang="en-US"/>
           </a:p>
@@ -1158,7 +1159,7 @@
           <a:p>
             <a:fld id="{6A8F2BA4-AD55-4F95-926C-ED709381EFD6}" type="datetimeFigureOut">
               <a:rPr lang="ko-KR" altLang="en-US" smtClean="0"/>
-              <a:t>2020-06-15</a:t>
+              <a:t>2020-06-17</a:t>
             </a:fld>
             <a:endParaRPr lang="ko-KR" altLang="en-US"/>
           </a:p>
@@ -1423,7 +1424,7 @@
           <a:p>
             <a:fld id="{6A8F2BA4-AD55-4F95-926C-ED709381EFD6}" type="datetimeFigureOut">
               <a:rPr lang="ko-KR" altLang="en-US" smtClean="0"/>
-              <a:t>2020-06-15</a:t>
+              <a:t>2020-06-17</a:t>
             </a:fld>
             <a:endParaRPr lang="ko-KR" altLang="en-US"/>
           </a:p>
@@ -1835,7 +1836,7 @@
           <a:p>
             <a:fld id="{6A8F2BA4-AD55-4F95-926C-ED709381EFD6}" type="datetimeFigureOut">
               <a:rPr lang="ko-KR" altLang="en-US" smtClean="0"/>
-              <a:t>2020-06-15</a:t>
+              <a:t>2020-06-17</a:t>
             </a:fld>
             <a:endParaRPr lang="ko-KR" altLang="en-US"/>
           </a:p>
@@ -1976,7 +1977,7 @@
           <a:p>
             <a:fld id="{6A8F2BA4-AD55-4F95-926C-ED709381EFD6}" type="datetimeFigureOut">
               <a:rPr lang="ko-KR" altLang="en-US" smtClean="0"/>
-              <a:t>2020-06-15</a:t>
+              <a:t>2020-06-17</a:t>
             </a:fld>
             <a:endParaRPr lang="ko-KR" altLang="en-US"/>
           </a:p>
@@ -2089,7 +2090,7 @@
           <a:p>
             <a:fld id="{6A8F2BA4-AD55-4F95-926C-ED709381EFD6}" type="datetimeFigureOut">
               <a:rPr lang="ko-KR" altLang="en-US" smtClean="0"/>
-              <a:t>2020-06-15</a:t>
+              <a:t>2020-06-17</a:t>
             </a:fld>
             <a:endParaRPr lang="ko-KR" altLang="en-US"/>
           </a:p>
@@ -2400,7 +2401,7 @@
           <a:p>
             <a:fld id="{6A8F2BA4-AD55-4F95-926C-ED709381EFD6}" type="datetimeFigureOut">
               <a:rPr lang="ko-KR" altLang="en-US" smtClean="0"/>
-              <a:t>2020-06-15</a:t>
+              <a:t>2020-06-17</a:t>
             </a:fld>
             <a:endParaRPr lang="ko-KR" altLang="en-US"/>
           </a:p>
@@ -2688,7 +2689,7 @@
           <a:p>
             <a:fld id="{6A8F2BA4-AD55-4F95-926C-ED709381EFD6}" type="datetimeFigureOut">
               <a:rPr lang="ko-KR" altLang="en-US" smtClean="0"/>
-              <a:t>2020-06-15</a:t>
+              <a:t>2020-06-17</a:t>
             </a:fld>
             <a:endParaRPr lang="ko-KR" altLang="en-US"/>
           </a:p>
@@ -2929,7 +2930,7 @@
           <a:p>
             <a:fld id="{6A8F2BA4-AD55-4F95-926C-ED709381EFD6}" type="datetimeFigureOut">
               <a:rPr lang="ko-KR" altLang="en-US" smtClean="0"/>
-              <a:t>2020-06-15</a:t>
+              <a:t>2020-06-17</a:t>
             </a:fld>
             <a:endParaRPr lang="ko-KR" altLang="en-US"/>
           </a:p>
@@ -3491,6 +3492,91 @@
 </p:sld>
 </file>
 
+<file path=ppt/slides/slide11.xml><?xml version="1.0" encoding="utf-8"?>
+<p:sld xmlns:a="http://schemas.openxmlformats.org/drawingml/2006/main" xmlns:r="http://schemas.openxmlformats.org/officeDocument/2006/relationships" xmlns:p="http://schemas.openxmlformats.org/presentationml/2006/main">
+  <p:cSld>
+    <p:bg>
+      <p:bgPr>
+        <a:solidFill>
+          <a:srgbClr val="1428A0"/>
+        </a:solidFill>
+        <a:effectLst/>
+      </p:bgPr>
+    </p:bg>
+    <p:spTree>
+      <p:nvGrpSpPr>
+        <p:cNvPr id="1" name=""/>
+        <p:cNvGrpSpPr/>
+        <p:nvPr/>
+      </p:nvGrpSpPr>
+      <p:grpSpPr>
+        <a:xfrm>
+          <a:off x="0" y="0"/>
+          <a:ext cx="0" cy="0"/>
+          <a:chOff x="0" y="0"/>
+          <a:chExt cx="0" cy="0"/>
+        </a:xfrm>
+      </p:grpSpPr>
+      <p:pic>
+        <p:nvPicPr>
+          <p:cNvPr id="1026" name="Picture 2" descr="Samsung Introduces New Digital Display Innovations at InfoComm ...">
+            <a:extLst>
+              <a:ext uri="{FF2B5EF4-FFF2-40B4-BE49-F238E27FC236}">
+                <a16:creationId xmlns:a16="http://schemas.microsoft.com/office/drawing/2014/main" id="{A55460E9-D28F-4357-B3BB-219D913C8FE8}"/>
+              </a:ext>
+            </a:extLst>
+          </p:cNvPr>
+          <p:cNvPicPr>
+            <a:picLocks noChangeAspect="1" noChangeArrowheads="1"/>
+          </p:cNvPicPr>
+          <p:nvPr/>
+        </p:nvPicPr>
+        <p:blipFill>
+          <a:blip r:embed="rId2">
+            <a:extLst>
+              <a:ext uri="{28A0092B-C50C-407E-A947-70E740481C1C}">
+                <a14:useLocalDpi xmlns:a14="http://schemas.microsoft.com/office/drawing/2010/main" val="0"/>
+              </a:ext>
+            </a:extLst>
+          </a:blip>
+          <a:srcRect/>
+          <a:stretch>
+            <a:fillRect/>
+          </a:stretch>
+        </p:blipFill>
+        <p:spPr bwMode="auto">
+          <a:xfrm>
+            <a:off x="3714750" y="1047750"/>
+            <a:ext cx="4762500" cy="4762500"/>
+          </a:xfrm>
+          <a:prstGeom prst="rect">
+            <a:avLst/>
+          </a:prstGeom>
+          <a:noFill/>
+          <a:extLst>
+            <a:ext uri="{909E8E84-426E-40DD-AFC4-6F175D3DCCD1}">
+              <a14:hiddenFill xmlns:a14="http://schemas.microsoft.com/office/drawing/2010/main">
+                <a:solidFill>
+                  <a:srgbClr val="FFFFFF"/>
+                </a:solidFill>
+              </a14:hiddenFill>
+            </a:ext>
+          </a:extLst>
+        </p:spPr>
+      </p:pic>
+    </p:spTree>
+    <p:extLst>
+      <p:ext uri="{BB962C8B-B14F-4D97-AF65-F5344CB8AC3E}">
+        <p14:creationId xmlns:p14="http://schemas.microsoft.com/office/powerpoint/2010/main" val="4215861281"/>
+      </p:ext>
+    </p:extLst>
+  </p:cSld>
+  <p:clrMapOvr>
+    <a:masterClrMapping/>
+  </p:clrMapOvr>
+</p:sld>
+</file>
+
 <file path=ppt/slides/slide2.xml><?xml version="1.0" encoding="utf-8"?>
 <p:sld xmlns:a="http://schemas.openxmlformats.org/drawingml/2006/main" xmlns:r="http://schemas.openxmlformats.org/officeDocument/2006/relationships" xmlns:p="http://schemas.openxmlformats.org/presentationml/2006/main">
   <p:cSld>

--- a/Article/섬네일공장/새 Microsoft PowerPoint 프레젠테이션.pptx
+++ b/Article/섬네일공장/새 Microsoft PowerPoint 프레젠테이션.pptx
@@ -16,6 +16,7 @@
     <p:sldId id="264" r:id="rId10"/>
     <p:sldId id="265" r:id="rId11"/>
     <p:sldId id="266" r:id="rId12"/>
+    <p:sldId id="267" r:id="rId13"/>
   </p:sldIdLst>
   <p:sldSz cx="12192000" cy="6858000"/>
   <p:notesSz cx="6858000" cy="9144000"/>
@@ -280,7 +281,7 @@
           <a:p>
             <a:fld id="{6A8F2BA4-AD55-4F95-926C-ED709381EFD6}" type="datetimeFigureOut">
               <a:rPr lang="ko-KR" altLang="en-US" smtClean="0"/>
-              <a:t>2020-06-17</a:t>
+              <a:t>2020-06-22</a:t>
             </a:fld>
             <a:endParaRPr lang="ko-KR" altLang="en-US"/>
           </a:p>
@@ -478,7 +479,7 @@
           <a:p>
             <a:fld id="{6A8F2BA4-AD55-4F95-926C-ED709381EFD6}" type="datetimeFigureOut">
               <a:rPr lang="ko-KR" altLang="en-US" smtClean="0"/>
-              <a:t>2020-06-17</a:t>
+              <a:t>2020-06-22</a:t>
             </a:fld>
             <a:endParaRPr lang="ko-KR" altLang="en-US"/>
           </a:p>
@@ -686,7 +687,7 @@
           <a:p>
             <a:fld id="{6A8F2BA4-AD55-4F95-926C-ED709381EFD6}" type="datetimeFigureOut">
               <a:rPr lang="ko-KR" altLang="en-US" smtClean="0"/>
-              <a:t>2020-06-17</a:t>
+              <a:t>2020-06-22</a:t>
             </a:fld>
             <a:endParaRPr lang="ko-KR" altLang="en-US"/>
           </a:p>
@@ -884,7 +885,7 @@
           <a:p>
             <a:fld id="{6A8F2BA4-AD55-4F95-926C-ED709381EFD6}" type="datetimeFigureOut">
               <a:rPr lang="ko-KR" altLang="en-US" smtClean="0"/>
-              <a:t>2020-06-17</a:t>
+              <a:t>2020-06-22</a:t>
             </a:fld>
             <a:endParaRPr lang="ko-KR" altLang="en-US"/>
           </a:p>
@@ -1159,7 +1160,7 @@
           <a:p>
             <a:fld id="{6A8F2BA4-AD55-4F95-926C-ED709381EFD6}" type="datetimeFigureOut">
               <a:rPr lang="ko-KR" altLang="en-US" smtClean="0"/>
-              <a:t>2020-06-17</a:t>
+              <a:t>2020-06-22</a:t>
             </a:fld>
             <a:endParaRPr lang="ko-KR" altLang="en-US"/>
           </a:p>
@@ -1424,7 +1425,7 @@
           <a:p>
             <a:fld id="{6A8F2BA4-AD55-4F95-926C-ED709381EFD6}" type="datetimeFigureOut">
               <a:rPr lang="ko-KR" altLang="en-US" smtClean="0"/>
-              <a:t>2020-06-17</a:t>
+              <a:t>2020-06-22</a:t>
             </a:fld>
             <a:endParaRPr lang="ko-KR" altLang="en-US"/>
           </a:p>
@@ -1836,7 +1837,7 @@
           <a:p>
             <a:fld id="{6A8F2BA4-AD55-4F95-926C-ED709381EFD6}" type="datetimeFigureOut">
               <a:rPr lang="ko-KR" altLang="en-US" smtClean="0"/>
-              <a:t>2020-06-17</a:t>
+              <a:t>2020-06-22</a:t>
             </a:fld>
             <a:endParaRPr lang="ko-KR" altLang="en-US"/>
           </a:p>
@@ -1977,7 +1978,7 @@
           <a:p>
             <a:fld id="{6A8F2BA4-AD55-4F95-926C-ED709381EFD6}" type="datetimeFigureOut">
               <a:rPr lang="ko-KR" altLang="en-US" smtClean="0"/>
-              <a:t>2020-06-17</a:t>
+              <a:t>2020-06-22</a:t>
             </a:fld>
             <a:endParaRPr lang="ko-KR" altLang="en-US"/>
           </a:p>
@@ -2090,7 +2091,7 @@
           <a:p>
             <a:fld id="{6A8F2BA4-AD55-4F95-926C-ED709381EFD6}" type="datetimeFigureOut">
               <a:rPr lang="ko-KR" altLang="en-US" smtClean="0"/>
-              <a:t>2020-06-17</a:t>
+              <a:t>2020-06-22</a:t>
             </a:fld>
             <a:endParaRPr lang="ko-KR" altLang="en-US"/>
           </a:p>
@@ -2401,7 +2402,7 @@
           <a:p>
             <a:fld id="{6A8F2BA4-AD55-4F95-926C-ED709381EFD6}" type="datetimeFigureOut">
               <a:rPr lang="ko-KR" altLang="en-US" smtClean="0"/>
-              <a:t>2020-06-17</a:t>
+              <a:t>2020-06-22</a:t>
             </a:fld>
             <a:endParaRPr lang="ko-KR" altLang="en-US"/>
           </a:p>
@@ -2689,7 +2690,7 @@
           <a:p>
             <a:fld id="{6A8F2BA4-AD55-4F95-926C-ED709381EFD6}" type="datetimeFigureOut">
               <a:rPr lang="ko-KR" altLang="en-US" smtClean="0"/>
-              <a:t>2020-06-17</a:t>
+              <a:t>2020-06-22</a:t>
             </a:fld>
             <a:endParaRPr lang="ko-KR" altLang="en-US"/>
           </a:p>
@@ -2930,7 +2931,7 @@
           <a:p>
             <a:fld id="{6A8F2BA4-AD55-4F95-926C-ED709381EFD6}" type="datetimeFigureOut">
               <a:rPr lang="ko-KR" altLang="en-US" smtClean="0"/>
-              <a:t>2020-06-17</a:t>
+              <a:t>2020-06-22</a:t>
             </a:fld>
             <a:endParaRPr lang="ko-KR" altLang="en-US"/>
           </a:p>
@@ -3577,6 +3578,72 @@
 </p:sld>
 </file>
 
+<file path=ppt/slides/slide12.xml><?xml version="1.0" encoding="utf-8"?>
+<p:sld xmlns:a="http://schemas.openxmlformats.org/drawingml/2006/main" xmlns:r="http://schemas.openxmlformats.org/officeDocument/2006/relationships" xmlns:p="http://schemas.openxmlformats.org/presentationml/2006/main">
+  <p:cSld>
+    <p:spTree>
+      <p:nvGrpSpPr>
+        <p:cNvPr id="1" name=""/>
+        <p:cNvGrpSpPr/>
+        <p:nvPr/>
+      </p:nvGrpSpPr>
+      <p:grpSpPr>
+        <a:xfrm>
+          <a:off x="0" y="0"/>
+          <a:ext cx="0" cy="0"/>
+          <a:chOff x="0" y="0"/>
+          <a:chExt cx="0" cy="0"/>
+        </a:xfrm>
+      </p:grpSpPr>
+      <p:pic>
+        <p:nvPicPr>
+          <p:cNvPr id="5" name="그림 4" descr="실외, 건물, 거리, 도시이(가) 표시된 사진&#10;&#10;자동 생성된 설명">
+            <a:extLst>
+              <a:ext uri="{FF2B5EF4-FFF2-40B4-BE49-F238E27FC236}">
+                <a16:creationId xmlns:a16="http://schemas.microsoft.com/office/drawing/2014/main" id="{DFA6F375-0466-4FB0-80D8-EF8372CD55CE}"/>
+              </a:ext>
+            </a:extLst>
+          </p:cNvPr>
+          <p:cNvPicPr>
+            <a:picLocks noChangeAspect="1"/>
+          </p:cNvPicPr>
+          <p:nvPr/>
+        </p:nvPicPr>
+        <p:blipFill>
+          <a:blip r:embed="rId2">
+            <a:extLst>
+              <a:ext uri="{28A0092B-C50C-407E-A947-70E740481C1C}">
+                <a14:useLocalDpi xmlns:a14="http://schemas.microsoft.com/office/drawing/2010/main" val="0"/>
+              </a:ext>
+            </a:extLst>
+          </a:blip>
+          <a:stretch>
+            <a:fillRect/>
+          </a:stretch>
+        </p:blipFill>
+        <p:spPr>
+          <a:xfrm>
+            <a:off x="2298959" y="1206500"/>
+            <a:ext cx="7874000" cy="4445000"/>
+          </a:xfrm>
+          <a:prstGeom prst="rect">
+            <a:avLst/>
+          </a:prstGeom>
+        </p:spPr>
+      </p:pic>
+    </p:spTree>
+    <p:extLst>
+      <p:ext uri="{BB962C8B-B14F-4D97-AF65-F5344CB8AC3E}">
+        <p14:creationId xmlns:p14="http://schemas.microsoft.com/office/powerpoint/2010/main" val="1059990590"/>
+      </p:ext>
+    </p:extLst>
+  </p:cSld>
+  <p:clrMapOvr>
+    <a:masterClrMapping/>
+  </p:clrMapOvr>
+</p:sld>
+</file>
+
 <file path=ppt/slides/slide2.xml><?xml version="1.0" encoding="utf-8"?>
 <p:sld xmlns:a="http://schemas.openxmlformats.org/drawingml/2006/main" xmlns:r="http://schemas.openxmlformats.org/officeDocument/2006/relationships" xmlns:p="http://schemas.openxmlformats.org/presentationml/2006/main">
   <p:cSld>

--- a/Article/섬네일공장/새 Microsoft PowerPoint 프레젠테이션.pptx
+++ b/Article/섬네일공장/새 Microsoft PowerPoint 프레젠테이션.pptx
@@ -17,6 +17,7 @@
     <p:sldId id="265" r:id="rId11"/>
     <p:sldId id="266" r:id="rId12"/>
     <p:sldId id="267" r:id="rId13"/>
+    <p:sldId id="268" r:id="rId14"/>
   </p:sldIdLst>
   <p:sldSz cx="12192000" cy="6858000"/>
   <p:notesSz cx="6858000" cy="9144000"/>
@@ -281,7 +282,7 @@
           <a:p>
             <a:fld id="{6A8F2BA4-AD55-4F95-926C-ED709381EFD6}" type="datetimeFigureOut">
               <a:rPr lang="ko-KR" altLang="en-US" smtClean="0"/>
-              <a:t>2020-06-22</a:t>
+              <a:t>2020-06-27</a:t>
             </a:fld>
             <a:endParaRPr lang="ko-KR" altLang="en-US"/>
           </a:p>
@@ -479,7 +480,7 @@
           <a:p>
             <a:fld id="{6A8F2BA4-AD55-4F95-926C-ED709381EFD6}" type="datetimeFigureOut">
               <a:rPr lang="ko-KR" altLang="en-US" smtClean="0"/>
-              <a:t>2020-06-22</a:t>
+              <a:t>2020-06-27</a:t>
             </a:fld>
             <a:endParaRPr lang="ko-KR" altLang="en-US"/>
           </a:p>
@@ -687,7 +688,7 @@
           <a:p>
             <a:fld id="{6A8F2BA4-AD55-4F95-926C-ED709381EFD6}" type="datetimeFigureOut">
               <a:rPr lang="ko-KR" altLang="en-US" smtClean="0"/>
-              <a:t>2020-06-22</a:t>
+              <a:t>2020-06-27</a:t>
             </a:fld>
             <a:endParaRPr lang="ko-KR" altLang="en-US"/>
           </a:p>
@@ -885,7 +886,7 @@
           <a:p>
             <a:fld id="{6A8F2BA4-AD55-4F95-926C-ED709381EFD6}" type="datetimeFigureOut">
               <a:rPr lang="ko-KR" altLang="en-US" smtClean="0"/>
-              <a:t>2020-06-22</a:t>
+              <a:t>2020-06-27</a:t>
             </a:fld>
             <a:endParaRPr lang="ko-KR" altLang="en-US"/>
           </a:p>
@@ -1160,7 +1161,7 @@
           <a:p>
             <a:fld id="{6A8F2BA4-AD55-4F95-926C-ED709381EFD6}" type="datetimeFigureOut">
               <a:rPr lang="ko-KR" altLang="en-US" smtClean="0"/>
-              <a:t>2020-06-22</a:t>
+              <a:t>2020-06-27</a:t>
             </a:fld>
             <a:endParaRPr lang="ko-KR" altLang="en-US"/>
           </a:p>
@@ -1425,7 +1426,7 @@
           <a:p>
             <a:fld id="{6A8F2BA4-AD55-4F95-926C-ED709381EFD6}" type="datetimeFigureOut">
               <a:rPr lang="ko-KR" altLang="en-US" smtClean="0"/>
-              <a:t>2020-06-22</a:t>
+              <a:t>2020-06-27</a:t>
             </a:fld>
             <a:endParaRPr lang="ko-KR" altLang="en-US"/>
           </a:p>
@@ -1837,7 +1838,7 @@
           <a:p>
             <a:fld id="{6A8F2BA4-AD55-4F95-926C-ED709381EFD6}" type="datetimeFigureOut">
               <a:rPr lang="ko-KR" altLang="en-US" smtClean="0"/>
-              <a:t>2020-06-22</a:t>
+              <a:t>2020-06-27</a:t>
             </a:fld>
             <a:endParaRPr lang="ko-KR" altLang="en-US"/>
           </a:p>
@@ -1978,7 +1979,7 @@
           <a:p>
             <a:fld id="{6A8F2BA4-AD55-4F95-926C-ED709381EFD6}" type="datetimeFigureOut">
               <a:rPr lang="ko-KR" altLang="en-US" smtClean="0"/>
-              <a:t>2020-06-22</a:t>
+              <a:t>2020-06-27</a:t>
             </a:fld>
             <a:endParaRPr lang="ko-KR" altLang="en-US"/>
           </a:p>
@@ -2091,7 +2092,7 @@
           <a:p>
             <a:fld id="{6A8F2BA4-AD55-4F95-926C-ED709381EFD6}" type="datetimeFigureOut">
               <a:rPr lang="ko-KR" altLang="en-US" smtClean="0"/>
-              <a:t>2020-06-22</a:t>
+              <a:t>2020-06-27</a:t>
             </a:fld>
             <a:endParaRPr lang="ko-KR" altLang="en-US"/>
           </a:p>
@@ -2402,7 +2403,7 @@
           <a:p>
             <a:fld id="{6A8F2BA4-AD55-4F95-926C-ED709381EFD6}" type="datetimeFigureOut">
               <a:rPr lang="ko-KR" altLang="en-US" smtClean="0"/>
-              <a:t>2020-06-22</a:t>
+              <a:t>2020-06-27</a:t>
             </a:fld>
             <a:endParaRPr lang="ko-KR" altLang="en-US"/>
           </a:p>
@@ -2690,7 +2691,7 @@
           <a:p>
             <a:fld id="{6A8F2BA4-AD55-4F95-926C-ED709381EFD6}" type="datetimeFigureOut">
               <a:rPr lang="ko-KR" altLang="en-US" smtClean="0"/>
-              <a:t>2020-06-22</a:t>
+              <a:t>2020-06-27</a:t>
             </a:fld>
             <a:endParaRPr lang="ko-KR" altLang="en-US"/>
           </a:p>
@@ -2931,7 +2932,7 @@
           <a:p>
             <a:fld id="{6A8F2BA4-AD55-4F95-926C-ED709381EFD6}" type="datetimeFigureOut">
               <a:rPr lang="ko-KR" altLang="en-US" smtClean="0"/>
-              <a:t>2020-06-22</a:t>
+              <a:t>2020-06-27</a:t>
             </a:fld>
             <a:endParaRPr lang="ko-KR" altLang="en-US"/>
           </a:p>
@@ -3644,6 +3645,83 @@
 </p:sld>
 </file>
 
+<file path=ppt/slides/slide13.xml><?xml version="1.0" encoding="utf-8"?>
+<p:sld xmlns:a="http://schemas.openxmlformats.org/drawingml/2006/main" xmlns:r="http://schemas.openxmlformats.org/officeDocument/2006/relationships" xmlns:p="http://schemas.openxmlformats.org/presentationml/2006/main">
+  <p:cSld>
+    <p:spTree>
+      <p:nvGrpSpPr>
+        <p:cNvPr id="1" name=""/>
+        <p:cNvGrpSpPr/>
+        <p:nvPr/>
+      </p:nvGrpSpPr>
+      <p:grpSpPr>
+        <a:xfrm>
+          <a:off x="0" y="0"/>
+          <a:ext cx="0" cy="0"/>
+          <a:chOff x="0" y="0"/>
+          <a:chExt cx="0" cy="0"/>
+        </a:xfrm>
+      </p:grpSpPr>
+      <p:pic>
+        <p:nvPicPr>
+          <p:cNvPr id="1026" name="Picture 2" descr="OH NO! PAUL WASHER TALKS ABOUT CHRISTIAN RAP + RAPPERS » Kingdom ...">
+            <a:extLst>
+              <a:ext uri="{FF2B5EF4-FFF2-40B4-BE49-F238E27FC236}">
+                <a16:creationId xmlns:a16="http://schemas.microsoft.com/office/drawing/2014/main" id="{8DC70D83-0C40-4BB1-AEDD-D63817D4F077}"/>
+              </a:ext>
+            </a:extLst>
+          </p:cNvPr>
+          <p:cNvPicPr>
+            <a:picLocks noChangeAspect="1" noChangeArrowheads="1"/>
+          </p:cNvPicPr>
+          <p:nvPr/>
+        </p:nvPicPr>
+        <p:blipFill>
+          <a:blip r:embed="rId2">
+            <a:extLst>
+              <a:ext uri="{28A0092B-C50C-407E-A947-70E740481C1C}">
+                <a14:useLocalDpi xmlns:a14="http://schemas.microsoft.com/office/drawing/2010/main" val="0"/>
+              </a:ext>
+            </a:extLst>
+          </a:blip>
+          <a:srcRect/>
+          <a:stretch>
+            <a:fillRect/>
+          </a:stretch>
+        </p:blipFill>
+        <p:spPr bwMode="auto">
+          <a:xfrm>
+            <a:off x="0" y="90488"/>
+            <a:ext cx="12192000" cy="6675437"/>
+          </a:xfrm>
+          <a:prstGeom prst="rect">
+            <a:avLst/>
+          </a:prstGeom>
+          <a:noFill/>
+          <a:extLst>
+            <a:ext uri="{909E8E84-426E-40DD-AFC4-6F175D3DCCD1}">
+              <a14:hiddenFill xmlns:a14="http://schemas.microsoft.com/office/drawing/2010/main">
+                <a:solidFill>
+                  <a:srgbClr val="FFFFFF"/>
+                </a:solidFill>
+              </a14:hiddenFill>
+            </a:ext>
+          </a:extLst>
+        </p:spPr>
+      </p:pic>
+    </p:spTree>
+    <p:extLst>
+      <p:ext uri="{BB962C8B-B14F-4D97-AF65-F5344CB8AC3E}">
+        <p14:creationId xmlns:p14="http://schemas.microsoft.com/office/powerpoint/2010/main" val="3835093140"/>
+      </p:ext>
+    </p:extLst>
+  </p:cSld>
+  <p:clrMapOvr>
+    <a:masterClrMapping/>
+  </p:clrMapOvr>
+</p:sld>
+</file>
+
 <file path=ppt/slides/slide2.xml><?xml version="1.0" encoding="utf-8"?>
 <p:sld xmlns:a="http://schemas.openxmlformats.org/drawingml/2006/main" xmlns:r="http://schemas.openxmlformats.org/officeDocument/2006/relationships" xmlns:p="http://schemas.openxmlformats.org/presentationml/2006/main">
   <p:cSld>

--- a/Article/섬네일공장/새 Microsoft PowerPoint 프레젠테이션.pptx
+++ b/Article/섬네일공장/새 Microsoft PowerPoint 프레젠테이션.pptx
@@ -18,6 +18,9 @@
     <p:sldId id="266" r:id="rId12"/>
     <p:sldId id="267" r:id="rId13"/>
     <p:sldId id="268" r:id="rId14"/>
+    <p:sldId id="269" r:id="rId15"/>
+    <p:sldId id="270" r:id="rId16"/>
+    <p:sldId id="271" r:id="rId17"/>
   </p:sldIdLst>
   <p:sldSz cx="12192000" cy="6858000"/>
   <p:notesSz cx="6858000" cy="9144000"/>
@@ -282,7 +285,7 @@
           <a:p>
             <a:fld id="{6A8F2BA4-AD55-4F95-926C-ED709381EFD6}" type="datetimeFigureOut">
               <a:rPr lang="ko-KR" altLang="en-US" smtClean="0"/>
-              <a:t>2020-06-27</a:t>
+              <a:t>2020-08-01</a:t>
             </a:fld>
             <a:endParaRPr lang="ko-KR" altLang="en-US"/>
           </a:p>
@@ -480,7 +483,7 @@
           <a:p>
             <a:fld id="{6A8F2BA4-AD55-4F95-926C-ED709381EFD6}" type="datetimeFigureOut">
               <a:rPr lang="ko-KR" altLang="en-US" smtClean="0"/>
-              <a:t>2020-06-27</a:t>
+              <a:t>2020-08-01</a:t>
             </a:fld>
             <a:endParaRPr lang="ko-KR" altLang="en-US"/>
           </a:p>
@@ -688,7 +691,7 @@
           <a:p>
             <a:fld id="{6A8F2BA4-AD55-4F95-926C-ED709381EFD6}" type="datetimeFigureOut">
               <a:rPr lang="ko-KR" altLang="en-US" smtClean="0"/>
-              <a:t>2020-06-27</a:t>
+              <a:t>2020-08-01</a:t>
             </a:fld>
             <a:endParaRPr lang="ko-KR" altLang="en-US"/>
           </a:p>
@@ -886,7 +889,7 @@
           <a:p>
             <a:fld id="{6A8F2BA4-AD55-4F95-926C-ED709381EFD6}" type="datetimeFigureOut">
               <a:rPr lang="ko-KR" altLang="en-US" smtClean="0"/>
-              <a:t>2020-06-27</a:t>
+              <a:t>2020-08-01</a:t>
             </a:fld>
             <a:endParaRPr lang="ko-KR" altLang="en-US"/>
           </a:p>
@@ -1161,7 +1164,7 @@
           <a:p>
             <a:fld id="{6A8F2BA4-AD55-4F95-926C-ED709381EFD6}" type="datetimeFigureOut">
               <a:rPr lang="ko-KR" altLang="en-US" smtClean="0"/>
-              <a:t>2020-06-27</a:t>
+              <a:t>2020-08-01</a:t>
             </a:fld>
             <a:endParaRPr lang="ko-KR" altLang="en-US"/>
           </a:p>
@@ -1426,7 +1429,7 @@
           <a:p>
             <a:fld id="{6A8F2BA4-AD55-4F95-926C-ED709381EFD6}" type="datetimeFigureOut">
               <a:rPr lang="ko-KR" altLang="en-US" smtClean="0"/>
-              <a:t>2020-06-27</a:t>
+              <a:t>2020-08-01</a:t>
             </a:fld>
             <a:endParaRPr lang="ko-KR" altLang="en-US"/>
           </a:p>
@@ -1838,7 +1841,7 @@
           <a:p>
             <a:fld id="{6A8F2BA4-AD55-4F95-926C-ED709381EFD6}" type="datetimeFigureOut">
               <a:rPr lang="ko-KR" altLang="en-US" smtClean="0"/>
-              <a:t>2020-06-27</a:t>
+              <a:t>2020-08-01</a:t>
             </a:fld>
             <a:endParaRPr lang="ko-KR" altLang="en-US"/>
           </a:p>
@@ -1979,7 +1982,7 @@
           <a:p>
             <a:fld id="{6A8F2BA4-AD55-4F95-926C-ED709381EFD6}" type="datetimeFigureOut">
               <a:rPr lang="ko-KR" altLang="en-US" smtClean="0"/>
-              <a:t>2020-06-27</a:t>
+              <a:t>2020-08-01</a:t>
             </a:fld>
             <a:endParaRPr lang="ko-KR" altLang="en-US"/>
           </a:p>
@@ -2092,7 +2095,7 @@
           <a:p>
             <a:fld id="{6A8F2BA4-AD55-4F95-926C-ED709381EFD6}" type="datetimeFigureOut">
               <a:rPr lang="ko-KR" altLang="en-US" smtClean="0"/>
-              <a:t>2020-06-27</a:t>
+              <a:t>2020-08-01</a:t>
             </a:fld>
             <a:endParaRPr lang="ko-KR" altLang="en-US"/>
           </a:p>
@@ -2403,7 +2406,7 @@
           <a:p>
             <a:fld id="{6A8F2BA4-AD55-4F95-926C-ED709381EFD6}" type="datetimeFigureOut">
               <a:rPr lang="ko-KR" altLang="en-US" smtClean="0"/>
-              <a:t>2020-06-27</a:t>
+              <a:t>2020-08-01</a:t>
             </a:fld>
             <a:endParaRPr lang="ko-KR" altLang="en-US"/>
           </a:p>
@@ -2691,7 +2694,7 @@
           <a:p>
             <a:fld id="{6A8F2BA4-AD55-4F95-926C-ED709381EFD6}" type="datetimeFigureOut">
               <a:rPr lang="ko-KR" altLang="en-US" smtClean="0"/>
-              <a:t>2020-06-27</a:t>
+              <a:t>2020-08-01</a:t>
             </a:fld>
             <a:endParaRPr lang="ko-KR" altLang="en-US"/>
           </a:p>
@@ -2932,7 +2935,7 @@
           <a:p>
             <a:fld id="{6A8F2BA4-AD55-4F95-926C-ED709381EFD6}" type="datetimeFigureOut">
               <a:rPr lang="ko-KR" altLang="en-US" smtClean="0"/>
-              <a:t>2020-06-27</a:t>
+              <a:t>2020-08-01</a:t>
             </a:fld>
             <a:endParaRPr lang="ko-KR" altLang="en-US"/>
           </a:p>
@@ -3722,6 +3725,331 @@
 </p:sld>
 </file>
 
+<file path=ppt/slides/slide14.xml><?xml version="1.0" encoding="utf-8"?>
+<p:sld xmlns:a="http://schemas.openxmlformats.org/drawingml/2006/main" xmlns:r="http://schemas.openxmlformats.org/officeDocument/2006/relationships" xmlns:p="http://schemas.openxmlformats.org/presentationml/2006/main">
+  <p:cSld>
+    <p:spTree>
+      <p:nvGrpSpPr>
+        <p:cNvPr id="1" name=""/>
+        <p:cNvGrpSpPr/>
+        <p:nvPr/>
+      </p:nvGrpSpPr>
+      <p:grpSpPr>
+        <a:xfrm>
+          <a:off x="0" y="0"/>
+          <a:ext cx="0" cy="0"/>
+          <a:chOff x="0" y="0"/>
+          <a:chExt cx="0" cy="0"/>
+        </a:xfrm>
+      </p:grpSpPr>
+      <p:sp>
+        <p:nvSpPr>
+          <p:cNvPr id="5" name="TextBox 4">
+            <a:extLst>
+              <a:ext uri="{FF2B5EF4-FFF2-40B4-BE49-F238E27FC236}">
+                <a16:creationId xmlns:a16="http://schemas.microsoft.com/office/drawing/2014/main" id="{BAE4CD1B-ADB4-46F4-951D-78D9AF70132B}"/>
+              </a:ext>
+            </a:extLst>
+          </p:cNvPr>
+          <p:cNvSpPr txBox="1"/>
+          <p:nvPr/>
+        </p:nvSpPr>
+        <p:spPr>
+          <a:xfrm>
+            <a:off x="2336540" y="1831110"/>
+            <a:ext cx="7518919" cy="2708434"/>
+          </a:xfrm>
+          <a:prstGeom prst="rect">
+            <a:avLst/>
+          </a:prstGeom>
+          <a:noFill/>
+        </p:spPr>
+        <p:txBody>
+          <a:bodyPr wrap="square" rtlCol="0">
+            <a:spAutoFit/>
+          </a:bodyPr>
+          <a:lstStyle/>
+          <a:p>
+            <a:pPr algn="ctr"/>
+            <a:r>
+              <a:rPr lang="ko-KR" altLang="en-US" sz="8500">
+                <a:latin typeface="여기어때 잘난체 OTF" panose="020B0600000101010101" pitchFamily="34" charset="-127"/>
+                <a:ea typeface="여기어때 잘난체 OTF" panose="020B0600000101010101" pitchFamily="34" charset="-127"/>
+              </a:rPr>
+              <a:t>우직한</a:t>
+            </a:r>
+            <a:endParaRPr lang="en-US" altLang="ko-KR" sz="8500">
+              <a:latin typeface="여기어때 잘난체 OTF" panose="020B0600000101010101" pitchFamily="34" charset="-127"/>
+              <a:ea typeface="여기어때 잘난체 OTF" panose="020B0600000101010101" pitchFamily="34" charset="-127"/>
+            </a:endParaRPr>
+          </a:p>
+          <a:p>
+            <a:pPr algn="ctr"/>
+            <a:r>
+              <a:rPr lang="ko-KR" altLang="en-US" sz="8500">
+                <a:latin typeface="여기어때 잘난체 OTF" panose="020B0600000101010101" pitchFamily="34" charset="-127"/>
+                <a:ea typeface="여기어때 잘난체 OTF" panose="020B0600000101010101" pitchFamily="34" charset="-127"/>
+              </a:rPr>
+              <a:t>사람들</a:t>
+            </a:r>
+          </a:p>
+        </p:txBody>
+      </p:sp>
+      <p:sp>
+        <p:nvSpPr>
+          <p:cNvPr id="6" name="직사각형 5">
+            <a:extLst>
+              <a:ext uri="{FF2B5EF4-FFF2-40B4-BE49-F238E27FC236}">
+                <a16:creationId xmlns:a16="http://schemas.microsoft.com/office/drawing/2014/main" id="{92A0B1D5-CD32-4B51-91DB-16C5A979F048}"/>
+              </a:ext>
+            </a:extLst>
+          </p:cNvPr>
+          <p:cNvSpPr/>
+          <p:nvPr/>
+        </p:nvSpPr>
+        <p:spPr>
+          <a:xfrm>
+            <a:off x="4049486" y="1356527"/>
+            <a:ext cx="4109776" cy="3657600"/>
+          </a:xfrm>
+          <a:prstGeom prst="rect">
+            <a:avLst/>
+          </a:prstGeom>
+          <a:noFill/>
+          <a:ln>
+            <a:solidFill>
+              <a:schemeClr val="accent1">
+                <a:shade val="50000"/>
+              </a:schemeClr>
+            </a:solidFill>
+          </a:ln>
+        </p:spPr>
+        <p:style>
+          <a:lnRef idx="2">
+            <a:schemeClr val="accent1">
+              <a:shade val="50000"/>
+            </a:schemeClr>
+          </a:lnRef>
+          <a:fillRef idx="1">
+            <a:schemeClr val="accent1"/>
+          </a:fillRef>
+          <a:effectRef idx="0">
+            <a:schemeClr val="accent1"/>
+          </a:effectRef>
+          <a:fontRef idx="minor">
+            <a:schemeClr val="lt1"/>
+          </a:fontRef>
+        </p:style>
+        <p:txBody>
+          <a:bodyPr rtlCol="0" anchor="ctr"/>
+          <a:lstStyle/>
+          <a:p>
+            <a:pPr algn="ctr"/>
+            <a:endParaRPr lang="ko-KR" altLang="en-US"/>
+          </a:p>
+        </p:txBody>
+      </p:sp>
+    </p:spTree>
+    <p:extLst>
+      <p:ext uri="{BB962C8B-B14F-4D97-AF65-F5344CB8AC3E}">
+        <p14:creationId xmlns:p14="http://schemas.microsoft.com/office/powerpoint/2010/main" val="3822232777"/>
+      </p:ext>
+    </p:extLst>
+  </p:cSld>
+  <p:clrMapOvr>
+    <a:masterClrMapping/>
+  </p:clrMapOvr>
+</p:sld>
+</file>
+
+<file path=ppt/slides/slide15.xml><?xml version="1.0" encoding="utf-8"?>
+<p:sld xmlns:a="http://schemas.openxmlformats.org/drawingml/2006/main" xmlns:r="http://schemas.openxmlformats.org/officeDocument/2006/relationships" xmlns:p="http://schemas.openxmlformats.org/presentationml/2006/main">
+  <p:cSld>
+    <p:bg>
+      <p:bgPr>
+        <a:solidFill>
+          <a:schemeClr val="bg1"/>
+        </a:solidFill>
+        <a:effectLst/>
+      </p:bgPr>
+    </p:bg>
+    <p:spTree>
+      <p:nvGrpSpPr>
+        <p:cNvPr id="1" name=""/>
+        <p:cNvGrpSpPr/>
+        <p:nvPr/>
+      </p:nvGrpSpPr>
+      <p:grpSpPr>
+        <a:xfrm>
+          <a:off x="0" y="0"/>
+          <a:ext cx="0" cy="0"/>
+          <a:chOff x="0" y="0"/>
+          <a:chExt cx="0" cy="0"/>
+        </a:xfrm>
+      </p:grpSpPr>
+      <p:pic>
+        <p:nvPicPr>
+          <p:cNvPr id="5" name="그림 4">
+            <a:extLst>
+              <a:ext uri="{FF2B5EF4-FFF2-40B4-BE49-F238E27FC236}">
+                <a16:creationId xmlns:a16="http://schemas.microsoft.com/office/drawing/2014/main" id="{C4A1A109-9FCC-4DBB-A289-E201F98C74D3}"/>
+              </a:ext>
+            </a:extLst>
+          </p:cNvPr>
+          <p:cNvPicPr>
+            <a:picLocks noChangeAspect="1"/>
+          </p:cNvPicPr>
+          <p:nvPr/>
+        </p:nvPicPr>
+        <p:blipFill>
+          <a:blip r:embed="rId2">
+            <a:extLst>
+              <a:ext uri="{28A0092B-C50C-407E-A947-70E740481C1C}">
+                <a14:useLocalDpi xmlns:a14="http://schemas.microsoft.com/office/drawing/2010/main" val="0"/>
+              </a:ext>
+            </a:extLst>
+          </a:blip>
+          <a:stretch>
+            <a:fillRect/>
+          </a:stretch>
+        </p:blipFill>
+        <p:spPr>
+          <a:xfrm>
+            <a:off x="4796036" y="2129036"/>
+            <a:ext cx="2599927" cy="2599927"/>
+          </a:xfrm>
+          <a:prstGeom prst="rect">
+            <a:avLst/>
+          </a:prstGeom>
+        </p:spPr>
+      </p:pic>
+      <p:sp>
+        <p:nvSpPr>
+          <p:cNvPr id="7" name="직사각형 6">
+            <a:extLst>
+              <a:ext uri="{FF2B5EF4-FFF2-40B4-BE49-F238E27FC236}">
+                <a16:creationId xmlns:a16="http://schemas.microsoft.com/office/drawing/2014/main" id="{02E11704-5C78-4E38-9952-5F1CAEFC2B42}"/>
+              </a:ext>
+            </a:extLst>
+          </p:cNvPr>
+          <p:cNvSpPr/>
+          <p:nvPr/>
+        </p:nvSpPr>
+        <p:spPr>
+          <a:xfrm>
+            <a:off x="4049486" y="1477105"/>
+            <a:ext cx="4109776" cy="3657600"/>
+          </a:xfrm>
+          <a:prstGeom prst="rect">
+            <a:avLst/>
+          </a:prstGeom>
+          <a:noFill/>
+          <a:ln>
+            <a:solidFill>
+              <a:schemeClr val="accent1">
+                <a:shade val="50000"/>
+              </a:schemeClr>
+            </a:solidFill>
+          </a:ln>
+        </p:spPr>
+        <p:style>
+          <a:lnRef idx="2">
+            <a:schemeClr val="accent1">
+              <a:shade val="50000"/>
+            </a:schemeClr>
+          </a:lnRef>
+          <a:fillRef idx="1">
+            <a:schemeClr val="accent1"/>
+          </a:fillRef>
+          <a:effectRef idx="0">
+            <a:schemeClr val="accent1"/>
+          </a:effectRef>
+          <a:fontRef idx="minor">
+            <a:schemeClr val="lt1"/>
+          </a:fontRef>
+        </p:style>
+        <p:txBody>
+          <a:bodyPr rtlCol="0" anchor="ctr"/>
+          <a:lstStyle/>
+          <a:p>
+            <a:pPr algn="ctr"/>
+            <a:endParaRPr lang="ko-KR" altLang="en-US"/>
+          </a:p>
+        </p:txBody>
+      </p:sp>
+    </p:spTree>
+    <p:extLst>
+      <p:ext uri="{BB962C8B-B14F-4D97-AF65-F5344CB8AC3E}">
+        <p14:creationId xmlns:p14="http://schemas.microsoft.com/office/powerpoint/2010/main" val="4147704994"/>
+      </p:ext>
+    </p:extLst>
+  </p:cSld>
+  <p:clrMapOvr>
+    <a:masterClrMapping/>
+  </p:clrMapOvr>
+</p:sld>
+</file>
+
+<file path=ppt/slides/slide16.xml><?xml version="1.0" encoding="utf-8"?>
+<p:sld xmlns:a="http://schemas.openxmlformats.org/drawingml/2006/main" xmlns:r="http://schemas.openxmlformats.org/officeDocument/2006/relationships" xmlns:p="http://schemas.openxmlformats.org/presentationml/2006/main">
+  <p:cSld>
+    <p:spTree>
+      <p:nvGrpSpPr>
+        <p:cNvPr id="1" name=""/>
+        <p:cNvGrpSpPr/>
+        <p:nvPr/>
+      </p:nvGrpSpPr>
+      <p:grpSpPr>
+        <a:xfrm>
+          <a:off x="0" y="0"/>
+          <a:ext cx="0" cy="0"/>
+          <a:chOff x="0" y="0"/>
+          <a:chExt cx="0" cy="0"/>
+        </a:xfrm>
+      </p:grpSpPr>
+      <p:pic>
+        <p:nvPicPr>
+          <p:cNvPr id="4" name="그림 3">
+            <a:extLst>
+              <a:ext uri="{FF2B5EF4-FFF2-40B4-BE49-F238E27FC236}">
+                <a16:creationId xmlns:a16="http://schemas.microsoft.com/office/drawing/2014/main" id="{5CEADB3A-9063-4C53-9C29-31AA4B50C02B}"/>
+              </a:ext>
+            </a:extLst>
+          </p:cNvPr>
+          <p:cNvPicPr>
+            <a:picLocks noChangeAspect="1"/>
+          </p:cNvPicPr>
+          <p:nvPr/>
+        </p:nvPicPr>
+        <p:blipFill>
+          <a:blip r:embed="rId2"/>
+          <a:stretch>
+            <a:fillRect/>
+          </a:stretch>
+        </p:blipFill>
+        <p:spPr>
+          <a:xfrm>
+            <a:off x="4610100" y="2000250"/>
+            <a:ext cx="2971800" cy="2857500"/>
+          </a:xfrm>
+          <a:prstGeom prst="rect">
+            <a:avLst/>
+          </a:prstGeom>
+        </p:spPr>
+      </p:pic>
+    </p:spTree>
+    <p:extLst>
+      <p:ext uri="{BB962C8B-B14F-4D97-AF65-F5344CB8AC3E}">
+        <p14:creationId xmlns:p14="http://schemas.microsoft.com/office/powerpoint/2010/main" val="127958765"/>
+      </p:ext>
+    </p:extLst>
+  </p:cSld>
+  <p:clrMapOvr>
+    <a:masterClrMapping/>
+  </p:clrMapOvr>
+</p:sld>
+</file>
+
 <file path=ppt/slides/slide2.xml><?xml version="1.0" encoding="utf-8"?>
 <p:sld xmlns:a="http://schemas.openxmlformats.org/drawingml/2006/main" xmlns:r="http://schemas.openxmlformats.org/officeDocument/2006/relationships" xmlns:p="http://schemas.openxmlformats.org/presentationml/2006/main">
   <p:cSld>

--- a/Article/섬네일공장/새 Microsoft PowerPoint 프레젠테이션.pptx
+++ b/Article/섬네일공장/새 Microsoft PowerPoint 프레젠테이션.pptx
@@ -4,6 +4,9 @@
   <p:sldMasterIdLst>
     <p:sldMasterId id="2147483648" r:id="rId1"/>
   </p:sldMasterIdLst>
+  <p:notesMasterIdLst>
+    <p:notesMasterId r:id="rId28"/>
+  </p:notesMasterIdLst>
   <p:sldIdLst>
     <p:sldId id="256" r:id="rId2"/>
     <p:sldId id="257" r:id="rId3"/>
@@ -19,8 +22,18 @@
     <p:sldId id="267" r:id="rId13"/>
     <p:sldId id="268" r:id="rId14"/>
     <p:sldId id="269" r:id="rId15"/>
-    <p:sldId id="270" r:id="rId16"/>
-    <p:sldId id="271" r:id="rId17"/>
+    <p:sldId id="272" r:id="rId16"/>
+    <p:sldId id="274" r:id="rId17"/>
+    <p:sldId id="275" r:id="rId18"/>
+    <p:sldId id="276" r:id="rId19"/>
+    <p:sldId id="278" r:id="rId20"/>
+    <p:sldId id="279" r:id="rId21"/>
+    <p:sldId id="280" r:id="rId22"/>
+    <p:sldId id="281" r:id="rId23"/>
+    <p:sldId id="277" r:id="rId24"/>
+    <p:sldId id="270" r:id="rId25"/>
+    <p:sldId id="271" r:id="rId26"/>
+    <p:sldId id="273" r:id="rId27"/>
   </p:sldIdLst>
   <p:sldSz cx="12192000" cy="6858000"/>
   <p:notesSz cx="6858000" cy="9144000"/>
@@ -138,6 +151,445 @@
 </p:presentation>
 </file>
 
+<file path=ppt/notesMasters/notesMaster1.xml><?xml version="1.0" encoding="utf-8"?>
+<p:notesMaster xmlns:a="http://schemas.openxmlformats.org/drawingml/2006/main" xmlns:r="http://schemas.openxmlformats.org/officeDocument/2006/relationships" xmlns:p="http://schemas.openxmlformats.org/presentationml/2006/main">
+  <p:cSld>
+    <p:bg>
+      <p:bgRef idx="1001">
+        <a:schemeClr val="bg1"/>
+      </p:bgRef>
+    </p:bg>
+    <p:spTree>
+      <p:nvGrpSpPr>
+        <p:cNvPr id="1" name=""/>
+        <p:cNvGrpSpPr/>
+        <p:nvPr/>
+      </p:nvGrpSpPr>
+      <p:grpSpPr>
+        <a:xfrm>
+          <a:off x="0" y="0"/>
+          <a:ext cx="0" cy="0"/>
+          <a:chOff x="0" y="0"/>
+          <a:chExt cx="0" cy="0"/>
+        </a:xfrm>
+      </p:grpSpPr>
+      <p:sp>
+        <p:nvSpPr>
+          <p:cNvPr id="2" name="머리글 개체 틀 1"/>
+          <p:cNvSpPr>
+            <a:spLocks noGrp="1"/>
+          </p:cNvSpPr>
+          <p:nvPr>
+            <p:ph type="hdr" sz="quarter"/>
+          </p:nvPr>
+        </p:nvSpPr>
+        <p:spPr>
+          <a:xfrm>
+            <a:off x="0" y="0"/>
+            <a:ext cx="2971800" cy="458788"/>
+          </a:xfrm>
+          <a:prstGeom prst="rect">
+            <a:avLst/>
+          </a:prstGeom>
+        </p:spPr>
+        <p:txBody>
+          <a:bodyPr vert="horz" lIns="91440" tIns="45720" rIns="91440" bIns="45720" rtlCol="0"/>
+          <a:lstStyle>
+            <a:lvl1pPr algn="l">
+              <a:defRPr sz="1200"/>
+            </a:lvl1pPr>
+          </a:lstStyle>
+          <a:p>
+            <a:endParaRPr lang="ko-KR" altLang="en-US"/>
+          </a:p>
+        </p:txBody>
+      </p:sp>
+      <p:sp>
+        <p:nvSpPr>
+          <p:cNvPr id="3" name="날짜 개체 틀 2"/>
+          <p:cNvSpPr>
+            <a:spLocks noGrp="1"/>
+          </p:cNvSpPr>
+          <p:nvPr>
+            <p:ph type="dt" idx="1"/>
+          </p:nvPr>
+        </p:nvSpPr>
+        <p:spPr>
+          <a:xfrm>
+            <a:off x="3884613" y="0"/>
+            <a:ext cx="2971800" cy="458788"/>
+          </a:xfrm>
+          <a:prstGeom prst="rect">
+            <a:avLst/>
+          </a:prstGeom>
+        </p:spPr>
+        <p:txBody>
+          <a:bodyPr vert="horz" lIns="91440" tIns="45720" rIns="91440" bIns="45720" rtlCol="0"/>
+          <a:lstStyle>
+            <a:lvl1pPr algn="r">
+              <a:defRPr sz="1200"/>
+            </a:lvl1pPr>
+          </a:lstStyle>
+          <a:p>
+            <a:fld id="{64005B8B-DB0E-4405-A590-02D8CB6FC2F6}" type="datetimeFigureOut">
+              <a:rPr lang="ko-KR" altLang="en-US" smtClean="0"/>
+              <a:t>2020-09-04</a:t>
+            </a:fld>
+            <a:endParaRPr lang="ko-KR" altLang="en-US"/>
+          </a:p>
+        </p:txBody>
+      </p:sp>
+      <p:sp>
+        <p:nvSpPr>
+          <p:cNvPr id="4" name="슬라이드 이미지 개체 틀 3"/>
+          <p:cNvSpPr>
+            <a:spLocks noGrp="1" noRot="1" noChangeAspect="1"/>
+          </p:cNvSpPr>
+          <p:nvPr>
+            <p:ph type="sldImg" idx="2"/>
+          </p:nvPr>
+        </p:nvSpPr>
+        <p:spPr>
+          <a:xfrm>
+            <a:off x="685800" y="1143000"/>
+            <a:ext cx="5486400" cy="3086100"/>
+          </a:xfrm>
+          <a:prstGeom prst="rect">
+            <a:avLst/>
+          </a:prstGeom>
+          <a:noFill/>
+          <a:ln w="12700">
+            <a:solidFill>
+              <a:prstClr val="black"/>
+            </a:solidFill>
+          </a:ln>
+        </p:spPr>
+        <p:txBody>
+          <a:bodyPr vert="horz" lIns="91440" tIns="45720" rIns="91440" bIns="45720" rtlCol="0" anchor="ctr"/>
+          <a:lstStyle/>
+          <a:p>
+            <a:endParaRPr lang="ko-KR" altLang="en-US"/>
+          </a:p>
+        </p:txBody>
+      </p:sp>
+      <p:sp>
+        <p:nvSpPr>
+          <p:cNvPr id="5" name="슬라이드 노트 개체 틀 4"/>
+          <p:cNvSpPr>
+            <a:spLocks noGrp="1"/>
+          </p:cNvSpPr>
+          <p:nvPr>
+            <p:ph type="body" sz="quarter" idx="3"/>
+          </p:nvPr>
+        </p:nvSpPr>
+        <p:spPr>
+          <a:xfrm>
+            <a:off x="685800" y="4400550"/>
+            <a:ext cx="5486400" cy="3600450"/>
+          </a:xfrm>
+          <a:prstGeom prst="rect">
+            <a:avLst/>
+          </a:prstGeom>
+        </p:spPr>
+        <p:txBody>
+          <a:bodyPr vert="horz" lIns="91440" tIns="45720" rIns="91440" bIns="45720" rtlCol="0"/>
+          <a:lstStyle/>
+          <a:p>
+            <a:pPr lvl="0"/>
+            <a:r>
+              <a:rPr lang="ko-KR" altLang="en-US"/>
+              <a:t>마스터 텍스트 스타일을 편집하려면 클릭</a:t>
+            </a:r>
+          </a:p>
+          <a:p>
+            <a:pPr lvl="1"/>
+            <a:r>
+              <a:rPr lang="ko-KR" altLang="en-US"/>
+              <a:t>두 번째 수준</a:t>
+            </a:r>
+          </a:p>
+          <a:p>
+            <a:pPr lvl="2"/>
+            <a:r>
+              <a:rPr lang="ko-KR" altLang="en-US"/>
+              <a:t>세 번째 수준</a:t>
+            </a:r>
+          </a:p>
+          <a:p>
+            <a:pPr lvl="3"/>
+            <a:r>
+              <a:rPr lang="ko-KR" altLang="en-US"/>
+              <a:t>네 번째 수준</a:t>
+            </a:r>
+          </a:p>
+          <a:p>
+            <a:pPr lvl="4"/>
+            <a:r>
+              <a:rPr lang="ko-KR" altLang="en-US"/>
+              <a:t>다섯 번째 수준</a:t>
+            </a:r>
+          </a:p>
+        </p:txBody>
+      </p:sp>
+      <p:sp>
+        <p:nvSpPr>
+          <p:cNvPr id="6" name="바닥글 개체 틀 5"/>
+          <p:cNvSpPr>
+            <a:spLocks noGrp="1"/>
+          </p:cNvSpPr>
+          <p:nvPr>
+            <p:ph type="ftr" sz="quarter" idx="4"/>
+          </p:nvPr>
+        </p:nvSpPr>
+        <p:spPr>
+          <a:xfrm>
+            <a:off x="0" y="8685213"/>
+            <a:ext cx="2971800" cy="458787"/>
+          </a:xfrm>
+          <a:prstGeom prst="rect">
+            <a:avLst/>
+          </a:prstGeom>
+        </p:spPr>
+        <p:txBody>
+          <a:bodyPr vert="horz" lIns="91440" tIns="45720" rIns="91440" bIns="45720" rtlCol="0" anchor="b"/>
+          <a:lstStyle>
+            <a:lvl1pPr algn="l">
+              <a:defRPr sz="1200"/>
+            </a:lvl1pPr>
+          </a:lstStyle>
+          <a:p>
+            <a:endParaRPr lang="ko-KR" altLang="en-US"/>
+          </a:p>
+        </p:txBody>
+      </p:sp>
+      <p:sp>
+        <p:nvSpPr>
+          <p:cNvPr id="7" name="슬라이드 번호 개체 틀 6"/>
+          <p:cNvSpPr>
+            <a:spLocks noGrp="1"/>
+          </p:cNvSpPr>
+          <p:nvPr>
+            <p:ph type="sldNum" sz="quarter" idx="5"/>
+          </p:nvPr>
+        </p:nvSpPr>
+        <p:spPr>
+          <a:xfrm>
+            <a:off x="3884613" y="8685213"/>
+            <a:ext cx="2971800" cy="458787"/>
+          </a:xfrm>
+          <a:prstGeom prst="rect">
+            <a:avLst/>
+          </a:prstGeom>
+        </p:spPr>
+        <p:txBody>
+          <a:bodyPr vert="horz" lIns="91440" tIns="45720" rIns="91440" bIns="45720" rtlCol="0" anchor="b"/>
+          <a:lstStyle>
+            <a:lvl1pPr algn="r">
+              <a:defRPr sz="1200"/>
+            </a:lvl1pPr>
+          </a:lstStyle>
+          <a:p>
+            <a:fld id="{9E19AD88-CDD8-4565-8E69-482BA6E8E256}" type="slidenum">
+              <a:rPr lang="ko-KR" altLang="en-US" smtClean="0"/>
+              <a:t>‹#›</a:t>
+            </a:fld>
+            <a:endParaRPr lang="ko-KR" altLang="en-US"/>
+          </a:p>
+        </p:txBody>
+      </p:sp>
+    </p:spTree>
+    <p:extLst>
+      <p:ext uri="{BB962C8B-B14F-4D97-AF65-F5344CB8AC3E}">
+        <p14:creationId xmlns:p14="http://schemas.microsoft.com/office/powerpoint/2010/main" val="429702600"/>
+      </p:ext>
+    </p:extLst>
+  </p:cSld>
+  <p:clrMap bg1="lt1" tx1="dk1" bg2="lt2" tx2="dk2" accent1="accent1" accent2="accent2" accent3="accent3" accent4="accent4" accent5="accent5" accent6="accent6" hlink="hlink" folHlink="folHlink"/>
+  <p:notesStyle>
+    <a:lvl1pPr marL="0" algn="l" defTabSz="914400" rtl="0" eaLnBrk="1" latinLnBrk="1" hangingPunct="1">
+      <a:defRPr sz="1200" kern="1200">
+        <a:solidFill>
+          <a:schemeClr val="tx1"/>
+        </a:solidFill>
+        <a:latin typeface="+mn-lt"/>
+        <a:ea typeface="+mn-ea"/>
+        <a:cs typeface="+mn-cs"/>
+      </a:defRPr>
+    </a:lvl1pPr>
+    <a:lvl2pPr marL="457200" algn="l" defTabSz="914400" rtl="0" eaLnBrk="1" latinLnBrk="1" hangingPunct="1">
+      <a:defRPr sz="1200" kern="1200">
+        <a:solidFill>
+          <a:schemeClr val="tx1"/>
+        </a:solidFill>
+        <a:latin typeface="+mn-lt"/>
+        <a:ea typeface="+mn-ea"/>
+        <a:cs typeface="+mn-cs"/>
+      </a:defRPr>
+    </a:lvl2pPr>
+    <a:lvl3pPr marL="914400" algn="l" defTabSz="914400" rtl="0" eaLnBrk="1" latinLnBrk="1" hangingPunct="1">
+      <a:defRPr sz="1200" kern="1200">
+        <a:solidFill>
+          <a:schemeClr val="tx1"/>
+        </a:solidFill>
+        <a:latin typeface="+mn-lt"/>
+        <a:ea typeface="+mn-ea"/>
+        <a:cs typeface="+mn-cs"/>
+      </a:defRPr>
+    </a:lvl3pPr>
+    <a:lvl4pPr marL="1371600" algn="l" defTabSz="914400" rtl="0" eaLnBrk="1" latinLnBrk="1" hangingPunct="1">
+      <a:defRPr sz="1200" kern="1200">
+        <a:solidFill>
+          <a:schemeClr val="tx1"/>
+        </a:solidFill>
+        <a:latin typeface="+mn-lt"/>
+        <a:ea typeface="+mn-ea"/>
+        <a:cs typeface="+mn-cs"/>
+      </a:defRPr>
+    </a:lvl4pPr>
+    <a:lvl5pPr marL="1828800" algn="l" defTabSz="914400" rtl="0" eaLnBrk="1" latinLnBrk="1" hangingPunct="1">
+      <a:defRPr sz="1200" kern="1200">
+        <a:solidFill>
+          <a:schemeClr val="tx1"/>
+        </a:solidFill>
+        <a:latin typeface="+mn-lt"/>
+        <a:ea typeface="+mn-ea"/>
+        <a:cs typeface="+mn-cs"/>
+      </a:defRPr>
+    </a:lvl5pPr>
+    <a:lvl6pPr marL="2286000" algn="l" defTabSz="914400" rtl="0" eaLnBrk="1" latinLnBrk="1" hangingPunct="1">
+      <a:defRPr sz="1200" kern="1200">
+        <a:solidFill>
+          <a:schemeClr val="tx1"/>
+        </a:solidFill>
+        <a:latin typeface="+mn-lt"/>
+        <a:ea typeface="+mn-ea"/>
+        <a:cs typeface="+mn-cs"/>
+      </a:defRPr>
+    </a:lvl6pPr>
+    <a:lvl7pPr marL="2743200" algn="l" defTabSz="914400" rtl="0" eaLnBrk="1" latinLnBrk="1" hangingPunct="1">
+      <a:defRPr sz="1200" kern="1200">
+        <a:solidFill>
+          <a:schemeClr val="tx1"/>
+        </a:solidFill>
+        <a:latin typeface="+mn-lt"/>
+        <a:ea typeface="+mn-ea"/>
+        <a:cs typeface="+mn-cs"/>
+      </a:defRPr>
+    </a:lvl7pPr>
+    <a:lvl8pPr marL="3200400" algn="l" defTabSz="914400" rtl="0" eaLnBrk="1" latinLnBrk="1" hangingPunct="1">
+      <a:defRPr sz="1200" kern="1200">
+        <a:solidFill>
+          <a:schemeClr val="tx1"/>
+        </a:solidFill>
+        <a:latin typeface="+mn-lt"/>
+        <a:ea typeface="+mn-ea"/>
+        <a:cs typeface="+mn-cs"/>
+      </a:defRPr>
+    </a:lvl8pPr>
+    <a:lvl9pPr marL="3657600" algn="l" defTabSz="914400" rtl="0" eaLnBrk="1" latinLnBrk="1" hangingPunct="1">
+      <a:defRPr sz="1200" kern="1200">
+        <a:solidFill>
+          <a:schemeClr val="tx1"/>
+        </a:solidFill>
+        <a:latin typeface="+mn-lt"/>
+        <a:ea typeface="+mn-ea"/>
+        <a:cs typeface="+mn-cs"/>
+      </a:defRPr>
+    </a:lvl9pPr>
+  </p:notesStyle>
+</p:notesMaster>
+</file>
+
+<file path=ppt/notesSlides/notesSlide1.xml><?xml version="1.0" encoding="utf-8"?>
+<p:notes xmlns:a="http://schemas.openxmlformats.org/drawingml/2006/main" xmlns:r="http://schemas.openxmlformats.org/officeDocument/2006/relationships" xmlns:p="http://schemas.openxmlformats.org/presentationml/2006/main">
+  <p:cSld>
+    <p:spTree>
+      <p:nvGrpSpPr>
+        <p:cNvPr id="1" name=""/>
+        <p:cNvGrpSpPr/>
+        <p:nvPr/>
+      </p:nvGrpSpPr>
+      <p:grpSpPr>
+        <a:xfrm>
+          <a:off x="0" y="0"/>
+          <a:ext cx="0" cy="0"/>
+          <a:chOff x="0" y="0"/>
+          <a:chExt cx="0" cy="0"/>
+        </a:xfrm>
+      </p:grpSpPr>
+      <p:sp>
+        <p:nvSpPr>
+          <p:cNvPr id="2" name="슬라이드 이미지 개체 틀 1"/>
+          <p:cNvSpPr>
+            <a:spLocks noGrp="1" noRot="1" noChangeAspect="1"/>
+          </p:cNvSpPr>
+          <p:nvPr>
+            <p:ph type="sldImg"/>
+          </p:nvPr>
+        </p:nvSpPr>
+        <p:spPr/>
+      </p:sp>
+      <p:sp>
+        <p:nvSpPr>
+          <p:cNvPr id="3" name="슬라이드 노트 개체 틀 2"/>
+          <p:cNvSpPr>
+            <a:spLocks noGrp="1"/>
+          </p:cNvSpPr>
+          <p:nvPr>
+            <p:ph type="body" idx="1"/>
+          </p:nvPr>
+        </p:nvSpPr>
+        <p:spPr/>
+        <p:txBody>
+          <a:bodyPr/>
+          <a:lstStyle/>
+          <a:p>
+            <a:r>
+              <a:rPr lang="en-US" altLang="ko-KR">
+                <a:hlinkClick r:id="rId3"/>
+              </a:rPr>
+              <a:t>https://wooooooak.github.io/</a:t>
+            </a:r>
+            <a:endParaRPr lang="ko-KR" altLang="en-US"/>
+          </a:p>
+        </p:txBody>
+      </p:sp>
+      <p:sp>
+        <p:nvSpPr>
+          <p:cNvPr id="4" name="슬라이드 번호 개체 틀 3"/>
+          <p:cNvSpPr>
+            <a:spLocks noGrp="1"/>
+          </p:cNvSpPr>
+          <p:nvPr>
+            <p:ph type="sldNum" sz="quarter" idx="5"/>
+          </p:nvPr>
+        </p:nvSpPr>
+        <p:spPr/>
+        <p:txBody>
+          <a:bodyPr/>
+          <a:lstStyle/>
+          <a:p>
+            <a:fld id="{9E19AD88-CDD8-4565-8E69-482BA6E8E256}" type="slidenum">
+              <a:rPr lang="ko-KR" altLang="en-US" smtClean="0"/>
+              <a:t>26</a:t>
+            </a:fld>
+            <a:endParaRPr lang="ko-KR" altLang="en-US"/>
+          </a:p>
+        </p:txBody>
+      </p:sp>
+    </p:spTree>
+    <p:extLst>
+      <p:ext uri="{BB962C8B-B14F-4D97-AF65-F5344CB8AC3E}">
+        <p14:creationId xmlns:p14="http://schemas.microsoft.com/office/powerpoint/2010/main" val="247637056"/>
+      </p:ext>
+    </p:extLst>
+  </p:cSld>
+  <p:clrMapOvr>
+    <a:masterClrMapping/>
+  </p:clrMapOvr>
+</p:notes>
+</file>
+
 <file path=ppt/slideLayouts/slideLayout1.xml><?xml version="1.0" encoding="utf-8"?>
 <p:sldLayout xmlns:a="http://schemas.openxmlformats.org/drawingml/2006/main" xmlns:r="http://schemas.openxmlformats.org/officeDocument/2006/relationships" xmlns:p="http://schemas.openxmlformats.org/presentationml/2006/main" type="title" preserve="1">
   <p:cSld name="제목 슬라이드">
@@ -285,7 +737,7 @@
           <a:p>
             <a:fld id="{6A8F2BA4-AD55-4F95-926C-ED709381EFD6}" type="datetimeFigureOut">
               <a:rPr lang="ko-KR" altLang="en-US" smtClean="0"/>
-              <a:t>2020-08-01</a:t>
+              <a:t>2020-09-04</a:t>
             </a:fld>
             <a:endParaRPr lang="ko-KR" altLang="en-US"/>
           </a:p>
@@ -483,7 +935,7 @@
           <a:p>
             <a:fld id="{6A8F2BA4-AD55-4F95-926C-ED709381EFD6}" type="datetimeFigureOut">
               <a:rPr lang="ko-KR" altLang="en-US" smtClean="0"/>
-              <a:t>2020-08-01</a:t>
+              <a:t>2020-09-04</a:t>
             </a:fld>
             <a:endParaRPr lang="ko-KR" altLang="en-US"/>
           </a:p>
@@ -691,7 +1143,7 @@
           <a:p>
             <a:fld id="{6A8F2BA4-AD55-4F95-926C-ED709381EFD6}" type="datetimeFigureOut">
               <a:rPr lang="ko-KR" altLang="en-US" smtClean="0"/>
-              <a:t>2020-08-01</a:t>
+              <a:t>2020-09-04</a:t>
             </a:fld>
             <a:endParaRPr lang="ko-KR" altLang="en-US"/>
           </a:p>
@@ -889,7 +1341,7 @@
           <a:p>
             <a:fld id="{6A8F2BA4-AD55-4F95-926C-ED709381EFD6}" type="datetimeFigureOut">
               <a:rPr lang="ko-KR" altLang="en-US" smtClean="0"/>
-              <a:t>2020-08-01</a:t>
+              <a:t>2020-09-04</a:t>
             </a:fld>
             <a:endParaRPr lang="ko-KR" altLang="en-US"/>
           </a:p>
@@ -1164,7 +1616,7 @@
           <a:p>
             <a:fld id="{6A8F2BA4-AD55-4F95-926C-ED709381EFD6}" type="datetimeFigureOut">
               <a:rPr lang="ko-KR" altLang="en-US" smtClean="0"/>
-              <a:t>2020-08-01</a:t>
+              <a:t>2020-09-04</a:t>
             </a:fld>
             <a:endParaRPr lang="ko-KR" altLang="en-US"/>
           </a:p>
@@ -1429,7 +1881,7 @@
           <a:p>
             <a:fld id="{6A8F2BA4-AD55-4F95-926C-ED709381EFD6}" type="datetimeFigureOut">
               <a:rPr lang="ko-KR" altLang="en-US" smtClean="0"/>
-              <a:t>2020-08-01</a:t>
+              <a:t>2020-09-04</a:t>
             </a:fld>
             <a:endParaRPr lang="ko-KR" altLang="en-US"/>
           </a:p>
@@ -1841,7 +2293,7 @@
           <a:p>
             <a:fld id="{6A8F2BA4-AD55-4F95-926C-ED709381EFD6}" type="datetimeFigureOut">
               <a:rPr lang="ko-KR" altLang="en-US" smtClean="0"/>
-              <a:t>2020-08-01</a:t>
+              <a:t>2020-09-04</a:t>
             </a:fld>
             <a:endParaRPr lang="ko-KR" altLang="en-US"/>
           </a:p>
@@ -1982,7 +2434,7 @@
           <a:p>
             <a:fld id="{6A8F2BA4-AD55-4F95-926C-ED709381EFD6}" type="datetimeFigureOut">
               <a:rPr lang="ko-KR" altLang="en-US" smtClean="0"/>
-              <a:t>2020-08-01</a:t>
+              <a:t>2020-09-04</a:t>
             </a:fld>
             <a:endParaRPr lang="ko-KR" altLang="en-US"/>
           </a:p>
@@ -2095,7 +2547,7 @@
           <a:p>
             <a:fld id="{6A8F2BA4-AD55-4F95-926C-ED709381EFD6}" type="datetimeFigureOut">
               <a:rPr lang="ko-KR" altLang="en-US" smtClean="0"/>
-              <a:t>2020-08-01</a:t>
+              <a:t>2020-09-04</a:t>
             </a:fld>
             <a:endParaRPr lang="ko-KR" altLang="en-US"/>
           </a:p>
@@ -2406,7 +2858,7 @@
           <a:p>
             <a:fld id="{6A8F2BA4-AD55-4F95-926C-ED709381EFD6}" type="datetimeFigureOut">
               <a:rPr lang="ko-KR" altLang="en-US" smtClean="0"/>
-              <a:t>2020-08-01</a:t>
+              <a:t>2020-09-04</a:t>
             </a:fld>
             <a:endParaRPr lang="ko-KR" altLang="en-US"/>
           </a:p>
@@ -2694,7 +3146,7 @@
           <a:p>
             <a:fld id="{6A8F2BA4-AD55-4F95-926C-ED709381EFD6}" type="datetimeFigureOut">
               <a:rPr lang="ko-KR" altLang="en-US" smtClean="0"/>
-              <a:t>2020-08-01</a:t>
+              <a:t>2020-09-04</a:t>
             </a:fld>
             <a:endParaRPr lang="ko-KR" altLang="en-US"/>
           </a:p>
@@ -2935,7 +3387,7 @@
           <a:p>
             <a:fld id="{6A8F2BA4-AD55-4F95-926C-ED709381EFD6}" type="datetimeFigureOut">
               <a:rPr lang="ko-KR" altLang="en-US" smtClean="0"/>
-              <a:t>2020-08-01</a:t>
+              <a:t>2020-09-04</a:t>
             </a:fld>
             <a:endParaRPr lang="ko-KR" altLang="en-US"/>
           </a:p>
@@ -3865,10 +4317,868 @@
 <file path=ppt/slides/slide15.xml><?xml version="1.0" encoding="utf-8"?>
 <p:sld xmlns:a="http://schemas.openxmlformats.org/drawingml/2006/main" xmlns:r="http://schemas.openxmlformats.org/officeDocument/2006/relationships" xmlns:p="http://schemas.openxmlformats.org/presentationml/2006/main">
   <p:cSld>
+    <p:spTree>
+      <p:nvGrpSpPr>
+        <p:cNvPr id="1" name=""/>
+        <p:cNvGrpSpPr/>
+        <p:nvPr/>
+      </p:nvGrpSpPr>
+      <p:grpSpPr>
+        <a:xfrm>
+          <a:off x="0" y="0"/>
+          <a:ext cx="0" cy="0"/>
+          <a:chOff x="0" y="0"/>
+          <a:chExt cx="0" cy="0"/>
+        </a:xfrm>
+      </p:grpSpPr>
+      <p:sp>
+        <p:nvSpPr>
+          <p:cNvPr id="5" name="TextBox 4">
+            <a:extLst>
+              <a:ext uri="{FF2B5EF4-FFF2-40B4-BE49-F238E27FC236}">
+                <a16:creationId xmlns:a16="http://schemas.microsoft.com/office/drawing/2014/main" id="{BAE4CD1B-ADB4-46F4-951D-78D9AF70132B}"/>
+              </a:ext>
+            </a:extLst>
+          </p:cNvPr>
+          <p:cNvSpPr txBox="1"/>
+          <p:nvPr/>
+        </p:nvSpPr>
+        <p:spPr>
+          <a:xfrm>
+            <a:off x="2336540" y="1831110"/>
+            <a:ext cx="7518919" cy="2708434"/>
+          </a:xfrm>
+          <a:prstGeom prst="rect">
+            <a:avLst/>
+          </a:prstGeom>
+          <a:noFill/>
+        </p:spPr>
+        <p:txBody>
+          <a:bodyPr wrap="square" rtlCol="0">
+            <a:spAutoFit/>
+          </a:bodyPr>
+          <a:lstStyle/>
+          <a:p>
+            <a:pPr algn="ctr"/>
+            <a:r>
+              <a:rPr lang="ko-KR" altLang="en-US" sz="8500">
+                <a:latin typeface="여기어때 잘난체 OTF" panose="020B0600000101010101" pitchFamily="34" charset="-127"/>
+                <a:ea typeface="여기어때 잘난체 OTF" panose="020B0600000101010101" pitchFamily="34" charset="-127"/>
+              </a:rPr>
+              <a:t>용감한</a:t>
+            </a:r>
+            <a:endParaRPr lang="en-US" altLang="ko-KR" sz="8500">
+              <a:latin typeface="여기어때 잘난체 OTF" panose="020B0600000101010101" pitchFamily="34" charset="-127"/>
+              <a:ea typeface="여기어때 잘난체 OTF" panose="020B0600000101010101" pitchFamily="34" charset="-127"/>
+            </a:endParaRPr>
+          </a:p>
+          <a:p>
+            <a:pPr algn="ctr"/>
+            <a:r>
+              <a:rPr lang="ko-KR" altLang="en-US" sz="8500">
+                <a:latin typeface="여기어때 잘난체 OTF" panose="020B0600000101010101" pitchFamily="34" charset="-127"/>
+                <a:ea typeface="여기어때 잘난체 OTF" panose="020B0600000101010101" pitchFamily="34" charset="-127"/>
+              </a:rPr>
+              <a:t>친구들</a:t>
+            </a:r>
+          </a:p>
+        </p:txBody>
+      </p:sp>
+      <p:sp>
+        <p:nvSpPr>
+          <p:cNvPr id="6" name="직사각형 5">
+            <a:extLst>
+              <a:ext uri="{FF2B5EF4-FFF2-40B4-BE49-F238E27FC236}">
+                <a16:creationId xmlns:a16="http://schemas.microsoft.com/office/drawing/2014/main" id="{92A0B1D5-CD32-4B51-91DB-16C5A979F048}"/>
+              </a:ext>
+            </a:extLst>
+          </p:cNvPr>
+          <p:cNvSpPr/>
+          <p:nvPr/>
+        </p:nvSpPr>
+        <p:spPr>
+          <a:xfrm>
+            <a:off x="4049486" y="1356527"/>
+            <a:ext cx="4109776" cy="3657600"/>
+          </a:xfrm>
+          <a:prstGeom prst="rect">
+            <a:avLst/>
+          </a:prstGeom>
+          <a:noFill/>
+          <a:ln>
+            <a:solidFill>
+              <a:schemeClr val="accent1">
+                <a:shade val="50000"/>
+              </a:schemeClr>
+            </a:solidFill>
+          </a:ln>
+        </p:spPr>
+        <p:style>
+          <a:lnRef idx="2">
+            <a:schemeClr val="accent1">
+              <a:shade val="50000"/>
+            </a:schemeClr>
+          </a:lnRef>
+          <a:fillRef idx="1">
+            <a:schemeClr val="accent1"/>
+          </a:fillRef>
+          <a:effectRef idx="0">
+            <a:schemeClr val="accent1"/>
+          </a:effectRef>
+          <a:fontRef idx="minor">
+            <a:schemeClr val="lt1"/>
+          </a:fontRef>
+        </p:style>
+        <p:txBody>
+          <a:bodyPr rtlCol="0" anchor="ctr"/>
+          <a:lstStyle/>
+          <a:p>
+            <a:pPr algn="ctr"/>
+            <a:endParaRPr lang="ko-KR" altLang="en-US"/>
+          </a:p>
+        </p:txBody>
+      </p:sp>
+    </p:spTree>
+    <p:extLst>
+      <p:ext uri="{BB962C8B-B14F-4D97-AF65-F5344CB8AC3E}">
+        <p14:creationId xmlns:p14="http://schemas.microsoft.com/office/powerpoint/2010/main" val="2720753299"/>
+      </p:ext>
+    </p:extLst>
+  </p:cSld>
+  <p:clrMapOvr>
+    <a:masterClrMapping/>
+  </p:clrMapOvr>
+</p:sld>
+</file>
+
+<file path=ppt/slides/slide16.xml><?xml version="1.0" encoding="utf-8"?>
+<p:sld xmlns:a="http://schemas.openxmlformats.org/drawingml/2006/main" xmlns:r="http://schemas.openxmlformats.org/officeDocument/2006/relationships" xmlns:p="http://schemas.openxmlformats.org/presentationml/2006/main">
+  <p:cSld>
     <p:bg>
       <p:bgPr>
         <a:solidFill>
-          <a:schemeClr val="bg1"/>
+          <a:schemeClr val="tx1"/>
+        </a:solidFill>
+        <a:effectLst/>
+      </p:bgPr>
+    </p:bg>
+    <p:spTree>
+      <p:nvGrpSpPr>
+        <p:cNvPr id="1" name=""/>
+        <p:cNvGrpSpPr/>
+        <p:nvPr/>
+      </p:nvGrpSpPr>
+      <p:grpSpPr>
+        <a:xfrm>
+          <a:off x="0" y="0"/>
+          <a:ext cx="0" cy="0"/>
+          <a:chOff x="0" y="0"/>
+          <a:chExt cx="0" cy="0"/>
+        </a:xfrm>
+      </p:grpSpPr>
+      <p:sp>
+        <p:nvSpPr>
+          <p:cNvPr id="5" name="TextBox 4">
+            <a:extLst>
+              <a:ext uri="{FF2B5EF4-FFF2-40B4-BE49-F238E27FC236}">
+                <a16:creationId xmlns:a16="http://schemas.microsoft.com/office/drawing/2014/main" id="{BAE4CD1B-ADB4-46F4-951D-78D9AF70132B}"/>
+              </a:ext>
+            </a:extLst>
+          </p:cNvPr>
+          <p:cNvSpPr txBox="1"/>
+          <p:nvPr/>
+        </p:nvSpPr>
+        <p:spPr>
+          <a:xfrm>
+            <a:off x="2336540" y="1831110"/>
+            <a:ext cx="7518919" cy="2708434"/>
+          </a:xfrm>
+          <a:prstGeom prst="rect">
+            <a:avLst/>
+          </a:prstGeom>
+          <a:noFill/>
+        </p:spPr>
+        <p:txBody>
+          <a:bodyPr wrap="square" rtlCol="0">
+            <a:spAutoFit/>
+          </a:bodyPr>
+          <a:lstStyle/>
+          <a:p>
+            <a:pPr algn="ctr"/>
+            <a:r>
+              <a:rPr lang="ko-KR" altLang="en-US" sz="8500">
+                <a:solidFill>
+                  <a:schemeClr val="bg1"/>
+                </a:solidFill>
+                <a:latin typeface="여기어때 잘난체 OTF" panose="020B0600000101010101" pitchFamily="34" charset="-127"/>
+                <a:ea typeface="여기어때 잘난체 OTF" panose="020B0600000101010101" pitchFamily="34" charset="-127"/>
+              </a:rPr>
+              <a:t>용감한</a:t>
+            </a:r>
+            <a:endParaRPr lang="en-US" altLang="ko-KR" sz="8500">
+              <a:solidFill>
+                <a:schemeClr val="bg1"/>
+              </a:solidFill>
+              <a:latin typeface="여기어때 잘난체 OTF" panose="020B0600000101010101" pitchFamily="34" charset="-127"/>
+              <a:ea typeface="여기어때 잘난체 OTF" panose="020B0600000101010101" pitchFamily="34" charset="-127"/>
+            </a:endParaRPr>
+          </a:p>
+          <a:p>
+            <a:pPr algn="ctr"/>
+            <a:r>
+              <a:rPr lang="ko-KR" altLang="en-US" sz="8500">
+                <a:solidFill>
+                  <a:schemeClr val="bg1"/>
+                </a:solidFill>
+                <a:latin typeface="여기어때 잘난체 OTF" panose="020B0600000101010101" pitchFamily="34" charset="-127"/>
+                <a:ea typeface="여기어때 잘난체 OTF" panose="020B0600000101010101" pitchFamily="34" charset="-127"/>
+              </a:rPr>
+              <a:t>친구들</a:t>
+            </a:r>
+          </a:p>
+        </p:txBody>
+      </p:sp>
+      <p:sp>
+        <p:nvSpPr>
+          <p:cNvPr id="6" name="직사각형 5">
+            <a:extLst>
+              <a:ext uri="{FF2B5EF4-FFF2-40B4-BE49-F238E27FC236}">
+                <a16:creationId xmlns:a16="http://schemas.microsoft.com/office/drawing/2014/main" id="{92A0B1D5-CD32-4B51-91DB-16C5A979F048}"/>
+              </a:ext>
+            </a:extLst>
+          </p:cNvPr>
+          <p:cNvSpPr/>
+          <p:nvPr/>
+        </p:nvSpPr>
+        <p:spPr>
+          <a:xfrm>
+            <a:off x="4049486" y="1356527"/>
+            <a:ext cx="4109776" cy="3657600"/>
+          </a:xfrm>
+          <a:prstGeom prst="rect">
+            <a:avLst/>
+          </a:prstGeom>
+          <a:noFill/>
+          <a:ln>
+            <a:solidFill>
+              <a:schemeClr val="accent1">
+                <a:shade val="50000"/>
+              </a:schemeClr>
+            </a:solidFill>
+          </a:ln>
+        </p:spPr>
+        <p:style>
+          <a:lnRef idx="2">
+            <a:schemeClr val="accent1">
+              <a:shade val="50000"/>
+            </a:schemeClr>
+          </a:lnRef>
+          <a:fillRef idx="1">
+            <a:schemeClr val="accent1"/>
+          </a:fillRef>
+          <a:effectRef idx="0">
+            <a:schemeClr val="accent1"/>
+          </a:effectRef>
+          <a:fontRef idx="minor">
+            <a:schemeClr val="lt1"/>
+          </a:fontRef>
+        </p:style>
+        <p:txBody>
+          <a:bodyPr rtlCol="0" anchor="ctr"/>
+          <a:lstStyle/>
+          <a:p>
+            <a:pPr algn="ctr"/>
+            <a:endParaRPr lang="ko-KR" altLang="en-US"/>
+          </a:p>
+        </p:txBody>
+      </p:sp>
+      <mc:AlternateContent xmlns:mc="http://schemas.openxmlformats.org/markup-compatibility/2006" xmlns:pslz="http://schemas.microsoft.com/office/powerpoint/2016/slidezoom">
+        <mc:Choice Requires="pslz">
+          <p:graphicFrame>
+            <p:nvGraphicFramePr>
+              <p:cNvPr id="3" name="슬라이드 확대/축소 2">
+                <a:extLst>
+                  <a:ext uri="{FF2B5EF4-FFF2-40B4-BE49-F238E27FC236}">
+                    <a16:creationId xmlns:a16="http://schemas.microsoft.com/office/drawing/2014/main" id="{6E70BFD9-CE76-46F3-8394-E572C6BE1ED1}"/>
+                  </a:ext>
+                </a:extLst>
+              </p:cNvPr>
+              <p:cNvGraphicFramePr>
+                <a:graphicFrameLocks noChangeAspect="1"/>
+              </p:cNvGraphicFramePr>
+              <p:nvPr>
+                <p:extLst>
+                  <p:ext uri="{D42A27DB-BD31-4B8C-83A1-F6EECF244321}">
+                    <p14:modId xmlns:p14="http://schemas.microsoft.com/office/powerpoint/2010/main" val="1860110824"/>
+                  </p:ext>
+                </p:extLst>
+              </p:nvPr>
+            </p:nvGraphicFramePr>
+            <p:xfrm>
+              <a:off x="-1865738" y="5036814"/>
+              <a:ext cx="3048000" cy="1714500"/>
+            </p:xfrm>
+            <a:graphic>
+              <a:graphicData uri="http://schemas.microsoft.com/office/powerpoint/2016/slidezoom">
+                <pslz:sldZm>
+                  <pslz:sldZmObj sldId="276" cId="3081846455">
+                    <pslz:zmPr id="{79BC3EFD-46C2-442A-904D-91392B0A8D69}" returnToParent="0" transitionDur="1000">
+                      <p166:blipFill xmlns:p166="http://schemas.microsoft.com/office/powerpoint/2016/6/main">
+                        <a:blip r:embed="rId2"/>
+                        <a:stretch>
+                          <a:fillRect/>
+                        </a:stretch>
+                      </p166:blipFill>
+                      <p166:spPr xmlns:p166="http://schemas.microsoft.com/office/powerpoint/2016/6/main">
+                        <a:xfrm>
+                          <a:off x="0" y="0"/>
+                          <a:ext cx="3048000" cy="1714500"/>
+                        </a:xfrm>
+                        <a:prstGeom prst="rect">
+                          <a:avLst/>
+                        </a:prstGeom>
+                        <a:ln w="3175">
+                          <a:solidFill>
+                            <a:prstClr val="ltGray"/>
+                          </a:solidFill>
+                        </a:ln>
+                      </p166:spPr>
+                    </pslz:zmPr>
+                  </pslz:sldZmObj>
+                </pslz:sldZm>
+              </a:graphicData>
+            </a:graphic>
+          </p:graphicFrame>
+        </mc:Choice>
+        <mc:Fallback xmlns="">
+          <p:pic>
+            <p:nvPicPr>
+              <p:cNvPr id="3" name="슬라이드 확대/축소 2">
+                <a:hlinkClick r:id="rId3" action="ppaction://hlinksldjump"/>
+                <a:extLst>
+                  <a:ext uri="{FF2B5EF4-FFF2-40B4-BE49-F238E27FC236}">
+                    <a16:creationId xmlns:a16="http://schemas.microsoft.com/office/drawing/2014/main" id="{6E70BFD9-CE76-46F3-8394-E572C6BE1ED1}"/>
+                  </a:ext>
+                </a:extLst>
+              </p:cNvPr>
+              <p:cNvPicPr>
+                <a:picLocks noGrp="1" noRot="1" noChangeAspect="1" noMove="1" noResize="1" noEditPoints="1" noAdjustHandles="1" noChangeArrowheads="1" noChangeShapeType="1"/>
+              </p:cNvPicPr>
+              <p:nvPr/>
+            </p:nvPicPr>
+            <p:blipFill>
+              <a:blip r:embed="rId4"/>
+              <a:stretch>
+                <a:fillRect/>
+              </a:stretch>
+            </p:blipFill>
+            <p:spPr>
+              <a:xfrm>
+                <a:off x="-1865738" y="5036814"/>
+                <a:ext cx="3048000" cy="1714500"/>
+              </a:xfrm>
+              <a:prstGeom prst="rect">
+                <a:avLst/>
+              </a:prstGeom>
+              <a:ln w="3175">
+                <a:solidFill>
+                  <a:prstClr val="ltGray"/>
+                </a:solidFill>
+              </a:ln>
+            </p:spPr>
+          </p:pic>
+        </mc:Fallback>
+      </mc:AlternateContent>
+    </p:spTree>
+    <p:extLst>
+      <p:ext uri="{BB962C8B-B14F-4D97-AF65-F5344CB8AC3E}">
+        <p14:creationId xmlns:p14="http://schemas.microsoft.com/office/powerpoint/2010/main" val="353184198"/>
+      </p:ext>
+    </p:extLst>
+  </p:cSld>
+  <p:clrMapOvr>
+    <a:masterClrMapping/>
+  </p:clrMapOvr>
+</p:sld>
+</file>
+
+<file path=ppt/slides/slide17.xml><?xml version="1.0" encoding="utf-8"?>
+<p:sld xmlns:a="http://schemas.openxmlformats.org/drawingml/2006/main" xmlns:r="http://schemas.openxmlformats.org/officeDocument/2006/relationships" xmlns:p="http://schemas.openxmlformats.org/presentationml/2006/main">
+  <p:cSld>
+    <p:bg>
+      <p:bgPr>
+        <a:solidFill>
+          <a:srgbClr val="5F471D"/>
+        </a:solidFill>
+        <a:effectLst/>
+      </p:bgPr>
+    </p:bg>
+    <p:spTree>
+      <p:nvGrpSpPr>
+        <p:cNvPr id="1" name=""/>
+        <p:cNvGrpSpPr/>
+        <p:nvPr/>
+      </p:nvGrpSpPr>
+      <p:grpSpPr>
+        <a:xfrm>
+          <a:off x="0" y="0"/>
+          <a:ext cx="0" cy="0"/>
+          <a:chOff x="0" y="0"/>
+          <a:chExt cx="0" cy="0"/>
+        </a:xfrm>
+      </p:grpSpPr>
+      <p:sp>
+        <p:nvSpPr>
+          <p:cNvPr id="11" name="Rectangle 10">
+            <a:extLst>
+              <a:ext uri="{FF2B5EF4-FFF2-40B4-BE49-F238E27FC236}">
+                <a16:creationId xmlns:a16="http://schemas.microsoft.com/office/drawing/2014/main" id="{7905BA41-EE6E-4F80-8636-447F22DD729A}"/>
+              </a:ext>
+              <a:ext uri="{C183D7F6-B498-43B3-948B-1728B52AA6E4}">
+                <adec:decorative xmlns:adec="http://schemas.microsoft.com/office/drawing/2017/decorative" val="1"/>
+              </a:ext>
+            </a:extLst>
+          </p:cNvPr>
+          <p:cNvSpPr>
+            <a:spLocks noGrp="1" noRot="1" noChangeAspect="1" noMove="1" noResize="1" noEditPoints="1" noAdjustHandles="1" noChangeArrowheads="1" noChangeShapeType="1" noTextEdit="1"/>
+          </p:cNvSpPr>
+          <p:nvPr>
+            <p:extLst>
+              <p:ext uri="{386F3935-93C4-4BCD-93E2-E3B085C9AB24}">
+                <p16:designElem xmlns:p16="http://schemas.microsoft.com/office/powerpoint/2015/main" val="1"/>
+              </p:ext>
+            </p:extLst>
+          </p:nvPr>
+        </p:nvSpPr>
+        <p:spPr>
+          <a:xfrm>
+            <a:off x="0" y="0"/>
+            <a:ext cx="12192000" cy="6858000"/>
+          </a:xfrm>
+          <a:prstGeom prst="rect">
+            <a:avLst/>
+          </a:prstGeom>
+          <a:solidFill>
+            <a:srgbClr val="5F471D"/>
+          </a:solidFill>
+          <a:ln>
+            <a:noFill/>
+          </a:ln>
+        </p:spPr>
+        <p:style>
+          <a:lnRef idx="2">
+            <a:schemeClr val="accent1">
+              <a:shade val="50000"/>
+            </a:schemeClr>
+          </a:lnRef>
+          <a:fillRef idx="1">
+            <a:schemeClr val="accent1"/>
+          </a:fillRef>
+          <a:effectRef idx="0">
+            <a:schemeClr val="accent1"/>
+          </a:effectRef>
+          <a:fontRef idx="minor">
+            <a:schemeClr val="lt1"/>
+          </a:fontRef>
+        </p:style>
+        <p:txBody>
+          <a:bodyPr rtlCol="0" anchor="ctr"/>
+          <a:lstStyle/>
+          <a:p>
+            <a:pPr algn="ctr"/>
+            <a:endParaRPr lang="en-US"/>
+          </a:p>
+        </p:txBody>
+      </p:sp>
+      <p:sp>
+        <p:nvSpPr>
+          <p:cNvPr id="5" name="TextBox 4">
+            <a:extLst>
+              <a:ext uri="{FF2B5EF4-FFF2-40B4-BE49-F238E27FC236}">
+                <a16:creationId xmlns:a16="http://schemas.microsoft.com/office/drawing/2014/main" id="{7EC55CB2-6DCA-4C7B-8B99-BAB5E67C4D98}"/>
+              </a:ext>
+            </a:extLst>
+          </p:cNvPr>
+          <p:cNvSpPr txBox="1"/>
+          <p:nvPr/>
+        </p:nvSpPr>
+        <p:spPr>
+          <a:xfrm>
+            <a:off x="8555322" y="5510228"/>
+            <a:ext cx="9110506" cy="1784402"/>
+          </a:xfrm>
+          <a:prstGeom prst="rect">
+            <a:avLst/>
+          </a:prstGeom>
+        </p:spPr>
+        <p:txBody>
+          <a:bodyPr vert="horz" lIns="91440" tIns="45720" rIns="91440" bIns="45720" rtlCol="0" anchor="b">
+            <a:normAutofit/>
+          </a:bodyPr>
+          <a:lstStyle/>
+          <a:p>
+            <a:pPr algn="ctr" latinLnBrk="0">
+              <a:lnSpc>
+                <a:spcPct val="90000"/>
+              </a:lnSpc>
+              <a:spcBef>
+                <a:spcPct val="0"/>
+              </a:spcBef>
+              <a:spcAft>
+                <a:spcPts val="600"/>
+              </a:spcAft>
+            </a:pPr>
+            <a:r>
+              <a:rPr lang="ko-KR" altLang="en-US" sz="5400">
+                <a:solidFill>
+                  <a:srgbClr val="FFFFFF"/>
+                </a:solidFill>
+                <a:latin typeface="+mj-lt"/>
+                <a:ea typeface="+mj-ea"/>
+                <a:cs typeface="+mj-cs"/>
+              </a:rPr>
+              <a:t>용감한</a:t>
+            </a:r>
+            <a:endParaRPr lang="en-US" altLang="ko-KR" sz="5400">
+              <a:solidFill>
+                <a:srgbClr val="FFFFFF"/>
+              </a:solidFill>
+              <a:latin typeface="+mj-lt"/>
+              <a:ea typeface="+mj-ea"/>
+              <a:cs typeface="+mj-cs"/>
+            </a:endParaRPr>
+          </a:p>
+          <a:p>
+            <a:pPr algn="ctr" latinLnBrk="0">
+              <a:lnSpc>
+                <a:spcPct val="90000"/>
+              </a:lnSpc>
+              <a:spcBef>
+                <a:spcPct val="0"/>
+              </a:spcBef>
+              <a:spcAft>
+                <a:spcPts val="600"/>
+              </a:spcAft>
+            </a:pPr>
+            <a:r>
+              <a:rPr lang="ko-KR" altLang="en-US" sz="5400">
+                <a:solidFill>
+                  <a:srgbClr val="FFFFFF"/>
+                </a:solidFill>
+                <a:latin typeface="+mj-lt"/>
+                <a:ea typeface="+mj-ea"/>
+                <a:cs typeface="+mj-cs"/>
+              </a:rPr>
+              <a:t>친구들</a:t>
+            </a:r>
+          </a:p>
+        </p:txBody>
+      </p:sp>
+      <p:sp>
+        <p:nvSpPr>
+          <p:cNvPr id="13" name="Rectangle 12">
+            <a:extLst>
+              <a:ext uri="{FF2B5EF4-FFF2-40B4-BE49-F238E27FC236}">
+                <a16:creationId xmlns:a16="http://schemas.microsoft.com/office/drawing/2014/main" id="{5DBB2EB1-FDE2-473D-9B34-8BE6BA8500EB}"/>
+              </a:ext>
+              <a:ext uri="{C183D7F6-B498-43B3-948B-1728B52AA6E4}">
+                <adec:decorative xmlns:adec="http://schemas.microsoft.com/office/drawing/2017/decorative" val="1"/>
+              </a:ext>
+            </a:extLst>
+          </p:cNvPr>
+          <p:cNvSpPr>
+            <a:spLocks noGrp="1" noRot="1" noChangeAspect="1" noMove="1" noResize="1" noEditPoints="1" noAdjustHandles="1" noChangeArrowheads="1" noChangeShapeType="1" noTextEdit="1"/>
+          </p:cNvSpPr>
+          <p:nvPr>
+            <p:extLst>
+              <p:ext uri="{386F3935-93C4-4BCD-93E2-E3B085C9AB24}">
+                <p16:designElem xmlns:p16="http://schemas.microsoft.com/office/powerpoint/2015/main" val="1"/>
+              </p:ext>
+            </p:extLst>
+          </p:nvPr>
+        </p:nvSpPr>
+        <p:spPr>
+          <a:xfrm>
+            <a:off x="4946679" y="850092"/>
+            <a:ext cx="2298643" cy="2217420"/>
+          </a:xfrm>
+          <a:prstGeom prst="rect">
+            <a:avLst/>
+          </a:prstGeom>
+          <a:noFill/>
+          <a:ln w="31750" cap="sq">
+            <a:solidFill>
+              <a:srgbClr val="FFFFFF"/>
+            </a:solidFill>
+            <a:miter lim="800000"/>
+          </a:ln>
+        </p:spPr>
+        <p:style>
+          <a:lnRef idx="2">
+            <a:schemeClr val="accent1">
+              <a:shade val="50000"/>
+            </a:schemeClr>
+          </a:lnRef>
+          <a:fillRef idx="1">
+            <a:schemeClr val="accent1"/>
+          </a:fillRef>
+          <a:effectRef idx="0">
+            <a:schemeClr val="accent1"/>
+          </a:effectRef>
+          <a:fontRef idx="minor">
+            <a:schemeClr val="lt1"/>
+          </a:fontRef>
+        </p:style>
+        <p:txBody>
+          <a:bodyPr rtlCol="0" anchor="ctr"/>
+          <a:lstStyle/>
+          <a:p>
+            <a:pPr marL="0" marR="0" lvl="0" indent="0" algn="ctr" defTabSz="457200" rtl="0" eaLnBrk="1" fontAlgn="auto" latinLnBrk="0" hangingPunct="1">
+              <a:lnSpc>
+                <a:spcPct val="100000"/>
+              </a:lnSpc>
+              <a:spcBef>
+                <a:spcPts val="0"/>
+              </a:spcBef>
+              <a:spcAft>
+                <a:spcPts val="0"/>
+              </a:spcAft>
+              <a:buClrTx/>
+              <a:buSzTx/>
+              <a:buFontTx/>
+              <a:buNone/>
+              <a:tabLst/>
+              <a:defRPr/>
+            </a:pPr>
+            <a:endParaRPr kumimoji="0" lang="en-US" sz="1800" b="0" i="0" u="none" strike="noStrike" kern="1200" cap="none" spc="0" normalizeH="0" baseline="0" noProof="0" dirty="0">
+              <a:ln>
+                <a:noFill/>
+              </a:ln>
+              <a:solidFill>
+                <a:srgbClr val="FFFFFF"/>
+              </a:solidFill>
+              <a:effectLst/>
+              <a:uLnTx/>
+              <a:uFillTx/>
+              <a:latin typeface="Gill Sans MT" panose="020B0502020104020203"/>
+              <a:ea typeface="+mn-ea"/>
+              <a:cs typeface="+mn-cs"/>
+            </a:endParaRPr>
+          </a:p>
+        </p:txBody>
+      </p:sp>
+      <p:sp>
+        <p:nvSpPr>
+          <p:cNvPr id="15" name="Rectangle 14">
+            <a:extLst>
+              <a:ext uri="{FF2B5EF4-FFF2-40B4-BE49-F238E27FC236}">
+                <a16:creationId xmlns:a16="http://schemas.microsoft.com/office/drawing/2014/main" id="{866433B7-FF5B-4E01-B622-C535373D0AFB}"/>
+              </a:ext>
+              <a:ext uri="{C183D7F6-B498-43B3-948B-1728B52AA6E4}">
+                <adec:decorative xmlns:adec="http://schemas.microsoft.com/office/drawing/2017/decorative" val="1"/>
+              </a:ext>
+            </a:extLst>
+          </p:cNvPr>
+          <p:cNvSpPr>
+            <a:spLocks noGrp="1" noRot="1" noChangeAspect="1" noMove="1" noResize="1" noEditPoints="1" noAdjustHandles="1" noChangeArrowheads="1" noChangeShapeType="1" noTextEdit="1"/>
+          </p:cNvSpPr>
+          <p:nvPr>
+            <p:extLst>
+              <p:ext uri="{386F3935-93C4-4BCD-93E2-E3B085C9AB24}">
+                <p16:designElem xmlns:p16="http://schemas.microsoft.com/office/powerpoint/2015/main" val="1"/>
+              </p:ext>
+            </p:extLst>
+          </p:nvPr>
+        </p:nvSpPr>
+        <p:spPr>
+          <a:xfrm>
+            <a:off x="5015381" y="918634"/>
+            <a:ext cx="2161238" cy="2080336"/>
+          </a:xfrm>
+          <a:prstGeom prst="rect">
+            <a:avLst/>
+          </a:prstGeom>
+          <a:solidFill>
+            <a:srgbClr val="FFFFFF"/>
+          </a:solidFill>
+          <a:ln>
+            <a:noFill/>
+          </a:ln>
+        </p:spPr>
+        <p:style>
+          <a:lnRef idx="2">
+            <a:schemeClr val="accent1">
+              <a:shade val="50000"/>
+            </a:schemeClr>
+          </a:lnRef>
+          <a:fillRef idx="1">
+            <a:schemeClr val="accent1"/>
+          </a:fillRef>
+          <a:effectRef idx="0">
+            <a:schemeClr val="accent1"/>
+          </a:effectRef>
+          <a:fontRef idx="minor">
+            <a:schemeClr val="lt1"/>
+          </a:fontRef>
+        </p:style>
+        <p:txBody>
+          <a:bodyPr rtlCol="0" anchor="ctr"/>
+          <a:lstStyle/>
+          <a:p>
+            <a:pPr marL="0" marR="0" lvl="0" indent="0" algn="ctr" defTabSz="457200" rtl="0" eaLnBrk="1" fontAlgn="auto" latinLnBrk="0" hangingPunct="1">
+              <a:lnSpc>
+                <a:spcPct val="100000"/>
+              </a:lnSpc>
+              <a:spcBef>
+                <a:spcPts val="0"/>
+              </a:spcBef>
+              <a:spcAft>
+                <a:spcPts val="0"/>
+              </a:spcAft>
+              <a:buClrTx/>
+              <a:buSzTx/>
+              <a:buFontTx/>
+              <a:buNone/>
+              <a:tabLst/>
+              <a:defRPr/>
+            </a:pPr>
+            <a:endParaRPr kumimoji="0" lang="en-US" sz="1800" b="0" i="0" u="none" strike="noStrike" kern="1200" cap="none" spc="0" normalizeH="0" baseline="0" noProof="0">
+              <a:ln>
+                <a:noFill/>
+              </a:ln>
+              <a:solidFill>
+                <a:srgbClr val="FFFFFF"/>
+              </a:solidFill>
+              <a:effectLst/>
+              <a:uLnTx/>
+              <a:uFillTx/>
+              <a:latin typeface="Gill Sans MT" panose="020B0502020104020203"/>
+              <a:ea typeface="+mn-ea"/>
+              <a:cs typeface="+mn-cs"/>
+            </a:endParaRPr>
+          </a:p>
+        </p:txBody>
+      </p:sp>
+    </p:spTree>
+    <p:extLst>
+      <p:ext uri="{BB962C8B-B14F-4D97-AF65-F5344CB8AC3E}">
+        <p14:creationId xmlns:p14="http://schemas.microsoft.com/office/powerpoint/2010/main" val="963726700"/>
+      </p:ext>
+    </p:extLst>
+  </p:cSld>
+  <p:clrMapOvr>
+    <a:overrideClrMapping bg1="dk1" tx1="lt1" bg2="dk2" tx2="lt2" accent1="accent1" accent2="accent2" accent3="accent3" accent4="accent4" accent5="accent5" accent6="accent6" hlink="hlink" folHlink="folHlink"/>
+  </p:clrMapOvr>
+</p:sld>
+</file>
+
+<file path=ppt/slides/slide18.xml><?xml version="1.0" encoding="utf-8"?>
+<p:sld xmlns:a="http://schemas.openxmlformats.org/drawingml/2006/main" xmlns:r="http://schemas.openxmlformats.org/officeDocument/2006/relationships" xmlns:p="http://schemas.openxmlformats.org/presentationml/2006/main">
+  <p:cSld>
+    <p:bg>
+      <p:bgPr>
+        <a:solidFill>
+          <a:srgbClr val="5F471D"/>
+        </a:solidFill>
+        <a:effectLst/>
+      </p:bgPr>
+    </p:bg>
+    <p:spTree>
+      <p:nvGrpSpPr>
+        <p:cNvPr id="1" name=""/>
+        <p:cNvGrpSpPr/>
+        <p:nvPr/>
+      </p:nvGrpSpPr>
+      <p:grpSpPr>
+        <a:xfrm>
+          <a:off x="0" y="0"/>
+          <a:ext cx="0" cy="0"/>
+          <a:chOff x="0" y="0"/>
+          <a:chExt cx="0" cy="0"/>
+        </a:xfrm>
+      </p:grpSpPr>
+      <p:sp>
+        <p:nvSpPr>
+          <p:cNvPr id="13" name="TextBox 12">
+            <a:extLst>
+              <a:ext uri="{FF2B5EF4-FFF2-40B4-BE49-F238E27FC236}">
+                <a16:creationId xmlns:a16="http://schemas.microsoft.com/office/drawing/2014/main" id="{2B53F900-4692-4157-A5B5-75AA8FE09E34}"/>
+              </a:ext>
+            </a:extLst>
+          </p:cNvPr>
+          <p:cNvSpPr txBox="1"/>
+          <p:nvPr/>
+        </p:nvSpPr>
+        <p:spPr>
+          <a:xfrm>
+            <a:off x="3047163" y="3108347"/>
+            <a:ext cx="6094324" cy="646331"/>
+          </a:xfrm>
+          <a:prstGeom prst="rect">
+            <a:avLst/>
+          </a:prstGeom>
+          <a:noFill/>
+        </p:spPr>
+        <p:txBody>
+          <a:bodyPr wrap="square">
+            <a:spAutoFit/>
+          </a:bodyPr>
+          <a:lstStyle/>
+          <a:p>
+            <a:pPr algn="ctr"/>
+            <a:r>
+              <a:rPr lang="ko-KR" altLang="en-US" sz="1800">
+                <a:solidFill>
+                  <a:schemeClr val="bg1"/>
+                </a:solidFill>
+                <a:latin typeface="여기어때 잘난체 OTF" panose="020B0600000101010101" pitchFamily="34" charset="-127"/>
+                <a:ea typeface="여기어때 잘난체 OTF" panose="020B0600000101010101" pitchFamily="34" charset="-127"/>
+              </a:rPr>
+              <a:t>용감한</a:t>
+            </a:r>
+            <a:endParaRPr lang="en-US" altLang="ko-KR" sz="1800">
+              <a:solidFill>
+                <a:schemeClr val="bg1"/>
+              </a:solidFill>
+              <a:latin typeface="여기어때 잘난체 OTF" panose="020B0600000101010101" pitchFamily="34" charset="-127"/>
+              <a:ea typeface="여기어때 잘난체 OTF" panose="020B0600000101010101" pitchFamily="34" charset="-127"/>
+            </a:endParaRPr>
+          </a:p>
+          <a:p>
+            <a:pPr algn="ctr"/>
+            <a:r>
+              <a:rPr lang="ko-KR" altLang="en-US" sz="1800">
+                <a:solidFill>
+                  <a:schemeClr val="bg1"/>
+                </a:solidFill>
+                <a:latin typeface="여기어때 잘난체 OTF" panose="020B0600000101010101" pitchFamily="34" charset="-127"/>
+                <a:ea typeface="여기어때 잘난체 OTF" panose="020B0600000101010101" pitchFamily="34" charset="-127"/>
+              </a:rPr>
+              <a:t>친구들</a:t>
+            </a:r>
+          </a:p>
+        </p:txBody>
+      </p:sp>
+    </p:spTree>
+    <p:extLst>
+      <p:ext uri="{BB962C8B-B14F-4D97-AF65-F5344CB8AC3E}">
+        <p14:creationId xmlns:p14="http://schemas.microsoft.com/office/powerpoint/2010/main" val="3081846455"/>
+      </p:ext>
+    </p:extLst>
+  </p:cSld>
+  <p:clrMapOvr>
+    <a:masterClrMapping/>
+  </p:clrMapOvr>
+</p:sld>
+</file>
+
+<file path=ppt/slides/slide19.xml><?xml version="1.0" encoding="utf-8"?>
+<p:sld xmlns:a="http://schemas.openxmlformats.org/drawingml/2006/main" xmlns:r="http://schemas.openxmlformats.org/officeDocument/2006/relationships" xmlns:p="http://schemas.openxmlformats.org/presentationml/2006/main">
+  <p:cSld>
+    <p:bg>
+      <p:bgPr>
+        <a:solidFill>
+          <a:schemeClr val="tx1"/>
         </a:solidFill>
         <a:effectLst/>
       </p:bgPr>
@@ -3889,10 +5199,10 @@
       </p:grpSpPr>
       <p:pic>
         <p:nvPicPr>
-          <p:cNvPr id="5" name="그림 4">
-            <a:extLst>
-              <a:ext uri="{FF2B5EF4-FFF2-40B4-BE49-F238E27FC236}">
-                <a16:creationId xmlns:a16="http://schemas.microsoft.com/office/drawing/2014/main" id="{C4A1A109-9FCC-4DBB-A289-E201F98C74D3}"/>
+          <p:cNvPr id="8" name="그림 7">
+            <a:extLst>
+              <a:ext uri="{FF2B5EF4-FFF2-40B4-BE49-F238E27FC236}">
+                <a16:creationId xmlns:a16="http://schemas.microsoft.com/office/drawing/2014/main" id="{78E24D07-FF52-4FC1-9F71-568BDC747FAC}"/>
               </a:ext>
             </a:extLst>
           </p:cNvPr>
@@ -3915,8 +5225,8 @@
         </p:blipFill>
         <p:spPr>
           <a:xfrm>
-            <a:off x="4796036" y="2129036"/>
-            <a:ext cx="2599927" cy="2599927"/>
+            <a:off x="-381834" y="-1231769"/>
+            <a:ext cx="12192000" cy="6096000"/>
           </a:xfrm>
           <a:prstGeom prst="rect">
             <a:avLst/>
@@ -3925,122 +5235,104 @@
       </p:pic>
       <p:sp>
         <p:nvSpPr>
-          <p:cNvPr id="7" name="직사각형 6">
-            <a:extLst>
-              <a:ext uri="{FF2B5EF4-FFF2-40B4-BE49-F238E27FC236}">
-                <a16:creationId xmlns:a16="http://schemas.microsoft.com/office/drawing/2014/main" id="{02E11704-5C78-4E38-9952-5F1CAEFC2B42}"/>
-              </a:ext>
-            </a:extLst>
-          </p:cNvPr>
-          <p:cNvSpPr/>
+          <p:cNvPr id="5" name="TextBox 4">
+            <a:extLst>
+              <a:ext uri="{FF2B5EF4-FFF2-40B4-BE49-F238E27FC236}">
+                <a16:creationId xmlns:a16="http://schemas.microsoft.com/office/drawing/2014/main" id="{210F6006-F0F1-4184-AAD0-0AC899E156E5}"/>
+              </a:ext>
+            </a:extLst>
+          </p:cNvPr>
+          <p:cNvSpPr txBox="1"/>
           <p:nvPr/>
         </p:nvSpPr>
         <p:spPr>
           <a:xfrm>
-            <a:off x="4049486" y="1477105"/>
-            <a:ext cx="4109776" cy="3657600"/>
+            <a:off x="3048838" y="1078579"/>
+            <a:ext cx="6094324" cy="3785652"/>
           </a:xfrm>
           <a:prstGeom prst="rect">
             <a:avLst/>
           </a:prstGeom>
           <a:noFill/>
-          <a:ln>
-            <a:solidFill>
-              <a:schemeClr val="accent1">
-                <a:shade val="50000"/>
-              </a:schemeClr>
-            </a:solidFill>
-          </a:ln>
-        </p:spPr>
-        <p:style>
-          <a:lnRef idx="2">
-            <a:schemeClr val="accent1">
-              <a:shade val="50000"/>
-            </a:schemeClr>
-          </a:lnRef>
-          <a:fillRef idx="1">
-            <a:schemeClr val="accent1"/>
-          </a:fillRef>
-          <a:effectRef idx="0">
-            <a:schemeClr val="accent1"/>
-          </a:effectRef>
-          <a:fontRef idx="minor">
-            <a:schemeClr val="lt1"/>
-          </a:fontRef>
-        </p:style>
-        <p:txBody>
-          <a:bodyPr rtlCol="0" anchor="ctr"/>
+        </p:spPr>
+        <p:txBody>
+          <a:bodyPr wrap="square">
+            <a:spAutoFit/>
+          </a:bodyPr>
           <a:lstStyle/>
           <a:p>
             <a:pPr algn="ctr"/>
-            <a:endParaRPr lang="ko-KR" altLang="en-US"/>
+            <a:r>
+              <a:rPr lang="ko-KR" altLang="en-US" sz="12000">
+                <a:latin typeface="여기어때 잘난체 OTF" panose="020B0600000101010101" pitchFamily="34" charset="-127"/>
+                <a:ea typeface="여기어때 잘난체 OTF" panose="020B0600000101010101" pitchFamily="34" charset="-127"/>
+              </a:rPr>
+              <a:t>용감한</a:t>
+            </a:r>
+            <a:endParaRPr lang="en-US" altLang="ko-KR" sz="12000">
+              <a:latin typeface="여기어때 잘난체 OTF" panose="020B0600000101010101" pitchFamily="34" charset="-127"/>
+              <a:ea typeface="여기어때 잘난체 OTF" panose="020B0600000101010101" pitchFamily="34" charset="-127"/>
+            </a:endParaRPr>
+          </a:p>
+          <a:p>
+            <a:pPr algn="ctr"/>
+            <a:r>
+              <a:rPr lang="ko-KR" altLang="en-US" sz="12000">
+                <a:latin typeface="여기어때 잘난체 OTF" panose="020B0600000101010101" pitchFamily="34" charset="-127"/>
+                <a:ea typeface="여기어때 잘난체 OTF" panose="020B0600000101010101" pitchFamily="34" charset="-127"/>
+              </a:rPr>
+              <a:t>친구들</a:t>
+            </a:r>
+          </a:p>
+        </p:txBody>
+      </p:sp>
+      <p:sp>
+        <p:nvSpPr>
+          <p:cNvPr id="6" name="TextBox 5">
+            <a:extLst>
+              <a:ext uri="{FF2B5EF4-FFF2-40B4-BE49-F238E27FC236}">
+                <a16:creationId xmlns:a16="http://schemas.microsoft.com/office/drawing/2014/main" id="{B7B7305E-DC02-4159-89A2-87FA13A3BF2D}"/>
+              </a:ext>
+            </a:extLst>
+          </p:cNvPr>
+          <p:cNvSpPr txBox="1"/>
+          <p:nvPr/>
+        </p:nvSpPr>
+        <p:spPr>
+          <a:xfrm>
+            <a:off x="3068938" y="4746226"/>
+            <a:ext cx="6094324" cy="830997"/>
+          </a:xfrm>
+          <a:prstGeom prst="rect">
+            <a:avLst/>
+          </a:prstGeom>
+          <a:noFill/>
+        </p:spPr>
+        <p:txBody>
+          <a:bodyPr wrap="square">
+            <a:spAutoFit/>
+          </a:bodyPr>
+          <a:lstStyle/>
+          <a:p>
+            <a:pPr algn="ctr"/>
+            <a:r>
+              <a:rPr lang="en-US" altLang="ko-KR" sz="4600">
+                <a:latin typeface="여기어때 잘난체 OTF" panose="020B0600000101010101" pitchFamily="34" charset="-127"/>
+                <a:ea typeface="여기어때 잘난체 OTF" panose="020B0600000101010101" pitchFamily="34" charset="-127"/>
+              </a:rPr>
+              <a:t>Brave Friends</a:t>
+            </a:r>
+            <a:endParaRPr lang="ko-KR" altLang="en-US" sz="4600">
+              <a:latin typeface="여기어때 잘난체 OTF" panose="020B0600000101010101" pitchFamily="34" charset="-127"/>
+              <a:ea typeface="여기어때 잘난체 OTF" panose="020B0600000101010101" pitchFamily="34" charset="-127"/>
+            </a:endParaRPr>
           </a:p>
         </p:txBody>
       </p:sp>
     </p:spTree>
     <p:extLst>
       <p:ext uri="{BB962C8B-B14F-4D97-AF65-F5344CB8AC3E}">
-        <p14:creationId xmlns:p14="http://schemas.microsoft.com/office/powerpoint/2010/main" val="4147704994"/>
-      </p:ext>
-    </p:extLst>
-  </p:cSld>
-  <p:clrMapOvr>
-    <a:masterClrMapping/>
-  </p:clrMapOvr>
-</p:sld>
-</file>
-
-<file path=ppt/slides/slide16.xml><?xml version="1.0" encoding="utf-8"?>
-<p:sld xmlns:a="http://schemas.openxmlformats.org/drawingml/2006/main" xmlns:r="http://schemas.openxmlformats.org/officeDocument/2006/relationships" xmlns:p="http://schemas.openxmlformats.org/presentationml/2006/main">
-  <p:cSld>
-    <p:spTree>
-      <p:nvGrpSpPr>
-        <p:cNvPr id="1" name=""/>
-        <p:cNvGrpSpPr/>
-        <p:nvPr/>
-      </p:nvGrpSpPr>
-      <p:grpSpPr>
-        <a:xfrm>
-          <a:off x="0" y="0"/>
-          <a:ext cx="0" cy="0"/>
-          <a:chOff x="0" y="0"/>
-          <a:chExt cx="0" cy="0"/>
-        </a:xfrm>
-      </p:grpSpPr>
-      <p:pic>
-        <p:nvPicPr>
-          <p:cNvPr id="4" name="그림 3">
-            <a:extLst>
-              <a:ext uri="{FF2B5EF4-FFF2-40B4-BE49-F238E27FC236}">
-                <a16:creationId xmlns:a16="http://schemas.microsoft.com/office/drawing/2014/main" id="{5CEADB3A-9063-4C53-9C29-31AA4B50C02B}"/>
-              </a:ext>
-            </a:extLst>
-          </p:cNvPr>
-          <p:cNvPicPr>
-            <a:picLocks noChangeAspect="1"/>
-          </p:cNvPicPr>
-          <p:nvPr/>
-        </p:nvPicPr>
-        <p:blipFill>
-          <a:blip r:embed="rId2"/>
-          <a:stretch>
-            <a:fillRect/>
-          </a:stretch>
-        </p:blipFill>
-        <p:spPr>
-          <a:xfrm>
-            <a:off x="4610100" y="2000250"/>
-            <a:ext cx="2971800" cy="2857500"/>
-          </a:xfrm>
-          <a:prstGeom prst="rect">
-            <a:avLst/>
-          </a:prstGeom>
-        </p:spPr>
-      </p:pic>
-    </p:spTree>
-    <p:extLst>
-      <p:ext uri="{BB962C8B-B14F-4D97-AF65-F5344CB8AC3E}">
-        <p14:creationId xmlns:p14="http://schemas.microsoft.com/office/powerpoint/2010/main" val="127958765"/>
+        <p14:creationId xmlns:p14="http://schemas.microsoft.com/office/powerpoint/2010/main" val="2391304939"/>
       </p:ext>
     </p:extLst>
   </p:cSld>
@@ -4151,6 +5443,870 @@
     <p:extLst>
       <p:ext uri="{BB962C8B-B14F-4D97-AF65-F5344CB8AC3E}">
         <p14:creationId xmlns:p14="http://schemas.microsoft.com/office/powerpoint/2010/main" val="2194650027"/>
+      </p:ext>
+    </p:extLst>
+  </p:cSld>
+  <p:clrMapOvr>
+    <a:masterClrMapping/>
+  </p:clrMapOvr>
+</p:sld>
+</file>
+
+<file path=ppt/slides/slide20.xml><?xml version="1.0" encoding="utf-8"?>
+<p:sld xmlns:a="http://schemas.openxmlformats.org/drawingml/2006/main" xmlns:r="http://schemas.openxmlformats.org/officeDocument/2006/relationships" xmlns:p="http://schemas.openxmlformats.org/presentationml/2006/main">
+  <p:cSld>
+    <p:bg>
+      <p:bgPr>
+        <a:solidFill>
+          <a:schemeClr val="tx1"/>
+        </a:solidFill>
+        <a:effectLst/>
+      </p:bgPr>
+    </p:bg>
+    <p:spTree>
+      <p:nvGrpSpPr>
+        <p:cNvPr id="1" name=""/>
+        <p:cNvGrpSpPr/>
+        <p:nvPr/>
+      </p:nvGrpSpPr>
+      <p:grpSpPr>
+        <a:xfrm>
+          <a:off x="0" y="0"/>
+          <a:ext cx="0" cy="0"/>
+          <a:chOff x="0" y="0"/>
+          <a:chExt cx="0" cy="0"/>
+        </a:xfrm>
+      </p:grpSpPr>
+      <p:sp>
+        <p:nvSpPr>
+          <p:cNvPr id="5" name="TextBox 4">
+            <a:extLst>
+              <a:ext uri="{FF2B5EF4-FFF2-40B4-BE49-F238E27FC236}">
+                <a16:creationId xmlns:a16="http://schemas.microsoft.com/office/drawing/2014/main" id="{210F6006-F0F1-4184-AAD0-0AC899E156E5}"/>
+              </a:ext>
+            </a:extLst>
+          </p:cNvPr>
+          <p:cNvSpPr txBox="1"/>
+          <p:nvPr/>
+        </p:nvSpPr>
+        <p:spPr>
+          <a:xfrm>
+            <a:off x="3048838" y="736938"/>
+            <a:ext cx="6094324" cy="3785652"/>
+          </a:xfrm>
+          <a:prstGeom prst="rect">
+            <a:avLst/>
+          </a:prstGeom>
+          <a:noFill/>
+        </p:spPr>
+        <p:txBody>
+          <a:bodyPr wrap="square">
+            <a:spAutoFit/>
+          </a:bodyPr>
+          <a:lstStyle/>
+          <a:p>
+            <a:pPr algn="ctr"/>
+            <a:r>
+              <a:rPr lang="ko-KR" altLang="en-US" sz="12000">
+                <a:solidFill>
+                  <a:schemeClr val="bg1"/>
+                </a:solidFill>
+                <a:latin typeface="여기어때 잘난체 OTF" panose="020B0600000101010101" pitchFamily="34" charset="-127"/>
+                <a:ea typeface="여기어때 잘난체 OTF" panose="020B0600000101010101" pitchFamily="34" charset="-127"/>
+              </a:rPr>
+              <a:t>용감한</a:t>
+            </a:r>
+            <a:endParaRPr lang="en-US" altLang="ko-KR" sz="12000">
+              <a:solidFill>
+                <a:schemeClr val="bg1"/>
+              </a:solidFill>
+              <a:latin typeface="여기어때 잘난체 OTF" panose="020B0600000101010101" pitchFamily="34" charset="-127"/>
+              <a:ea typeface="여기어때 잘난체 OTF" panose="020B0600000101010101" pitchFamily="34" charset="-127"/>
+            </a:endParaRPr>
+          </a:p>
+          <a:p>
+            <a:pPr algn="ctr"/>
+            <a:r>
+              <a:rPr lang="ko-KR" altLang="en-US" sz="12000">
+                <a:solidFill>
+                  <a:schemeClr val="bg1"/>
+                </a:solidFill>
+                <a:latin typeface="여기어때 잘난체 OTF" panose="020B0600000101010101" pitchFamily="34" charset="-127"/>
+                <a:ea typeface="여기어때 잘난체 OTF" panose="020B0600000101010101" pitchFamily="34" charset="-127"/>
+              </a:rPr>
+              <a:t>친구들</a:t>
+            </a:r>
+          </a:p>
+        </p:txBody>
+      </p:sp>
+      <p:sp>
+        <p:nvSpPr>
+          <p:cNvPr id="6" name="TextBox 5">
+            <a:extLst>
+              <a:ext uri="{FF2B5EF4-FFF2-40B4-BE49-F238E27FC236}">
+                <a16:creationId xmlns:a16="http://schemas.microsoft.com/office/drawing/2014/main" id="{B7B7305E-DC02-4159-89A2-87FA13A3BF2D}"/>
+              </a:ext>
+            </a:extLst>
+          </p:cNvPr>
+          <p:cNvSpPr txBox="1"/>
+          <p:nvPr/>
+        </p:nvSpPr>
+        <p:spPr>
+          <a:xfrm>
+            <a:off x="3068938" y="4404585"/>
+            <a:ext cx="6094324" cy="830997"/>
+          </a:xfrm>
+          <a:prstGeom prst="rect">
+            <a:avLst/>
+          </a:prstGeom>
+          <a:noFill/>
+        </p:spPr>
+        <p:txBody>
+          <a:bodyPr wrap="square">
+            <a:spAutoFit/>
+          </a:bodyPr>
+          <a:lstStyle/>
+          <a:p>
+            <a:pPr algn="ctr"/>
+            <a:r>
+              <a:rPr lang="en-US" altLang="ko-KR" sz="4600">
+                <a:solidFill>
+                  <a:schemeClr val="bg1"/>
+                </a:solidFill>
+                <a:latin typeface="여기어때 잘난체 OTF" panose="020B0600000101010101" pitchFamily="34" charset="-127"/>
+                <a:ea typeface="여기어때 잘난체 OTF" panose="020B0600000101010101" pitchFamily="34" charset="-127"/>
+              </a:rPr>
+              <a:t>Brave Friends</a:t>
+            </a:r>
+            <a:endParaRPr lang="ko-KR" altLang="en-US" sz="4600">
+              <a:solidFill>
+                <a:schemeClr val="bg1"/>
+              </a:solidFill>
+              <a:latin typeface="여기어때 잘난체 OTF" panose="020B0600000101010101" pitchFamily="34" charset="-127"/>
+              <a:ea typeface="여기어때 잘난체 OTF" panose="020B0600000101010101" pitchFamily="34" charset="-127"/>
+            </a:endParaRPr>
+          </a:p>
+        </p:txBody>
+      </p:sp>
+    </p:spTree>
+    <p:extLst>
+      <p:ext uri="{BB962C8B-B14F-4D97-AF65-F5344CB8AC3E}">
+        <p14:creationId xmlns:p14="http://schemas.microsoft.com/office/powerpoint/2010/main" val="1439106842"/>
+      </p:ext>
+    </p:extLst>
+  </p:cSld>
+  <p:clrMapOvr>
+    <a:masterClrMapping/>
+  </p:clrMapOvr>
+</p:sld>
+</file>
+
+<file path=ppt/slides/slide21.xml><?xml version="1.0" encoding="utf-8"?>
+<p:sld xmlns:a="http://schemas.openxmlformats.org/drawingml/2006/main" xmlns:r="http://schemas.openxmlformats.org/officeDocument/2006/relationships" xmlns:p="http://schemas.openxmlformats.org/presentationml/2006/main">
+  <p:cSld>
+    <p:bg>
+      <p:bgPr>
+        <a:solidFill>
+          <a:srgbClr val="00579C"/>
+        </a:solidFill>
+        <a:effectLst/>
+      </p:bgPr>
+    </p:bg>
+    <p:spTree>
+      <p:nvGrpSpPr>
+        <p:cNvPr id="1" name=""/>
+        <p:cNvGrpSpPr/>
+        <p:nvPr/>
+      </p:nvGrpSpPr>
+      <p:grpSpPr>
+        <a:xfrm>
+          <a:off x="0" y="0"/>
+          <a:ext cx="0" cy="0"/>
+          <a:chOff x="0" y="0"/>
+          <a:chExt cx="0" cy="0"/>
+        </a:xfrm>
+      </p:grpSpPr>
+      <p:sp>
+        <p:nvSpPr>
+          <p:cNvPr id="5" name="TextBox 4">
+            <a:extLst>
+              <a:ext uri="{FF2B5EF4-FFF2-40B4-BE49-F238E27FC236}">
+                <a16:creationId xmlns:a16="http://schemas.microsoft.com/office/drawing/2014/main" id="{210F6006-F0F1-4184-AAD0-0AC899E156E5}"/>
+              </a:ext>
+            </a:extLst>
+          </p:cNvPr>
+          <p:cNvSpPr txBox="1"/>
+          <p:nvPr/>
+        </p:nvSpPr>
+        <p:spPr>
+          <a:xfrm>
+            <a:off x="3048838" y="636458"/>
+            <a:ext cx="6094324" cy="3785652"/>
+          </a:xfrm>
+          <a:prstGeom prst="rect">
+            <a:avLst/>
+          </a:prstGeom>
+          <a:noFill/>
+        </p:spPr>
+        <p:txBody>
+          <a:bodyPr wrap="square">
+            <a:spAutoFit/>
+          </a:bodyPr>
+          <a:lstStyle/>
+          <a:p>
+            <a:pPr algn="ctr"/>
+            <a:r>
+              <a:rPr lang="ko-KR" altLang="en-US" sz="12000">
+                <a:solidFill>
+                  <a:schemeClr val="bg1"/>
+                </a:solidFill>
+                <a:latin typeface="여기어때 잘난체 OTF" panose="020B0600000101010101" pitchFamily="34" charset="-127"/>
+                <a:ea typeface="여기어때 잘난체 OTF" panose="020B0600000101010101" pitchFamily="34" charset="-127"/>
+              </a:rPr>
+              <a:t>남송리</a:t>
+            </a:r>
+            <a:endParaRPr lang="en-US" altLang="ko-KR" sz="12000">
+              <a:solidFill>
+                <a:schemeClr val="bg1"/>
+              </a:solidFill>
+              <a:latin typeface="여기어때 잘난체 OTF" panose="020B0600000101010101" pitchFamily="34" charset="-127"/>
+              <a:ea typeface="여기어때 잘난체 OTF" panose="020B0600000101010101" pitchFamily="34" charset="-127"/>
+            </a:endParaRPr>
+          </a:p>
+          <a:p>
+            <a:pPr algn="ctr"/>
+            <a:r>
+              <a:rPr lang="ko-KR" altLang="en-US" sz="12000">
+                <a:solidFill>
+                  <a:schemeClr val="bg1"/>
+                </a:solidFill>
+                <a:latin typeface="여기어때 잘난체 OTF" panose="020B0600000101010101" pitchFamily="34" charset="-127"/>
+                <a:ea typeface="여기어때 잘난체 OTF" panose="020B0600000101010101" pitchFamily="34" charset="-127"/>
+              </a:rPr>
+              <a:t>삼번지</a:t>
+            </a:r>
+          </a:p>
+        </p:txBody>
+      </p:sp>
+    </p:spTree>
+    <p:extLst>
+      <p:ext uri="{BB962C8B-B14F-4D97-AF65-F5344CB8AC3E}">
+        <p14:creationId xmlns:p14="http://schemas.microsoft.com/office/powerpoint/2010/main" val="2322298286"/>
+      </p:ext>
+    </p:extLst>
+  </p:cSld>
+  <p:clrMapOvr>
+    <a:masterClrMapping/>
+  </p:clrMapOvr>
+</p:sld>
+</file>
+
+<file path=ppt/slides/slide22.xml><?xml version="1.0" encoding="utf-8"?>
+<p:sld xmlns:a="http://schemas.openxmlformats.org/drawingml/2006/main" xmlns:r="http://schemas.openxmlformats.org/officeDocument/2006/relationships" xmlns:p="http://schemas.openxmlformats.org/presentationml/2006/main">
+  <p:cSld>
+    <p:spTree>
+      <p:nvGrpSpPr>
+        <p:cNvPr id="1" name=""/>
+        <p:cNvGrpSpPr/>
+        <p:nvPr/>
+      </p:nvGrpSpPr>
+      <p:grpSpPr>
+        <a:xfrm>
+          <a:off x="0" y="0"/>
+          <a:ext cx="0" cy="0"/>
+          <a:chOff x="0" y="0"/>
+          <a:chExt cx="0" cy="0"/>
+        </a:xfrm>
+      </p:grpSpPr>
+      <p:pic>
+        <p:nvPicPr>
+          <p:cNvPr id="5" name="그림 4">
+            <a:extLst>
+              <a:ext uri="{FF2B5EF4-FFF2-40B4-BE49-F238E27FC236}">
+                <a16:creationId xmlns:a16="http://schemas.microsoft.com/office/drawing/2014/main" id="{51CA0FDC-BB95-4723-8A4C-E82188E24AC2}"/>
+              </a:ext>
+            </a:extLst>
+          </p:cNvPr>
+          <p:cNvPicPr>
+            <a:picLocks noChangeAspect="1"/>
+          </p:cNvPicPr>
+          <p:nvPr/>
+        </p:nvPicPr>
+        <p:blipFill>
+          <a:blip r:embed="rId2">
+            <a:extLst>
+              <a:ext uri="{28A0092B-C50C-407E-A947-70E740481C1C}">
+                <a14:useLocalDpi xmlns:a14="http://schemas.microsoft.com/office/drawing/2010/main" val="0"/>
+              </a:ext>
+            </a:extLst>
+          </a:blip>
+          <a:stretch>
+            <a:fillRect/>
+          </a:stretch>
+        </p:blipFill>
+        <p:spPr>
+          <a:xfrm>
+            <a:off x="20100" y="381000"/>
+            <a:ext cx="12192000" cy="6096000"/>
+          </a:xfrm>
+          <a:prstGeom prst="rect">
+            <a:avLst/>
+          </a:prstGeom>
+        </p:spPr>
+      </p:pic>
+      <p:sp>
+        <p:nvSpPr>
+          <p:cNvPr id="6" name="직사각형 5">
+            <a:extLst>
+              <a:ext uri="{FF2B5EF4-FFF2-40B4-BE49-F238E27FC236}">
+                <a16:creationId xmlns:a16="http://schemas.microsoft.com/office/drawing/2014/main" id="{01D35158-87E0-4C14-BC58-897583C6DC8C}"/>
+              </a:ext>
+            </a:extLst>
+          </p:cNvPr>
+          <p:cNvSpPr/>
+          <p:nvPr/>
+        </p:nvSpPr>
+        <p:spPr>
+          <a:xfrm>
+            <a:off x="773723" y="1135464"/>
+            <a:ext cx="10691446" cy="4602145"/>
+          </a:xfrm>
+          <a:prstGeom prst="rect">
+            <a:avLst/>
+          </a:prstGeom>
+          <a:solidFill>
+            <a:srgbClr val="006BC4"/>
+          </a:solidFill>
+          <a:ln>
+            <a:noFill/>
+          </a:ln>
+        </p:spPr>
+        <p:style>
+          <a:lnRef idx="2">
+            <a:schemeClr val="accent1">
+              <a:shade val="50000"/>
+            </a:schemeClr>
+          </a:lnRef>
+          <a:fillRef idx="1">
+            <a:schemeClr val="accent1"/>
+          </a:fillRef>
+          <a:effectRef idx="0">
+            <a:schemeClr val="accent1"/>
+          </a:effectRef>
+          <a:fontRef idx="minor">
+            <a:schemeClr val="lt1"/>
+          </a:fontRef>
+        </p:style>
+        <p:txBody>
+          <a:bodyPr rtlCol="0" anchor="ctr"/>
+          <a:lstStyle/>
+          <a:p>
+            <a:pPr algn="ctr"/>
+            <a:endParaRPr lang="ko-KR" altLang="en-US"/>
+          </a:p>
+        </p:txBody>
+      </p:sp>
+      <p:sp>
+        <p:nvSpPr>
+          <p:cNvPr id="8" name="TextBox 7">
+            <a:extLst>
+              <a:ext uri="{FF2B5EF4-FFF2-40B4-BE49-F238E27FC236}">
+                <a16:creationId xmlns:a16="http://schemas.microsoft.com/office/drawing/2014/main" id="{A76C1684-656D-482F-9C54-AC7F4982C630}"/>
+              </a:ext>
+            </a:extLst>
+          </p:cNvPr>
+          <p:cNvSpPr txBox="1"/>
+          <p:nvPr/>
+        </p:nvSpPr>
+        <p:spPr>
+          <a:xfrm>
+            <a:off x="3068938" y="1440326"/>
+            <a:ext cx="6094324" cy="3785652"/>
+          </a:xfrm>
+          <a:prstGeom prst="rect">
+            <a:avLst/>
+          </a:prstGeom>
+          <a:noFill/>
+        </p:spPr>
+        <p:txBody>
+          <a:bodyPr wrap="square">
+            <a:spAutoFit/>
+          </a:bodyPr>
+          <a:lstStyle/>
+          <a:p>
+            <a:pPr algn="ctr"/>
+            <a:r>
+              <a:rPr lang="ko-KR" altLang="en-US" sz="12000">
+                <a:solidFill>
+                  <a:schemeClr val="bg1"/>
+                </a:solidFill>
+                <a:latin typeface="여기어때 잘난체 OTF" panose="020B0600000101010101" pitchFamily="34" charset="-127"/>
+                <a:ea typeface="여기어때 잘난체 OTF" panose="020B0600000101010101" pitchFamily="34" charset="-127"/>
+              </a:rPr>
+              <a:t>남송리</a:t>
+            </a:r>
+            <a:endParaRPr lang="en-US" altLang="ko-KR" sz="12000">
+              <a:solidFill>
+                <a:schemeClr val="bg1"/>
+              </a:solidFill>
+              <a:latin typeface="여기어때 잘난체 OTF" panose="020B0600000101010101" pitchFamily="34" charset="-127"/>
+              <a:ea typeface="여기어때 잘난체 OTF" panose="020B0600000101010101" pitchFamily="34" charset="-127"/>
+            </a:endParaRPr>
+          </a:p>
+          <a:p>
+            <a:pPr algn="ctr"/>
+            <a:r>
+              <a:rPr lang="ko-KR" altLang="en-US" sz="12000">
+                <a:solidFill>
+                  <a:schemeClr val="bg1"/>
+                </a:solidFill>
+                <a:latin typeface="여기어때 잘난체 OTF" panose="020B0600000101010101" pitchFamily="34" charset="-127"/>
+                <a:ea typeface="여기어때 잘난체 OTF" panose="020B0600000101010101" pitchFamily="34" charset="-127"/>
+              </a:rPr>
+              <a:t>삼번지</a:t>
+            </a:r>
+          </a:p>
+        </p:txBody>
+      </p:sp>
+    </p:spTree>
+    <p:extLst>
+      <p:ext uri="{BB962C8B-B14F-4D97-AF65-F5344CB8AC3E}">
+        <p14:creationId xmlns:p14="http://schemas.microsoft.com/office/powerpoint/2010/main" val="1205453367"/>
+      </p:ext>
+    </p:extLst>
+  </p:cSld>
+  <p:clrMapOvr>
+    <a:masterClrMapping/>
+  </p:clrMapOvr>
+</p:sld>
+</file>
+
+<file path=ppt/slides/slide23.xml><?xml version="1.0" encoding="utf-8"?>
+<p:sld xmlns:a="http://schemas.openxmlformats.org/drawingml/2006/main" xmlns:r="http://schemas.openxmlformats.org/officeDocument/2006/relationships" xmlns:p="http://schemas.openxmlformats.org/presentationml/2006/main">
+  <p:cSld>
+    <p:bg>
+      <p:bgPr>
+        <a:solidFill>
+          <a:schemeClr val="tx1"/>
+        </a:solidFill>
+        <a:effectLst/>
+      </p:bgPr>
+    </p:bg>
+    <p:spTree>
+      <p:nvGrpSpPr>
+        <p:cNvPr id="1" name=""/>
+        <p:cNvGrpSpPr/>
+        <p:nvPr/>
+      </p:nvGrpSpPr>
+      <p:grpSpPr>
+        <a:xfrm>
+          <a:off x="0" y="0"/>
+          <a:ext cx="0" cy="0"/>
+          <a:chOff x="0" y="0"/>
+          <a:chExt cx="0" cy="0"/>
+        </a:xfrm>
+      </p:grpSpPr>
+      <p:pic>
+        <p:nvPicPr>
+          <p:cNvPr id="8" name="그림 7">
+            <a:extLst>
+              <a:ext uri="{FF2B5EF4-FFF2-40B4-BE49-F238E27FC236}">
+                <a16:creationId xmlns:a16="http://schemas.microsoft.com/office/drawing/2014/main" id="{78E24D07-FF52-4FC1-9F71-568BDC747FAC}"/>
+              </a:ext>
+            </a:extLst>
+          </p:cNvPr>
+          <p:cNvPicPr>
+            <a:picLocks noChangeAspect="1"/>
+          </p:cNvPicPr>
+          <p:nvPr/>
+        </p:nvPicPr>
+        <p:blipFill>
+          <a:blip r:embed="rId2">
+            <a:extLst>
+              <a:ext uri="{28A0092B-C50C-407E-A947-70E740481C1C}">
+                <a14:useLocalDpi xmlns:a14="http://schemas.microsoft.com/office/drawing/2010/main" val="0"/>
+              </a:ext>
+            </a:extLst>
+          </a:blip>
+          <a:stretch>
+            <a:fillRect/>
+          </a:stretch>
+        </p:blipFill>
+        <p:spPr>
+          <a:xfrm>
+            <a:off x="20100" y="381000"/>
+            <a:ext cx="12192000" cy="6096000"/>
+          </a:xfrm>
+          <a:prstGeom prst="rect">
+            <a:avLst/>
+          </a:prstGeom>
+        </p:spPr>
+      </p:pic>
+      <p:sp>
+        <p:nvSpPr>
+          <p:cNvPr id="5" name="TextBox 4">
+            <a:extLst>
+              <a:ext uri="{FF2B5EF4-FFF2-40B4-BE49-F238E27FC236}">
+                <a16:creationId xmlns:a16="http://schemas.microsoft.com/office/drawing/2014/main" id="{210F6006-F0F1-4184-AAD0-0AC899E156E5}"/>
+              </a:ext>
+            </a:extLst>
+          </p:cNvPr>
+          <p:cNvSpPr txBox="1"/>
+          <p:nvPr/>
+        </p:nvSpPr>
+        <p:spPr>
+          <a:xfrm>
+            <a:off x="3048838" y="1078579"/>
+            <a:ext cx="6094324" cy="3785652"/>
+          </a:xfrm>
+          <a:prstGeom prst="rect">
+            <a:avLst/>
+          </a:prstGeom>
+          <a:noFill/>
+        </p:spPr>
+        <p:txBody>
+          <a:bodyPr wrap="square">
+            <a:spAutoFit/>
+          </a:bodyPr>
+          <a:lstStyle/>
+          <a:p>
+            <a:pPr algn="ctr"/>
+            <a:r>
+              <a:rPr lang="ko-KR" altLang="en-US" sz="12000">
+                <a:latin typeface="여기어때 잘난체 OTF" panose="020B0600000101010101" pitchFamily="34" charset="-127"/>
+                <a:ea typeface="여기어때 잘난체 OTF" panose="020B0600000101010101" pitchFamily="34" charset="-127"/>
+              </a:rPr>
+              <a:t>용감한</a:t>
+            </a:r>
+            <a:endParaRPr lang="en-US" altLang="ko-KR" sz="12000">
+              <a:latin typeface="여기어때 잘난체 OTF" panose="020B0600000101010101" pitchFamily="34" charset="-127"/>
+              <a:ea typeface="여기어때 잘난체 OTF" panose="020B0600000101010101" pitchFamily="34" charset="-127"/>
+            </a:endParaRPr>
+          </a:p>
+          <a:p>
+            <a:pPr algn="ctr"/>
+            <a:r>
+              <a:rPr lang="ko-KR" altLang="en-US" sz="12000">
+                <a:latin typeface="여기어때 잘난체 OTF" panose="020B0600000101010101" pitchFamily="34" charset="-127"/>
+                <a:ea typeface="여기어때 잘난체 OTF" panose="020B0600000101010101" pitchFamily="34" charset="-127"/>
+              </a:rPr>
+              <a:t>친구들</a:t>
+            </a:r>
+          </a:p>
+        </p:txBody>
+      </p:sp>
+      <p:sp>
+        <p:nvSpPr>
+          <p:cNvPr id="6" name="TextBox 5">
+            <a:extLst>
+              <a:ext uri="{FF2B5EF4-FFF2-40B4-BE49-F238E27FC236}">
+                <a16:creationId xmlns:a16="http://schemas.microsoft.com/office/drawing/2014/main" id="{B7B7305E-DC02-4159-89A2-87FA13A3BF2D}"/>
+              </a:ext>
+            </a:extLst>
+          </p:cNvPr>
+          <p:cNvSpPr txBox="1"/>
+          <p:nvPr/>
+        </p:nvSpPr>
+        <p:spPr>
+          <a:xfrm>
+            <a:off x="3068938" y="4746226"/>
+            <a:ext cx="6094324" cy="830997"/>
+          </a:xfrm>
+          <a:prstGeom prst="rect">
+            <a:avLst/>
+          </a:prstGeom>
+          <a:noFill/>
+        </p:spPr>
+        <p:txBody>
+          <a:bodyPr wrap="square">
+            <a:spAutoFit/>
+          </a:bodyPr>
+          <a:lstStyle/>
+          <a:p>
+            <a:pPr algn="ctr"/>
+            <a:r>
+              <a:rPr lang="en-US" altLang="ko-KR" sz="4600">
+                <a:latin typeface="여기어때 잘난체 OTF" panose="020B0600000101010101" pitchFamily="34" charset="-127"/>
+                <a:ea typeface="여기어때 잘난체 OTF" panose="020B0600000101010101" pitchFamily="34" charset="-127"/>
+              </a:rPr>
+              <a:t>Brave Friends</a:t>
+            </a:r>
+            <a:endParaRPr lang="ko-KR" altLang="en-US" sz="4600">
+              <a:latin typeface="여기어때 잘난체 OTF" panose="020B0600000101010101" pitchFamily="34" charset="-127"/>
+              <a:ea typeface="여기어때 잘난체 OTF" panose="020B0600000101010101" pitchFamily="34" charset="-127"/>
+            </a:endParaRPr>
+          </a:p>
+        </p:txBody>
+      </p:sp>
+    </p:spTree>
+    <p:extLst>
+      <p:ext uri="{BB962C8B-B14F-4D97-AF65-F5344CB8AC3E}">
+        <p14:creationId xmlns:p14="http://schemas.microsoft.com/office/powerpoint/2010/main" val="590718416"/>
+      </p:ext>
+    </p:extLst>
+  </p:cSld>
+  <p:clrMapOvr>
+    <a:masterClrMapping/>
+  </p:clrMapOvr>
+</p:sld>
+</file>
+
+<file path=ppt/slides/slide24.xml><?xml version="1.0" encoding="utf-8"?>
+<p:sld xmlns:a="http://schemas.openxmlformats.org/drawingml/2006/main" xmlns:r="http://schemas.openxmlformats.org/officeDocument/2006/relationships" xmlns:p="http://schemas.openxmlformats.org/presentationml/2006/main">
+  <p:cSld>
+    <p:bg>
+      <p:bgPr>
+        <a:solidFill>
+          <a:schemeClr val="bg1"/>
+        </a:solidFill>
+        <a:effectLst/>
+      </p:bgPr>
+    </p:bg>
+    <p:spTree>
+      <p:nvGrpSpPr>
+        <p:cNvPr id="1" name=""/>
+        <p:cNvGrpSpPr/>
+        <p:nvPr/>
+      </p:nvGrpSpPr>
+      <p:grpSpPr>
+        <a:xfrm>
+          <a:off x="0" y="0"/>
+          <a:ext cx="0" cy="0"/>
+          <a:chOff x="0" y="0"/>
+          <a:chExt cx="0" cy="0"/>
+        </a:xfrm>
+      </p:grpSpPr>
+      <p:pic>
+        <p:nvPicPr>
+          <p:cNvPr id="5" name="그림 4">
+            <a:extLst>
+              <a:ext uri="{FF2B5EF4-FFF2-40B4-BE49-F238E27FC236}">
+                <a16:creationId xmlns:a16="http://schemas.microsoft.com/office/drawing/2014/main" id="{C4A1A109-9FCC-4DBB-A289-E201F98C74D3}"/>
+              </a:ext>
+            </a:extLst>
+          </p:cNvPr>
+          <p:cNvPicPr>
+            <a:picLocks noChangeAspect="1"/>
+          </p:cNvPicPr>
+          <p:nvPr/>
+        </p:nvPicPr>
+        <p:blipFill>
+          <a:blip r:embed="rId2">
+            <a:extLst>
+              <a:ext uri="{28A0092B-C50C-407E-A947-70E740481C1C}">
+                <a14:useLocalDpi xmlns:a14="http://schemas.microsoft.com/office/drawing/2010/main" val="0"/>
+              </a:ext>
+            </a:extLst>
+          </a:blip>
+          <a:stretch>
+            <a:fillRect/>
+          </a:stretch>
+        </p:blipFill>
+        <p:spPr>
+          <a:xfrm>
+            <a:off x="4796036" y="2129036"/>
+            <a:ext cx="2599927" cy="2599927"/>
+          </a:xfrm>
+          <a:prstGeom prst="rect">
+            <a:avLst/>
+          </a:prstGeom>
+        </p:spPr>
+      </p:pic>
+      <p:sp>
+        <p:nvSpPr>
+          <p:cNvPr id="7" name="직사각형 6">
+            <a:extLst>
+              <a:ext uri="{FF2B5EF4-FFF2-40B4-BE49-F238E27FC236}">
+                <a16:creationId xmlns:a16="http://schemas.microsoft.com/office/drawing/2014/main" id="{02E11704-5C78-4E38-9952-5F1CAEFC2B42}"/>
+              </a:ext>
+            </a:extLst>
+          </p:cNvPr>
+          <p:cNvSpPr/>
+          <p:nvPr/>
+        </p:nvSpPr>
+        <p:spPr>
+          <a:xfrm>
+            <a:off x="4049486" y="1477105"/>
+            <a:ext cx="4109776" cy="3657600"/>
+          </a:xfrm>
+          <a:prstGeom prst="rect">
+            <a:avLst/>
+          </a:prstGeom>
+          <a:noFill/>
+          <a:ln>
+            <a:solidFill>
+              <a:schemeClr val="accent1">
+                <a:shade val="50000"/>
+              </a:schemeClr>
+            </a:solidFill>
+          </a:ln>
+        </p:spPr>
+        <p:style>
+          <a:lnRef idx="2">
+            <a:schemeClr val="accent1">
+              <a:shade val="50000"/>
+            </a:schemeClr>
+          </a:lnRef>
+          <a:fillRef idx="1">
+            <a:schemeClr val="accent1"/>
+          </a:fillRef>
+          <a:effectRef idx="0">
+            <a:schemeClr val="accent1"/>
+          </a:effectRef>
+          <a:fontRef idx="minor">
+            <a:schemeClr val="lt1"/>
+          </a:fontRef>
+        </p:style>
+        <p:txBody>
+          <a:bodyPr rtlCol="0" anchor="ctr"/>
+          <a:lstStyle/>
+          <a:p>
+            <a:pPr algn="ctr"/>
+            <a:endParaRPr lang="ko-KR" altLang="en-US"/>
+          </a:p>
+        </p:txBody>
+      </p:sp>
+    </p:spTree>
+    <p:extLst>
+      <p:ext uri="{BB962C8B-B14F-4D97-AF65-F5344CB8AC3E}">
+        <p14:creationId xmlns:p14="http://schemas.microsoft.com/office/powerpoint/2010/main" val="4147704994"/>
+      </p:ext>
+    </p:extLst>
+  </p:cSld>
+  <p:clrMapOvr>
+    <a:masterClrMapping/>
+  </p:clrMapOvr>
+</p:sld>
+</file>
+
+<file path=ppt/slides/slide25.xml><?xml version="1.0" encoding="utf-8"?>
+<p:sld xmlns:a="http://schemas.openxmlformats.org/drawingml/2006/main" xmlns:r="http://schemas.openxmlformats.org/officeDocument/2006/relationships" xmlns:p="http://schemas.openxmlformats.org/presentationml/2006/main">
+  <p:cSld>
+    <p:spTree>
+      <p:nvGrpSpPr>
+        <p:cNvPr id="1" name=""/>
+        <p:cNvGrpSpPr/>
+        <p:nvPr/>
+      </p:nvGrpSpPr>
+      <p:grpSpPr>
+        <a:xfrm>
+          <a:off x="0" y="0"/>
+          <a:ext cx="0" cy="0"/>
+          <a:chOff x="0" y="0"/>
+          <a:chExt cx="0" cy="0"/>
+        </a:xfrm>
+      </p:grpSpPr>
+      <p:pic>
+        <p:nvPicPr>
+          <p:cNvPr id="4" name="그림 3">
+            <a:extLst>
+              <a:ext uri="{FF2B5EF4-FFF2-40B4-BE49-F238E27FC236}">
+                <a16:creationId xmlns:a16="http://schemas.microsoft.com/office/drawing/2014/main" id="{5CEADB3A-9063-4C53-9C29-31AA4B50C02B}"/>
+              </a:ext>
+            </a:extLst>
+          </p:cNvPr>
+          <p:cNvPicPr>
+            <a:picLocks noChangeAspect="1"/>
+          </p:cNvPicPr>
+          <p:nvPr/>
+        </p:nvPicPr>
+        <p:blipFill>
+          <a:blip r:embed="rId2"/>
+          <a:stretch>
+            <a:fillRect/>
+          </a:stretch>
+        </p:blipFill>
+        <p:spPr>
+          <a:xfrm>
+            <a:off x="4610100" y="2000250"/>
+            <a:ext cx="2971800" cy="2857500"/>
+          </a:xfrm>
+          <a:prstGeom prst="rect">
+            <a:avLst/>
+          </a:prstGeom>
+        </p:spPr>
+      </p:pic>
+    </p:spTree>
+    <p:extLst>
+      <p:ext uri="{BB962C8B-B14F-4D97-AF65-F5344CB8AC3E}">
+        <p14:creationId xmlns:p14="http://schemas.microsoft.com/office/powerpoint/2010/main" val="127958765"/>
+      </p:ext>
+    </p:extLst>
+  </p:cSld>
+  <p:clrMapOvr>
+    <a:masterClrMapping/>
+  </p:clrMapOvr>
+</p:sld>
+</file>
+
+<file path=ppt/slides/slide26.xml><?xml version="1.0" encoding="utf-8"?>
+<p:sld xmlns:a="http://schemas.openxmlformats.org/drawingml/2006/main" xmlns:r="http://schemas.openxmlformats.org/officeDocument/2006/relationships" xmlns:p="http://schemas.openxmlformats.org/presentationml/2006/main">
+  <p:cSld>
+    <p:spTree>
+      <p:nvGrpSpPr>
+        <p:cNvPr id="1" name=""/>
+        <p:cNvGrpSpPr/>
+        <p:nvPr/>
+      </p:nvGrpSpPr>
+      <p:grpSpPr>
+        <a:xfrm>
+          <a:off x="0" y="0"/>
+          <a:ext cx="0" cy="0"/>
+          <a:chOff x="0" y="0"/>
+          <a:chExt cx="0" cy="0"/>
+        </a:xfrm>
+      </p:grpSpPr>
+      <p:pic>
+        <p:nvPicPr>
+          <p:cNvPr id="1026" name="Picture 2" descr="View on Gravatar">
+            <a:extLst>
+              <a:ext uri="{FF2B5EF4-FFF2-40B4-BE49-F238E27FC236}">
+                <a16:creationId xmlns:a16="http://schemas.microsoft.com/office/drawing/2014/main" id="{AFB29F08-A94C-41B6-A856-C4864510EBB3}"/>
+              </a:ext>
+            </a:extLst>
+          </p:cNvPr>
+          <p:cNvPicPr>
+            <a:picLocks noChangeAspect="1" noChangeArrowheads="1"/>
+          </p:cNvPicPr>
+          <p:nvPr/>
+        </p:nvPicPr>
+        <p:blipFill>
+          <a:blip r:embed="rId3">
+            <a:extLst>
+              <a:ext uri="{28A0092B-C50C-407E-A947-70E740481C1C}">
+                <a14:useLocalDpi xmlns:a14="http://schemas.microsoft.com/office/drawing/2010/main" val="0"/>
+              </a:ext>
+            </a:extLst>
+          </a:blip>
+          <a:srcRect/>
+          <a:stretch>
+            <a:fillRect/>
+          </a:stretch>
+        </p:blipFill>
+        <p:spPr bwMode="auto">
+          <a:xfrm>
+            <a:off x="4429125" y="1762125"/>
+            <a:ext cx="3333750" cy="3333750"/>
+          </a:xfrm>
+          <a:prstGeom prst="rect">
+            <a:avLst/>
+          </a:prstGeom>
+          <a:noFill/>
+          <a:extLst>
+            <a:ext uri="{909E8E84-426E-40DD-AFC4-6F175D3DCCD1}">
+              <a14:hiddenFill xmlns:a14="http://schemas.microsoft.com/office/drawing/2010/main">
+                <a:solidFill>
+                  <a:srgbClr val="FFFFFF"/>
+                </a:solidFill>
+              </a14:hiddenFill>
+            </a:ext>
+          </a:extLst>
+        </p:spPr>
+      </p:pic>
+    </p:spTree>
+    <p:extLst>
+      <p:ext uri="{BB962C8B-B14F-4D97-AF65-F5344CB8AC3E}">
+        <p14:creationId xmlns:p14="http://schemas.microsoft.com/office/powerpoint/2010/main" val="2594824561"/>
       </p:ext>
     </p:extLst>
   </p:cSld>
@@ -6258,4 +8414,299 @@
     </a:ext>
   </a:extLst>
 </a:theme>
+</file>
+
+<file path=ppt/theme/theme2.xml><?xml version="1.0" encoding="utf-8"?>
+<a:theme xmlns:a="http://schemas.openxmlformats.org/drawingml/2006/main" name="Office 테마">
+  <a:themeElements>
+    <a:clrScheme name="Office">
+      <a:dk1>
+        <a:sysClr val="windowText" lastClr="000000"/>
+      </a:dk1>
+      <a:lt1>
+        <a:sysClr val="window" lastClr="FFFFFF"/>
+      </a:lt1>
+      <a:dk2>
+        <a:srgbClr val="44546A"/>
+      </a:dk2>
+      <a:lt2>
+        <a:srgbClr val="E7E6E6"/>
+      </a:lt2>
+      <a:accent1>
+        <a:srgbClr val="4472C4"/>
+      </a:accent1>
+      <a:accent2>
+        <a:srgbClr val="ED7D31"/>
+      </a:accent2>
+      <a:accent3>
+        <a:srgbClr val="A5A5A5"/>
+      </a:accent3>
+      <a:accent4>
+        <a:srgbClr val="FFC000"/>
+      </a:accent4>
+      <a:accent5>
+        <a:srgbClr val="5B9BD5"/>
+      </a:accent5>
+      <a:accent6>
+        <a:srgbClr val="70AD47"/>
+      </a:accent6>
+      <a:hlink>
+        <a:srgbClr val="0563C1"/>
+      </a:hlink>
+      <a:folHlink>
+        <a:srgbClr val="954F72"/>
+      </a:folHlink>
+    </a:clrScheme>
+    <a:fontScheme name="Office">
+      <a:majorFont>
+        <a:latin typeface="맑은 고딕" panose="020F0302020204030204"/>
+        <a:ea typeface=""/>
+        <a:cs typeface=""/>
+        <a:font script="Jpan" typeface="游ゴシック Light"/>
+        <a:font script="Hang" typeface="맑은 고딕"/>
+        <a:font script="Hans" typeface="等线 Light"/>
+        <a:font script="Hant" typeface="新細明體"/>
+        <a:font script="Arab" typeface="Times New Roman"/>
+        <a:font script="Hebr" typeface="Times New Roman"/>
+        <a:font script="Thai" typeface="Angsana New"/>
+        <a:font script="Ethi" typeface="Nyala"/>
+        <a:font script="Beng" typeface="Vrinda"/>
+        <a:font script="Gujr" typeface="Shruti"/>
+        <a:font script="Khmr" typeface="MoolBoran"/>
+        <a:font script="Knda" typeface="Tunga"/>
+        <a:font script="Guru" typeface="Raavi"/>
+        <a:font script="Cans" typeface="Euphemia"/>
+        <a:font script="Cher" typeface="Plantagenet Cherokee"/>
+        <a:font script="Yiii" typeface="Microsoft Yi Baiti"/>
+        <a:font script="Tibt" typeface="Microsoft Himalaya"/>
+        <a:font script="Thaa" typeface="MV Boli"/>
+        <a:font script="Deva" typeface="Mangal"/>
+        <a:font script="Telu" typeface="Gautami"/>
+        <a:font script="Taml" typeface="Latha"/>
+        <a:font script="Syrc" typeface="Estrangelo Edessa"/>
+        <a:font script="Orya" typeface="Kalinga"/>
+        <a:font script="Mlym" typeface="Kartika"/>
+        <a:font script="Laoo" typeface="DokChampa"/>
+        <a:font script="Sinh" typeface="Iskoola Pota"/>
+        <a:font script="Mong" typeface="Mongolian Baiti"/>
+        <a:font script="Viet" typeface="Times New Roman"/>
+        <a:font script="Uigh" typeface="Microsoft Uighur"/>
+        <a:font script="Geor" typeface="Sylfaen"/>
+        <a:font script="Armn" typeface="Arial"/>
+        <a:font script="Bugi" typeface="Leelawadee UI"/>
+        <a:font script="Bopo" typeface="Microsoft JhengHei"/>
+        <a:font script="Java" typeface="Javanese Text"/>
+        <a:font script="Lisu" typeface="Segoe UI"/>
+        <a:font script="Mymr" typeface="Myanmar Text"/>
+        <a:font script="Nkoo" typeface="Ebrima"/>
+        <a:font script="Olck" typeface="Nirmala UI"/>
+        <a:font script="Osma" typeface="Ebrima"/>
+        <a:font script="Phag" typeface="Phagspa"/>
+        <a:font script="Syrn" typeface="Estrangelo Edessa"/>
+        <a:font script="Syrj" typeface="Estrangelo Edessa"/>
+        <a:font script="Syre" typeface="Estrangelo Edessa"/>
+        <a:font script="Sora" typeface="Nirmala UI"/>
+        <a:font script="Tale" typeface="Microsoft Tai Le"/>
+        <a:font script="Talu" typeface="Microsoft New Tai Lue"/>
+        <a:font script="Tfng" typeface="Ebrima"/>
+      </a:majorFont>
+      <a:minorFont>
+        <a:latin typeface="맑은 고딕" panose="020F0502020204030204"/>
+        <a:ea typeface=""/>
+        <a:cs typeface=""/>
+        <a:font script="Jpan" typeface="游ゴシック"/>
+        <a:font script="Hang" typeface="맑은 고딕"/>
+        <a:font script="Hans" typeface="等线"/>
+        <a:font script="Hant" typeface="新細明體"/>
+        <a:font script="Arab" typeface="Arial"/>
+        <a:font script="Hebr" typeface="Arial"/>
+        <a:font script="Thai" typeface="Cordia New"/>
+        <a:font script="Ethi" typeface="Nyala"/>
+        <a:font script="Beng" typeface="Vrinda"/>
+        <a:font script="Gujr" typeface="Shruti"/>
+        <a:font script="Khmr" typeface="DaunPenh"/>
+        <a:font script="Knda" typeface="Tunga"/>
+        <a:font script="Guru" typeface="Raavi"/>
+        <a:font script="Cans" typeface="Euphemia"/>
+        <a:font script="Cher" typeface="Plantagenet Cherokee"/>
+        <a:font script="Yiii" typeface="Microsoft Yi Baiti"/>
+        <a:font script="Tibt" typeface="Microsoft Himalaya"/>
+        <a:font script="Thaa" typeface="MV Boli"/>
+        <a:font script="Deva" typeface="Mangal"/>
+        <a:font script="Telu" typeface="Gautami"/>
+        <a:font script="Taml" typeface="Latha"/>
+        <a:font script="Syrc" typeface="Estrangelo Edessa"/>
+        <a:font script="Orya" typeface="Kalinga"/>
+        <a:font script="Mlym" typeface="Kartika"/>
+        <a:font script="Laoo" typeface="DokChampa"/>
+        <a:font script="Sinh" typeface="Iskoola Pota"/>
+        <a:font script="Mong" typeface="Mongolian Baiti"/>
+        <a:font script="Viet" typeface="Arial"/>
+        <a:font script="Uigh" typeface="Microsoft Uighur"/>
+        <a:font script="Geor" typeface="Sylfaen"/>
+        <a:font script="Armn" typeface="Arial"/>
+        <a:font script="Bugi" typeface="Leelawadee UI"/>
+        <a:font script="Bopo" typeface="Microsoft JhengHei"/>
+        <a:font script="Java" typeface="Javanese Text"/>
+        <a:font script="Lisu" typeface="Segoe UI"/>
+        <a:font script="Mymr" typeface="Myanmar Text"/>
+        <a:font script="Nkoo" typeface="Ebrima"/>
+        <a:font script="Olck" typeface="Nirmala UI"/>
+        <a:font script="Osma" typeface="Ebrima"/>
+        <a:font script="Phag" typeface="Phagspa"/>
+        <a:font script="Syrn" typeface="Estrangelo Edessa"/>
+        <a:font script="Syrj" typeface="Estrangelo Edessa"/>
+        <a:font script="Syre" typeface="Estrangelo Edessa"/>
+        <a:font script="Sora" typeface="Nirmala UI"/>
+        <a:font script="Tale" typeface="Microsoft Tai Le"/>
+        <a:font script="Talu" typeface="Microsoft New Tai Lue"/>
+        <a:font script="Tfng" typeface="Ebrima"/>
+      </a:minorFont>
+    </a:fontScheme>
+    <a:fmtScheme name="Office">
+      <a:fillStyleLst>
+        <a:solidFill>
+          <a:schemeClr val="phClr"/>
+        </a:solidFill>
+        <a:gradFill rotWithShape="1">
+          <a:gsLst>
+            <a:gs pos="0">
+              <a:schemeClr val="phClr">
+                <a:lumMod val="110000"/>
+                <a:satMod val="105000"/>
+                <a:tint val="67000"/>
+              </a:schemeClr>
+            </a:gs>
+            <a:gs pos="50000">
+              <a:schemeClr val="phClr">
+                <a:lumMod val="105000"/>
+                <a:satMod val="103000"/>
+                <a:tint val="73000"/>
+              </a:schemeClr>
+            </a:gs>
+            <a:gs pos="100000">
+              <a:schemeClr val="phClr">
+                <a:lumMod val="105000"/>
+                <a:satMod val="109000"/>
+                <a:tint val="81000"/>
+              </a:schemeClr>
+            </a:gs>
+          </a:gsLst>
+          <a:lin ang="5400000" scaled="0"/>
+        </a:gradFill>
+        <a:gradFill rotWithShape="1">
+          <a:gsLst>
+            <a:gs pos="0">
+              <a:schemeClr val="phClr">
+                <a:satMod val="103000"/>
+                <a:lumMod val="102000"/>
+                <a:tint val="94000"/>
+              </a:schemeClr>
+            </a:gs>
+            <a:gs pos="50000">
+              <a:schemeClr val="phClr">
+                <a:satMod val="110000"/>
+                <a:lumMod val="100000"/>
+                <a:shade val="100000"/>
+              </a:schemeClr>
+            </a:gs>
+            <a:gs pos="100000">
+              <a:schemeClr val="phClr">
+                <a:lumMod val="99000"/>
+                <a:satMod val="120000"/>
+                <a:shade val="78000"/>
+              </a:schemeClr>
+            </a:gs>
+          </a:gsLst>
+          <a:lin ang="5400000" scaled="0"/>
+        </a:gradFill>
+      </a:fillStyleLst>
+      <a:lnStyleLst>
+        <a:ln w="6350" cap="flat" cmpd="sng" algn="ctr">
+          <a:solidFill>
+            <a:schemeClr val="phClr"/>
+          </a:solidFill>
+          <a:prstDash val="solid"/>
+          <a:miter lim="800000"/>
+        </a:ln>
+        <a:ln w="12700" cap="flat" cmpd="sng" algn="ctr">
+          <a:solidFill>
+            <a:schemeClr val="phClr"/>
+          </a:solidFill>
+          <a:prstDash val="solid"/>
+          <a:miter lim="800000"/>
+        </a:ln>
+        <a:ln w="19050" cap="flat" cmpd="sng" algn="ctr">
+          <a:solidFill>
+            <a:schemeClr val="phClr"/>
+          </a:solidFill>
+          <a:prstDash val="solid"/>
+          <a:miter lim="800000"/>
+        </a:ln>
+      </a:lnStyleLst>
+      <a:effectStyleLst>
+        <a:effectStyle>
+          <a:effectLst/>
+        </a:effectStyle>
+        <a:effectStyle>
+          <a:effectLst/>
+        </a:effectStyle>
+        <a:effectStyle>
+          <a:effectLst>
+            <a:outerShdw blurRad="57150" dist="19050" dir="5400000" algn="ctr" rotWithShape="0">
+              <a:srgbClr val="000000">
+                <a:alpha val="63000"/>
+              </a:srgbClr>
+            </a:outerShdw>
+          </a:effectLst>
+        </a:effectStyle>
+      </a:effectStyleLst>
+      <a:bgFillStyleLst>
+        <a:solidFill>
+          <a:schemeClr val="phClr"/>
+        </a:solidFill>
+        <a:solidFill>
+          <a:schemeClr val="phClr">
+            <a:tint val="95000"/>
+            <a:satMod val="170000"/>
+          </a:schemeClr>
+        </a:solidFill>
+        <a:gradFill rotWithShape="1">
+          <a:gsLst>
+            <a:gs pos="0">
+              <a:schemeClr val="phClr">
+                <a:tint val="93000"/>
+                <a:satMod val="150000"/>
+                <a:shade val="98000"/>
+                <a:lumMod val="102000"/>
+              </a:schemeClr>
+            </a:gs>
+            <a:gs pos="50000">
+              <a:schemeClr val="phClr">
+                <a:tint val="98000"/>
+                <a:satMod val="130000"/>
+                <a:shade val="90000"/>
+                <a:lumMod val="103000"/>
+              </a:schemeClr>
+            </a:gs>
+            <a:gs pos="100000">
+              <a:schemeClr val="phClr">
+                <a:shade val="63000"/>
+                <a:satMod val="120000"/>
+              </a:schemeClr>
+            </a:gs>
+          </a:gsLst>
+          <a:lin ang="5400000" scaled="0"/>
+        </a:gradFill>
+      </a:bgFillStyleLst>
+    </a:fmtScheme>
+  </a:themeElements>
+  <a:objectDefaults/>
+  <a:extraClrSchemeLst/>
+  <a:extLst>
+    <a:ext uri="{05A4C25C-085E-4340-85A3-A5531E510DB2}">
+      <thm15:themeFamily xmlns:thm15="http://schemas.microsoft.com/office/thememl/2012/main" name="Office Theme" id="{62F939B6-93AF-4DB8-9C6B-D6C7DFDC589F}" vid="{4A3C46E8-61CC-4603-A589-7422A47A8E4A}"/>
+    </a:ext>
+  </a:extLst>
+</a:theme>
 </file>
--- a/Article/섬네일공장/새 Microsoft PowerPoint 프레젠테이션.pptx
+++ b/Article/섬네일공장/새 Microsoft PowerPoint 프레젠테이션.pptx
@@ -5,7 +5,7 @@
     <p:sldMasterId id="2147483648" r:id="rId1"/>
   </p:sldMasterIdLst>
   <p:notesMasterIdLst>
-    <p:notesMasterId r:id="rId28"/>
+    <p:notesMasterId r:id="rId29"/>
   </p:notesMasterIdLst>
   <p:sldIdLst>
     <p:sldId id="256" r:id="rId2"/>
@@ -34,6 +34,7 @@
     <p:sldId id="270" r:id="rId25"/>
     <p:sldId id="271" r:id="rId26"/>
     <p:sldId id="273" r:id="rId27"/>
+    <p:sldId id="282" r:id="rId28"/>
   </p:sldIdLst>
   <p:sldSz cx="12192000" cy="6858000"/>
   <p:notesSz cx="6858000" cy="9144000"/>
@@ -233,7 +234,7 @@
           <a:p>
             <a:fld id="{64005B8B-DB0E-4405-A590-02D8CB6FC2F6}" type="datetimeFigureOut">
               <a:rPr lang="ko-KR" altLang="en-US" smtClean="0"/>
-              <a:t>2020-09-04</a:t>
+              <a:t>2021. 3. 14.</a:t>
             </a:fld>
             <a:endParaRPr lang="ko-KR" altLang="en-US"/>
           </a:p>
@@ -590,6 +591,102 @@
 </p:notes>
 </file>
 
+<file path=ppt/notesSlides/notesSlide2.xml><?xml version="1.0" encoding="utf-8"?>
+<p:notes xmlns:a="http://schemas.openxmlformats.org/drawingml/2006/main" xmlns:r="http://schemas.openxmlformats.org/officeDocument/2006/relationships" xmlns:p="http://schemas.openxmlformats.org/presentationml/2006/main">
+  <p:cSld>
+    <p:spTree>
+      <p:nvGrpSpPr>
+        <p:cNvPr id="1" name=""/>
+        <p:cNvGrpSpPr/>
+        <p:nvPr/>
+      </p:nvGrpSpPr>
+      <p:grpSpPr>
+        <a:xfrm>
+          <a:off x="0" y="0"/>
+          <a:ext cx="0" cy="0"/>
+          <a:chOff x="0" y="0"/>
+          <a:chExt cx="0" cy="0"/>
+        </a:xfrm>
+      </p:grpSpPr>
+      <p:sp>
+        <p:nvSpPr>
+          <p:cNvPr id="2" name="슬라이드 이미지 개체 틀 1"/>
+          <p:cNvSpPr>
+            <a:spLocks noGrp="1" noRot="1" noChangeAspect="1"/>
+          </p:cNvSpPr>
+          <p:nvPr>
+            <p:ph type="sldImg"/>
+          </p:nvPr>
+        </p:nvSpPr>
+        <p:spPr/>
+      </p:sp>
+      <p:sp>
+        <p:nvSpPr>
+          <p:cNvPr id="3" name="슬라이드 노트 개체 틀 2"/>
+          <p:cNvSpPr>
+            <a:spLocks noGrp="1"/>
+          </p:cNvSpPr>
+          <p:nvPr>
+            <p:ph type="body" idx="1"/>
+          </p:nvPr>
+        </p:nvSpPr>
+        <p:spPr/>
+        <p:txBody>
+          <a:bodyPr/>
+          <a:lstStyle/>
+          <a:p>
+            <a:r>
+              <a:rPr kumimoji="1" lang="en" altLang="ko-KR" dirty="0"/>
+              <a:t>https://</a:t>
+            </a:r>
+            <a:r>
+              <a:rPr kumimoji="1" lang="en" altLang="ko-KR" dirty="0" err="1"/>
+              <a:t>www.picuki.com</a:t>
+            </a:r>
+            <a:r>
+              <a:rPr kumimoji="1" lang="en" altLang="ko-KR" dirty="0"/>
+              <a:t>/media/1476143067542238125</a:t>
+            </a:r>
+            <a:endParaRPr kumimoji="1" lang="ko-KR" altLang="en-US" dirty="0"/>
+          </a:p>
+        </p:txBody>
+      </p:sp>
+      <p:sp>
+        <p:nvSpPr>
+          <p:cNvPr id="4" name="슬라이드 번호 개체 틀 3"/>
+          <p:cNvSpPr>
+            <a:spLocks noGrp="1"/>
+          </p:cNvSpPr>
+          <p:nvPr>
+            <p:ph type="sldNum" sz="quarter" idx="5"/>
+          </p:nvPr>
+        </p:nvSpPr>
+        <p:spPr/>
+        <p:txBody>
+          <a:bodyPr/>
+          <a:lstStyle/>
+          <a:p>
+            <a:fld id="{9E19AD88-CDD8-4565-8E69-482BA6E8E256}" type="slidenum">
+              <a:rPr lang="ko-KR" altLang="en-US" smtClean="0"/>
+              <a:t>27</a:t>
+            </a:fld>
+            <a:endParaRPr lang="ko-KR" altLang="en-US"/>
+          </a:p>
+        </p:txBody>
+      </p:sp>
+    </p:spTree>
+    <p:extLst>
+      <p:ext uri="{BB962C8B-B14F-4D97-AF65-F5344CB8AC3E}">
+        <p14:creationId xmlns:p14="http://schemas.microsoft.com/office/powerpoint/2010/main" val="3736715993"/>
+      </p:ext>
+    </p:extLst>
+  </p:cSld>
+  <p:clrMapOvr>
+    <a:masterClrMapping/>
+  </p:clrMapOvr>
+</p:notes>
+</file>
+
 <file path=ppt/slideLayouts/slideLayout1.xml><?xml version="1.0" encoding="utf-8"?>
 <p:sldLayout xmlns:a="http://schemas.openxmlformats.org/drawingml/2006/main" xmlns:r="http://schemas.openxmlformats.org/officeDocument/2006/relationships" xmlns:p="http://schemas.openxmlformats.org/presentationml/2006/main" type="title" preserve="1">
   <p:cSld name="제목 슬라이드">
@@ -737,7 +834,7 @@
           <a:p>
             <a:fld id="{6A8F2BA4-AD55-4F95-926C-ED709381EFD6}" type="datetimeFigureOut">
               <a:rPr lang="ko-KR" altLang="en-US" smtClean="0"/>
-              <a:t>2020-09-04</a:t>
+              <a:t>2021. 3. 14.</a:t>
             </a:fld>
             <a:endParaRPr lang="ko-KR" altLang="en-US"/>
           </a:p>
@@ -935,7 +1032,7 @@
           <a:p>
             <a:fld id="{6A8F2BA4-AD55-4F95-926C-ED709381EFD6}" type="datetimeFigureOut">
               <a:rPr lang="ko-KR" altLang="en-US" smtClean="0"/>
-              <a:t>2020-09-04</a:t>
+              <a:t>2021. 3. 14.</a:t>
             </a:fld>
             <a:endParaRPr lang="ko-KR" altLang="en-US"/>
           </a:p>
@@ -1143,7 +1240,7 @@
           <a:p>
             <a:fld id="{6A8F2BA4-AD55-4F95-926C-ED709381EFD6}" type="datetimeFigureOut">
               <a:rPr lang="ko-KR" altLang="en-US" smtClean="0"/>
-              <a:t>2020-09-04</a:t>
+              <a:t>2021. 3. 14.</a:t>
             </a:fld>
             <a:endParaRPr lang="ko-KR" altLang="en-US"/>
           </a:p>
@@ -1341,7 +1438,7 @@
           <a:p>
             <a:fld id="{6A8F2BA4-AD55-4F95-926C-ED709381EFD6}" type="datetimeFigureOut">
               <a:rPr lang="ko-KR" altLang="en-US" smtClean="0"/>
-              <a:t>2020-09-04</a:t>
+              <a:t>2021. 3. 14.</a:t>
             </a:fld>
             <a:endParaRPr lang="ko-KR" altLang="en-US"/>
           </a:p>
@@ -1616,7 +1713,7 @@
           <a:p>
             <a:fld id="{6A8F2BA4-AD55-4F95-926C-ED709381EFD6}" type="datetimeFigureOut">
               <a:rPr lang="ko-KR" altLang="en-US" smtClean="0"/>
-              <a:t>2020-09-04</a:t>
+              <a:t>2021. 3. 14.</a:t>
             </a:fld>
             <a:endParaRPr lang="ko-KR" altLang="en-US"/>
           </a:p>
@@ -1881,7 +1978,7 @@
           <a:p>
             <a:fld id="{6A8F2BA4-AD55-4F95-926C-ED709381EFD6}" type="datetimeFigureOut">
               <a:rPr lang="ko-KR" altLang="en-US" smtClean="0"/>
-              <a:t>2020-09-04</a:t>
+              <a:t>2021. 3. 14.</a:t>
             </a:fld>
             <a:endParaRPr lang="ko-KR" altLang="en-US"/>
           </a:p>
@@ -2293,7 +2390,7 @@
           <a:p>
             <a:fld id="{6A8F2BA4-AD55-4F95-926C-ED709381EFD6}" type="datetimeFigureOut">
               <a:rPr lang="ko-KR" altLang="en-US" smtClean="0"/>
-              <a:t>2020-09-04</a:t>
+              <a:t>2021. 3. 14.</a:t>
             </a:fld>
             <a:endParaRPr lang="ko-KR" altLang="en-US"/>
           </a:p>
@@ -2434,7 +2531,7 @@
           <a:p>
             <a:fld id="{6A8F2BA4-AD55-4F95-926C-ED709381EFD6}" type="datetimeFigureOut">
               <a:rPr lang="ko-KR" altLang="en-US" smtClean="0"/>
-              <a:t>2020-09-04</a:t>
+              <a:t>2021. 3. 14.</a:t>
             </a:fld>
             <a:endParaRPr lang="ko-KR" altLang="en-US"/>
           </a:p>
@@ -2547,7 +2644,7 @@
           <a:p>
             <a:fld id="{6A8F2BA4-AD55-4F95-926C-ED709381EFD6}" type="datetimeFigureOut">
               <a:rPr lang="ko-KR" altLang="en-US" smtClean="0"/>
-              <a:t>2020-09-04</a:t>
+              <a:t>2021. 3. 14.</a:t>
             </a:fld>
             <a:endParaRPr lang="ko-KR" altLang="en-US"/>
           </a:p>
@@ -2858,7 +2955,7 @@
           <a:p>
             <a:fld id="{6A8F2BA4-AD55-4F95-926C-ED709381EFD6}" type="datetimeFigureOut">
               <a:rPr lang="ko-KR" altLang="en-US" smtClean="0"/>
-              <a:t>2020-09-04</a:t>
+              <a:t>2021. 3. 14.</a:t>
             </a:fld>
             <a:endParaRPr lang="ko-KR" altLang="en-US"/>
           </a:p>
@@ -3146,7 +3243,7 @@
           <a:p>
             <a:fld id="{6A8F2BA4-AD55-4F95-926C-ED709381EFD6}" type="datetimeFigureOut">
               <a:rPr lang="ko-KR" altLang="en-US" smtClean="0"/>
-              <a:t>2020-09-04</a:t>
+              <a:t>2021. 3. 14.</a:t>
             </a:fld>
             <a:endParaRPr lang="ko-KR" altLang="en-US"/>
           </a:p>
@@ -3387,7 +3484,7 @@
           <a:p>
             <a:fld id="{6A8F2BA4-AD55-4F95-926C-ED709381EFD6}" type="datetimeFigureOut">
               <a:rPr lang="ko-KR" altLang="en-US" smtClean="0"/>
-              <a:t>2020-09-04</a:t>
+              <a:t>2021. 3. 14.</a:t>
             </a:fld>
             <a:endParaRPr lang="ko-KR" altLang="en-US"/>
           </a:p>
@@ -6307,6 +6404,130 @@
     <p:extLst>
       <p:ext uri="{BB962C8B-B14F-4D97-AF65-F5344CB8AC3E}">
         <p14:creationId xmlns:p14="http://schemas.microsoft.com/office/powerpoint/2010/main" val="2594824561"/>
+      </p:ext>
+    </p:extLst>
+  </p:cSld>
+  <p:clrMapOvr>
+    <a:masterClrMapping/>
+  </p:clrMapOvr>
+</p:sld>
+</file>
+
+<file path=ppt/slides/slide27.xml><?xml version="1.0" encoding="utf-8"?>
+<p:sld xmlns:a="http://schemas.openxmlformats.org/drawingml/2006/main" xmlns:r="http://schemas.openxmlformats.org/officeDocument/2006/relationships" xmlns:p="http://schemas.openxmlformats.org/presentationml/2006/main">
+  <p:cSld>
+    <p:spTree>
+      <p:nvGrpSpPr>
+        <p:cNvPr id="1" name=""/>
+        <p:cNvGrpSpPr/>
+        <p:nvPr/>
+      </p:nvGrpSpPr>
+      <p:grpSpPr>
+        <a:xfrm>
+          <a:off x="0" y="0"/>
+          <a:ext cx="0" cy="0"/>
+          <a:chOff x="0" y="0"/>
+          <a:chExt cx="0" cy="0"/>
+        </a:xfrm>
+      </p:grpSpPr>
+      <p:pic>
+        <p:nvPicPr>
+          <p:cNvPr id="1028" name="Picture 4">
+            <a:extLst>
+              <a:ext uri="{FF2B5EF4-FFF2-40B4-BE49-F238E27FC236}">
+                <a16:creationId xmlns:a16="http://schemas.microsoft.com/office/drawing/2014/main" id="{1DF11F94-8B02-3440-BDC8-963A0F9F54A4}"/>
+              </a:ext>
+            </a:extLst>
+          </p:cNvPr>
+          <p:cNvPicPr>
+            <a:picLocks noChangeAspect="1" noChangeArrowheads="1"/>
+          </p:cNvPicPr>
+          <p:nvPr/>
+        </p:nvPicPr>
+        <p:blipFill>
+          <a:blip r:embed="rId3">
+            <a:extLst>
+              <a:ext uri="{28A0092B-C50C-407E-A947-70E740481C1C}">
+                <a14:useLocalDpi xmlns:a14="http://schemas.microsoft.com/office/drawing/2010/main" val="0"/>
+              </a:ext>
+            </a:extLst>
+          </a:blip>
+          <a:srcRect/>
+          <a:stretch>
+            <a:fillRect/>
+          </a:stretch>
+        </p:blipFill>
+        <p:spPr bwMode="auto">
+          <a:xfrm>
+            <a:off x="938213" y="0"/>
+            <a:ext cx="10315575" cy="6858000"/>
+          </a:xfrm>
+          <a:prstGeom prst="rect">
+            <a:avLst/>
+          </a:prstGeom>
+          <a:noFill/>
+          <a:extLst>
+            <a:ext uri="{909E8E84-426E-40DD-AFC4-6F175D3DCCD1}">
+              <a14:hiddenFill xmlns:a14="http://schemas.microsoft.com/office/drawing/2010/main">
+                <a:solidFill>
+                  <a:srgbClr val="FFFFFF"/>
+                </a:solidFill>
+              </a14:hiddenFill>
+            </a:ext>
+          </a:extLst>
+        </p:spPr>
+      </p:pic>
+      <p:pic>
+        <p:nvPicPr>
+          <p:cNvPr id="11" name="Picture 4">
+            <a:extLst>
+              <a:ext uri="{FF2B5EF4-FFF2-40B4-BE49-F238E27FC236}">
+                <a16:creationId xmlns:a16="http://schemas.microsoft.com/office/drawing/2014/main" id="{573A3C62-7A07-3342-89EF-447DE8FCE756}"/>
+              </a:ext>
+            </a:extLst>
+          </p:cNvPr>
+          <p:cNvPicPr>
+            <a:picLocks noChangeAspect="1" noChangeArrowheads="1"/>
+          </p:cNvPicPr>
+          <p:nvPr/>
+        </p:nvPicPr>
+        <p:blipFill>
+          <a:blip r:embed="rId3">
+            <a:extLst>
+              <a:ext uri="{28A0092B-C50C-407E-A947-70E740481C1C}">
+                <a14:useLocalDpi xmlns:a14="http://schemas.microsoft.com/office/drawing/2010/main" val="0"/>
+              </a:ext>
+            </a:extLst>
+          </a:blip>
+          <a:srcRect/>
+          <a:stretch>
+            <a:fillRect/>
+          </a:stretch>
+        </p:blipFill>
+        <p:spPr bwMode="auto">
+          <a:xfrm>
+            <a:off x="938212" y="0"/>
+            <a:ext cx="10315575" cy="6858000"/>
+          </a:xfrm>
+          <a:prstGeom prst="rect">
+            <a:avLst/>
+          </a:prstGeom>
+          <a:noFill/>
+          <a:extLst>
+            <a:ext uri="{909E8E84-426E-40DD-AFC4-6F175D3DCCD1}">
+              <a14:hiddenFill xmlns:a14="http://schemas.microsoft.com/office/drawing/2010/main">
+                <a:solidFill>
+                  <a:srgbClr val="FFFFFF"/>
+                </a:solidFill>
+              </a14:hiddenFill>
+            </a:ext>
+          </a:extLst>
+        </p:spPr>
+      </p:pic>
+    </p:spTree>
+    <p:extLst>
+      <p:ext uri="{BB962C8B-B14F-4D97-AF65-F5344CB8AC3E}">
+        <p14:creationId xmlns:p14="http://schemas.microsoft.com/office/powerpoint/2010/main" val="1898134876"/>
       </p:ext>
     </p:extLst>
   </p:cSld>

--- a/Article/섬네일공장/새 Microsoft PowerPoint 프레젠테이션.pptx
+++ b/Article/섬네일공장/새 Microsoft PowerPoint 프레젠테이션.pptx
@@ -5,7 +5,7 @@
     <p:sldMasterId id="2147483648" r:id="rId1"/>
   </p:sldMasterIdLst>
   <p:notesMasterIdLst>
-    <p:notesMasterId r:id="rId29"/>
+    <p:notesMasterId r:id="rId30"/>
   </p:notesMasterIdLst>
   <p:sldIdLst>
     <p:sldId id="256" r:id="rId2"/>
@@ -35,6 +35,7 @@
     <p:sldId id="271" r:id="rId26"/>
     <p:sldId id="273" r:id="rId27"/>
     <p:sldId id="282" r:id="rId28"/>
+    <p:sldId id="283" r:id="rId29"/>
   </p:sldIdLst>
   <p:sldSz cx="12192000" cy="6858000"/>
   <p:notesSz cx="6858000" cy="9144000"/>
@@ -234,7 +235,7 @@
           <a:p>
             <a:fld id="{64005B8B-DB0E-4405-A590-02D8CB6FC2F6}" type="datetimeFigureOut">
               <a:rPr lang="ko-KR" altLang="en-US" smtClean="0"/>
-              <a:t>2021. 3. 14.</a:t>
+              <a:t>2021. 3. 24.</a:t>
             </a:fld>
             <a:endParaRPr lang="ko-KR" altLang="en-US"/>
           </a:p>
@@ -834,7 +835,7 @@
           <a:p>
             <a:fld id="{6A8F2BA4-AD55-4F95-926C-ED709381EFD6}" type="datetimeFigureOut">
               <a:rPr lang="ko-KR" altLang="en-US" smtClean="0"/>
-              <a:t>2021. 3. 14.</a:t>
+              <a:t>2021. 3. 24.</a:t>
             </a:fld>
             <a:endParaRPr lang="ko-KR" altLang="en-US"/>
           </a:p>
@@ -1032,7 +1033,7 @@
           <a:p>
             <a:fld id="{6A8F2BA4-AD55-4F95-926C-ED709381EFD6}" type="datetimeFigureOut">
               <a:rPr lang="ko-KR" altLang="en-US" smtClean="0"/>
-              <a:t>2021. 3. 14.</a:t>
+              <a:t>2021. 3. 24.</a:t>
             </a:fld>
             <a:endParaRPr lang="ko-KR" altLang="en-US"/>
           </a:p>
@@ -1240,7 +1241,7 @@
           <a:p>
             <a:fld id="{6A8F2BA4-AD55-4F95-926C-ED709381EFD6}" type="datetimeFigureOut">
               <a:rPr lang="ko-KR" altLang="en-US" smtClean="0"/>
-              <a:t>2021. 3. 14.</a:t>
+              <a:t>2021. 3. 24.</a:t>
             </a:fld>
             <a:endParaRPr lang="ko-KR" altLang="en-US"/>
           </a:p>
@@ -1438,7 +1439,7 @@
           <a:p>
             <a:fld id="{6A8F2BA4-AD55-4F95-926C-ED709381EFD6}" type="datetimeFigureOut">
               <a:rPr lang="ko-KR" altLang="en-US" smtClean="0"/>
-              <a:t>2021. 3. 14.</a:t>
+              <a:t>2021. 3. 24.</a:t>
             </a:fld>
             <a:endParaRPr lang="ko-KR" altLang="en-US"/>
           </a:p>
@@ -1713,7 +1714,7 @@
           <a:p>
             <a:fld id="{6A8F2BA4-AD55-4F95-926C-ED709381EFD6}" type="datetimeFigureOut">
               <a:rPr lang="ko-KR" altLang="en-US" smtClean="0"/>
-              <a:t>2021. 3. 14.</a:t>
+              <a:t>2021. 3. 24.</a:t>
             </a:fld>
             <a:endParaRPr lang="ko-KR" altLang="en-US"/>
           </a:p>
@@ -1978,7 +1979,7 @@
           <a:p>
             <a:fld id="{6A8F2BA4-AD55-4F95-926C-ED709381EFD6}" type="datetimeFigureOut">
               <a:rPr lang="ko-KR" altLang="en-US" smtClean="0"/>
-              <a:t>2021. 3. 14.</a:t>
+              <a:t>2021. 3. 24.</a:t>
             </a:fld>
             <a:endParaRPr lang="ko-KR" altLang="en-US"/>
           </a:p>
@@ -2390,7 +2391,7 @@
           <a:p>
             <a:fld id="{6A8F2BA4-AD55-4F95-926C-ED709381EFD6}" type="datetimeFigureOut">
               <a:rPr lang="ko-KR" altLang="en-US" smtClean="0"/>
-              <a:t>2021. 3. 14.</a:t>
+              <a:t>2021. 3. 24.</a:t>
             </a:fld>
             <a:endParaRPr lang="ko-KR" altLang="en-US"/>
           </a:p>
@@ -2531,7 +2532,7 @@
           <a:p>
             <a:fld id="{6A8F2BA4-AD55-4F95-926C-ED709381EFD6}" type="datetimeFigureOut">
               <a:rPr lang="ko-KR" altLang="en-US" smtClean="0"/>
-              <a:t>2021. 3. 14.</a:t>
+              <a:t>2021. 3. 24.</a:t>
             </a:fld>
             <a:endParaRPr lang="ko-KR" altLang="en-US"/>
           </a:p>
@@ -2644,7 +2645,7 @@
           <a:p>
             <a:fld id="{6A8F2BA4-AD55-4F95-926C-ED709381EFD6}" type="datetimeFigureOut">
               <a:rPr lang="ko-KR" altLang="en-US" smtClean="0"/>
-              <a:t>2021. 3. 14.</a:t>
+              <a:t>2021. 3. 24.</a:t>
             </a:fld>
             <a:endParaRPr lang="ko-KR" altLang="en-US"/>
           </a:p>
@@ -2955,7 +2956,7 @@
           <a:p>
             <a:fld id="{6A8F2BA4-AD55-4F95-926C-ED709381EFD6}" type="datetimeFigureOut">
               <a:rPr lang="ko-KR" altLang="en-US" smtClean="0"/>
-              <a:t>2021. 3. 14.</a:t>
+              <a:t>2021. 3. 24.</a:t>
             </a:fld>
             <a:endParaRPr lang="ko-KR" altLang="en-US"/>
           </a:p>
@@ -3243,7 +3244,7 @@
           <a:p>
             <a:fld id="{6A8F2BA4-AD55-4F95-926C-ED709381EFD6}" type="datetimeFigureOut">
               <a:rPr lang="ko-KR" altLang="en-US" smtClean="0"/>
-              <a:t>2021. 3. 14.</a:t>
+              <a:t>2021. 3. 24.</a:t>
             </a:fld>
             <a:endParaRPr lang="ko-KR" altLang="en-US"/>
           </a:p>
@@ -3484,7 +3485,7 @@
           <a:p>
             <a:fld id="{6A8F2BA4-AD55-4F95-926C-ED709381EFD6}" type="datetimeFigureOut">
               <a:rPr lang="ko-KR" altLang="en-US" smtClean="0"/>
-              <a:t>2021. 3. 14.</a:t>
+              <a:t>2021. 3. 24.</a:t>
             </a:fld>
             <a:endParaRPr lang="ko-KR" altLang="en-US"/>
           </a:p>
@@ -6528,6 +6529,639 @@
     <p:extLst>
       <p:ext uri="{BB962C8B-B14F-4D97-AF65-F5344CB8AC3E}">
         <p14:creationId xmlns:p14="http://schemas.microsoft.com/office/powerpoint/2010/main" val="1898134876"/>
+      </p:ext>
+    </p:extLst>
+  </p:cSld>
+  <p:clrMapOvr>
+    <a:masterClrMapping/>
+  </p:clrMapOvr>
+</p:sld>
+</file>
+
+<file path=ppt/slides/slide28.xml><?xml version="1.0" encoding="utf-8"?>
+<p:sld xmlns:a="http://schemas.openxmlformats.org/drawingml/2006/main" xmlns:r="http://schemas.openxmlformats.org/officeDocument/2006/relationships" xmlns:p="http://schemas.openxmlformats.org/presentationml/2006/main">
+  <p:cSld>
+    <p:spTree>
+      <p:nvGrpSpPr>
+        <p:cNvPr id="1" name=""/>
+        <p:cNvGrpSpPr/>
+        <p:nvPr/>
+      </p:nvGrpSpPr>
+      <p:grpSpPr>
+        <a:xfrm>
+          <a:off x="0" y="0"/>
+          <a:ext cx="0" cy="0"/>
+          <a:chOff x="0" y="0"/>
+          <a:chExt cx="0" cy="0"/>
+        </a:xfrm>
+      </p:grpSpPr>
+      <p:pic>
+        <p:nvPicPr>
+          <p:cNvPr id="5" name="그림 4">
+            <a:extLst>
+              <a:ext uri="{FF2B5EF4-FFF2-40B4-BE49-F238E27FC236}">
+                <a16:creationId xmlns:a16="http://schemas.microsoft.com/office/drawing/2014/main" id="{E994FCDB-96AA-CB45-B290-685E143F9703}"/>
+              </a:ext>
+            </a:extLst>
+          </p:cNvPr>
+          <p:cNvPicPr>
+            <a:picLocks noChangeAspect="1"/>
+          </p:cNvPicPr>
+          <p:nvPr/>
+        </p:nvPicPr>
+        <p:blipFill rotWithShape="1">
+          <a:blip r:embed="rId2">
+            <a:extLst>
+              <a:ext uri="{BEBA8EAE-BF5A-486C-A8C5-ECC9F3942E4B}">
+                <a14:imgProps xmlns:a14="http://schemas.microsoft.com/office/drawing/2010/main">
+                  <a14:imgLayer r:embed="rId3">
+                    <a14:imgEffect>
+                      <a14:saturation sat="0"/>
+                    </a14:imgEffect>
+                  </a14:imgLayer>
+                </a14:imgProps>
+              </a:ext>
+              <a:ext uri="{28A0092B-C50C-407E-A947-70E740481C1C}">
+                <a14:useLocalDpi xmlns:a14="http://schemas.microsoft.com/office/drawing/2010/main" val="0"/>
+              </a:ext>
+            </a:extLst>
+          </a:blip>
+          <a:srcRect l="27371" t="27963" r="27155" b="26132"/>
+          <a:stretch/>
+        </p:blipFill>
+        <p:spPr>
+          <a:xfrm>
+            <a:off x="4992414" y="2354316"/>
+            <a:ext cx="2217683" cy="2238705"/>
+          </a:xfrm>
+          <a:prstGeom prst="rect">
+            <a:avLst/>
+          </a:prstGeom>
+        </p:spPr>
+      </p:pic>
+      <p:sp>
+        <p:nvSpPr>
+          <p:cNvPr id="6" name="직사각형 5">
+            <a:extLst>
+              <a:ext uri="{FF2B5EF4-FFF2-40B4-BE49-F238E27FC236}">
+                <a16:creationId xmlns:a16="http://schemas.microsoft.com/office/drawing/2014/main" id="{31EC5A4D-D912-D048-B413-23090CD5D07E}"/>
+              </a:ext>
+            </a:extLst>
+          </p:cNvPr>
+          <p:cNvSpPr/>
+          <p:nvPr/>
+        </p:nvSpPr>
+        <p:spPr>
+          <a:xfrm>
+            <a:off x="4761186" y="4356538"/>
+            <a:ext cx="462455" cy="472965"/>
+          </a:xfrm>
+          <a:prstGeom prst="rect">
+            <a:avLst/>
+          </a:prstGeom>
+          <a:solidFill>
+            <a:schemeClr val="bg1"/>
+          </a:solidFill>
+          <a:ln>
+            <a:noFill/>
+          </a:ln>
+        </p:spPr>
+        <p:style>
+          <a:lnRef idx="2">
+            <a:schemeClr val="accent1">
+              <a:shade val="50000"/>
+            </a:schemeClr>
+          </a:lnRef>
+          <a:fillRef idx="1">
+            <a:schemeClr val="accent1"/>
+          </a:fillRef>
+          <a:effectRef idx="0">
+            <a:schemeClr val="accent1"/>
+          </a:effectRef>
+          <a:fontRef idx="minor">
+            <a:schemeClr val="lt1"/>
+          </a:fontRef>
+        </p:style>
+        <p:txBody>
+          <a:bodyPr rtlCol="0" anchor="ctr"/>
+          <a:lstStyle/>
+          <a:p>
+            <a:pPr algn="ctr"/>
+            <a:endParaRPr kumimoji="1" lang="ko-KR" altLang="en-US"/>
+          </a:p>
+        </p:txBody>
+      </p:sp>
+      <p:sp>
+        <p:nvSpPr>
+          <p:cNvPr id="7" name="직사각형 6">
+            <a:extLst>
+              <a:ext uri="{FF2B5EF4-FFF2-40B4-BE49-F238E27FC236}">
+                <a16:creationId xmlns:a16="http://schemas.microsoft.com/office/drawing/2014/main" id="{CE628B10-0218-2F42-834C-AB1F2E68BDB9}"/>
+              </a:ext>
+            </a:extLst>
+          </p:cNvPr>
+          <p:cNvSpPr/>
+          <p:nvPr/>
+        </p:nvSpPr>
+        <p:spPr>
+          <a:xfrm>
+            <a:off x="6968361" y="4356537"/>
+            <a:ext cx="462455" cy="472965"/>
+          </a:xfrm>
+          <a:prstGeom prst="rect">
+            <a:avLst/>
+          </a:prstGeom>
+          <a:solidFill>
+            <a:schemeClr val="bg1"/>
+          </a:solidFill>
+          <a:ln>
+            <a:noFill/>
+          </a:ln>
+        </p:spPr>
+        <p:style>
+          <a:lnRef idx="2">
+            <a:schemeClr val="accent1">
+              <a:shade val="50000"/>
+            </a:schemeClr>
+          </a:lnRef>
+          <a:fillRef idx="1">
+            <a:schemeClr val="accent1"/>
+          </a:fillRef>
+          <a:effectRef idx="0">
+            <a:schemeClr val="accent1"/>
+          </a:effectRef>
+          <a:fontRef idx="minor">
+            <a:schemeClr val="lt1"/>
+          </a:fontRef>
+        </p:style>
+        <p:txBody>
+          <a:bodyPr rtlCol="0" anchor="ctr"/>
+          <a:lstStyle/>
+          <a:p>
+            <a:pPr algn="ctr"/>
+            <a:endParaRPr kumimoji="1" lang="ko-KR" altLang="en-US"/>
+          </a:p>
+        </p:txBody>
+      </p:sp>
+      <p:pic>
+        <p:nvPicPr>
+          <p:cNvPr id="9" name="그림 8">
+            <a:extLst>
+              <a:ext uri="{FF2B5EF4-FFF2-40B4-BE49-F238E27FC236}">
+                <a16:creationId xmlns:a16="http://schemas.microsoft.com/office/drawing/2014/main" id="{D69951C5-FADF-7B44-B67C-7DCA1E94FC04}"/>
+              </a:ext>
+            </a:extLst>
+          </p:cNvPr>
+          <p:cNvPicPr>
+            <a:picLocks noChangeAspect="1"/>
+          </p:cNvPicPr>
+          <p:nvPr/>
+        </p:nvPicPr>
+        <p:blipFill>
+          <a:blip r:embed="rId4">
+            <a:extLst>
+              <a:ext uri="{28A0092B-C50C-407E-A947-70E740481C1C}">
+                <a14:useLocalDpi xmlns:a14="http://schemas.microsoft.com/office/drawing/2010/main" val="0"/>
+              </a:ext>
+            </a:extLst>
+          </a:blip>
+          <a:stretch>
+            <a:fillRect/>
+          </a:stretch>
+        </p:blipFill>
+        <p:spPr>
+          <a:xfrm>
+            <a:off x="5558098" y="2784992"/>
+            <a:ext cx="1051089" cy="1337443"/>
+          </a:xfrm>
+          <a:prstGeom prst="rect">
+            <a:avLst/>
+          </a:prstGeom>
+        </p:spPr>
+      </p:pic>
+      <p:pic>
+        <p:nvPicPr>
+          <p:cNvPr id="10" name="그림 9">
+            <a:extLst>
+              <a:ext uri="{FF2B5EF4-FFF2-40B4-BE49-F238E27FC236}">
+                <a16:creationId xmlns:a16="http://schemas.microsoft.com/office/drawing/2014/main" id="{6915D39B-FBA7-9A47-91CB-64714924F54E}"/>
+              </a:ext>
+            </a:extLst>
+          </p:cNvPr>
+          <p:cNvPicPr>
+            <a:picLocks noChangeAspect="1"/>
+          </p:cNvPicPr>
+          <p:nvPr/>
+        </p:nvPicPr>
+        <p:blipFill rotWithShape="1">
+          <a:blip r:embed="rId5">
+            <a:extLst>
+              <a:ext uri="{BEBA8EAE-BF5A-486C-A8C5-ECC9F3942E4B}">
+                <a14:imgProps xmlns:a14="http://schemas.microsoft.com/office/drawing/2010/main">
+                  <a14:imgLayer r:embed="rId6">
+                    <a14:imgEffect>
+                      <a14:saturation sat="33000"/>
+                    </a14:imgEffect>
+                  </a14:imgLayer>
+                </a14:imgProps>
+              </a:ext>
+              <a:ext uri="{28A0092B-C50C-407E-A947-70E740481C1C}">
+                <a14:useLocalDpi xmlns:a14="http://schemas.microsoft.com/office/drawing/2010/main" val="0"/>
+              </a:ext>
+            </a:extLst>
+          </a:blip>
+          <a:srcRect l="27371" t="27963" r="27155" b="26132"/>
+          <a:stretch/>
+        </p:blipFill>
+        <p:spPr>
+          <a:xfrm>
+            <a:off x="8585135" y="2354315"/>
+            <a:ext cx="2217683" cy="2238705"/>
+          </a:xfrm>
+          <a:prstGeom prst="rect">
+            <a:avLst/>
+          </a:prstGeom>
+        </p:spPr>
+      </p:pic>
+      <p:sp>
+        <p:nvSpPr>
+          <p:cNvPr id="11" name="직사각형 10">
+            <a:extLst>
+              <a:ext uri="{FF2B5EF4-FFF2-40B4-BE49-F238E27FC236}">
+                <a16:creationId xmlns:a16="http://schemas.microsoft.com/office/drawing/2014/main" id="{5983751B-D94B-F840-ABE6-B646D17C265B}"/>
+              </a:ext>
+            </a:extLst>
+          </p:cNvPr>
+          <p:cNvSpPr/>
+          <p:nvPr/>
+        </p:nvSpPr>
+        <p:spPr>
+          <a:xfrm>
+            <a:off x="8353907" y="4356537"/>
+            <a:ext cx="462455" cy="472965"/>
+          </a:xfrm>
+          <a:prstGeom prst="rect">
+            <a:avLst/>
+          </a:prstGeom>
+          <a:solidFill>
+            <a:schemeClr val="bg1"/>
+          </a:solidFill>
+          <a:ln>
+            <a:noFill/>
+          </a:ln>
+        </p:spPr>
+        <p:style>
+          <a:lnRef idx="2">
+            <a:schemeClr val="accent1">
+              <a:shade val="50000"/>
+            </a:schemeClr>
+          </a:lnRef>
+          <a:fillRef idx="1">
+            <a:schemeClr val="accent1"/>
+          </a:fillRef>
+          <a:effectRef idx="0">
+            <a:schemeClr val="accent1"/>
+          </a:effectRef>
+          <a:fontRef idx="minor">
+            <a:schemeClr val="lt1"/>
+          </a:fontRef>
+        </p:style>
+        <p:txBody>
+          <a:bodyPr rtlCol="0" anchor="ctr"/>
+          <a:lstStyle/>
+          <a:p>
+            <a:pPr algn="ctr"/>
+            <a:endParaRPr kumimoji="1" lang="ko-KR" altLang="en-US"/>
+          </a:p>
+        </p:txBody>
+      </p:sp>
+      <p:sp>
+        <p:nvSpPr>
+          <p:cNvPr id="12" name="직사각형 11">
+            <a:extLst>
+              <a:ext uri="{FF2B5EF4-FFF2-40B4-BE49-F238E27FC236}">
+                <a16:creationId xmlns:a16="http://schemas.microsoft.com/office/drawing/2014/main" id="{4D97B68D-CFA6-534C-B07E-E855F8579BA0}"/>
+              </a:ext>
+            </a:extLst>
+          </p:cNvPr>
+          <p:cNvSpPr/>
+          <p:nvPr/>
+        </p:nvSpPr>
+        <p:spPr>
+          <a:xfrm>
+            <a:off x="10561082" y="4356536"/>
+            <a:ext cx="462455" cy="472965"/>
+          </a:xfrm>
+          <a:prstGeom prst="rect">
+            <a:avLst/>
+          </a:prstGeom>
+          <a:solidFill>
+            <a:schemeClr val="bg1"/>
+          </a:solidFill>
+          <a:ln>
+            <a:noFill/>
+          </a:ln>
+        </p:spPr>
+        <p:style>
+          <a:lnRef idx="2">
+            <a:schemeClr val="accent1">
+              <a:shade val="50000"/>
+            </a:schemeClr>
+          </a:lnRef>
+          <a:fillRef idx="1">
+            <a:schemeClr val="accent1"/>
+          </a:fillRef>
+          <a:effectRef idx="0">
+            <a:schemeClr val="accent1"/>
+          </a:effectRef>
+          <a:fontRef idx="minor">
+            <a:schemeClr val="lt1"/>
+          </a:fontRef>
+        </p:style>
+        <p:txBody>
+          <a:bodyPr rtlCol="0" anchor="ctr"/>
+          <a:lstStyle/>
+          <a:p>
+            <a:pPr algn="ctr"/>
+            <a:endParaRPr kumimoji="1" lang="ko-KR" altLang="en-US"/>
+          </a:p>
+        </p:txBody>
+      </p:sp>
+      <p:pic>
+        <p:nvPicPr>
+          <p:cNvPr id="16" name="그림 15">
+            <a:extLst>
+              <a:ext uri="{FF2B5EF4-FFF2-40B4-BE49-F238E27FC236}">
+                <a16:creationId xmlns:a16="http://schemas.microsoft.com/office/drawing/2014/main" id="{F5A743BA-2FB0-5C49-B858-6112C8F17B5F}"/>
+              </a:ext>
+            </a:extLst>
+          </p:cNvPr>
+          <p:cNvPicPr>
+            <a:picLocks noChangeAspect="1"/>
+          </p:cNvPicPr>
+          <p:nvPr/>
+        </p:nvPicPr>
+        <p:blipFill rotWithShape="1">
+          <a:blip r:embed="rId7">
+            <a:extLst>
+              <a:ext uri="{BEBA8EAE-BF5A-486C-A8C5-ECC9F3942E4B}">
+                <a14:imgProps xmlns:a14="http://schemas.microsoft.com/office/drawing/2010/main">
+                  <a14:imgLayer r:embed="rId8">
+                    <a14:imgEffect>
+                      <a14:saturation sat="200000"/>
+                    </a14:imgEffect>
+                  </a14:imgLayer>
+                </a14:imgProps>
+              </a:ext>
+              <a:ext uri="{28A0092B-C50C-407E-A947-70E740481C1C}">
+                <a14:useLocalDpi xmlns:a14="http://schemas.microsoft.com/office/drawing/2010/main" val="0"/>
+              </a:ext>
+            </a:extLst>
+          </a:blip>
+          <a:srcRect l="27848" t="7665" r="26272" b="32683"/>
+          <a:stretch/>
+        </p:blipFill>
+        <p:spPr>
+          <a:xfrm>
+            <a:off x="9036607" y="2598567"/>
+            <a:ext cx="1277431" cy="1660866"/>
+          </a:xfrm>
+          <a:prstGeom prst="rect">
+            <a:avLst/>
+          </a:prstGeom>
+        </p:spPr>
+      </p:pic>
+      <p:pic>
+        <p:nvPicPr>
+          <p:cNvPr id="17" name="그림 16">
+            <a:extLst>
+              <a:ext uri="{FF2B5EF4-FFF2-40B4-BE49-F238E27FC236}">
+                <a16:creationId xmlns:a16="http://schemas.microsoft.com/office/drawing/2014/main" id="{B89DD8B2-9933-A848-A03E-54430BB5948D}"/>
+              </a:ext>
+            </a:extLst>
+          </p:cNvPr>
+          <p:cNvPicPr>
+            <a:picLocks noChangeAspect="1"/>
+          </p:cNvPicPr>
+          <p:nvPr/>
+        </p:nvPicPr>
+        <p:blipFill rotWithShape="1">
+          <a:blip r:embed="rId2">
+            <a:extLst>
+              <a:ext uri="{BEBA8EAE-BF5A-486C-A8C5-ECC9F3942E4B}">
+                <a14:imgProps xmlns:a14="http://schemas.microsoft.com/office/drawing/2010/main">
+                  <a14:imgLayer r:embed="rId9">
+                    <a14:imgEffect>
+                      <a14:saturation sat="0"/>
+                    </a14:imgEffect>
+                  </a14:imgLayer>
+                </a14:imgProps>
+              </a:ext>
+              <a:ext uri="{28A0092B-C50C-407E-A947-70E740481C1C}">
+                <a14:useLocalDpi xmlns:a14="http://schemas.microsoft.com/office/drawing/2010/main" val="0"/>
+              </a:ext>
+            </a:extLst>
+          </a:blip>
+          <a:srcRect l="27371" t="27963" r="27155" b="26132"/>
+          <a:stretch/>
+        </p:blipFill>
+        <p:spPr>
+          <a:xfrm>
+            <a:off x="1323336" y="2309647"/>
+            <a:ext cx="2217683" cy="2238705"/>
+          </a:xfrm>
+          <a:prstGeom prst="rect">
+            <a:avLst/>
+          </a:prstGeom>
+        </p:spPr>
+      </p:pic>
+      <p:sp>
+        <p:nvSpPr>
+          <p:cNvPr id="18" name="직사각형 17">
+            <a:extLst>
+              <a:ext uri="{FF2B5EF4-FFF2-40B4-BE49-F238E27FC236}">
+                <a16:creationId xmlns:a16="http://schemas.microsoft.com/office/drawing/2014/main" id="{A7CCE433-0A7D-AB47-89EA-521B5E21115A}"/>
+              </a:ext>
+            </a:extLst>
+          </p:cNvPr>
+          <p:cNvSpPr/>
+          <p:nvPr/>
+        </p:nvSpPr>
+        <p:spPr>
+          <a:xfrm>
+            <a:off x="1092108" y="4311869"/>
+            <a:ext cx="462455" cy="472965"/>
+          </a:xfrm>
+          <a:prstGeom prst="rect">
+            <a:avLst/>
+          </a:prstGeom>
+          <a:solidFill>
+            <a:schemeClr val="bg1"/>
+          </a:solidFill>
+          <a:ln>
+            <a:noFill/>
+          </a:ln>
+        </p:spPr>
+        <p:style>
+          <a:lnRef idx="2">
+            <a:schemeClr val="accent1">
+              <a:shade val="50000"/>
+            </a:schemeClr>
+          </a:lnRef>
+          <a:fillRef idx="1">
+            <a:schemeClr val="accent1"/>
+          </a:fillRef>
+          <a:effectRef idx="0">
+            <a:schemeClr val="accent1"/>
+          </a:effectRef>
+          <a:fontRef idx="minor">
+            <a:schemeClr val="lt1"/>
+          </a:fontRef>
+        </p:style>
+        <p:txBody>
+          <a:bodyPr rtlCol="0" anchor="ctr"/>
+          <a:lstStyle/>
+          <a:p>
+            <a:pPr algn="ctr"/>
+            <a:endParaRPr kumimoji="1" lang="ko-KR" altLang="en-US"/>
+          </a:p>
+        </p:txBody>
+      </p:sp>
+      <p:sp>
+        <p:nvSpPr>
+          <p:cNvPr id="19" name="직사각형 18">
+            <a:extLst>
+              <a:ext uri="{FF2B5EF4-FFF2-40B4-BE49-F238E27FC236}">
+                <a16:creationId xmlns:a16="http://schemas.microsoft.com/office/drawing/2014/main" id="{6EAAA90E-49E8-D943-B210-4DA8BCFE7F85}"/>
+              </a:ext>
+            </a:extLst>
+          </p:cNvPr>
+          <p:cNvSpPr/>
+          <p:nvPr/>
+        </p:nvSpPr>
+        <p:spPr>
+          <a:xfrm>
+            <a:off x="3299283" y="4311868"/>
+            <a:ext cx="462455" cy="472965"/>
+          </a:xfrm>
+          <a:prstGeom prst="rect">
+            <a:avLst/>
+          </a:prstGeom>
+          <a:solidFill>
+            <a:schemeClr val="bg1"/>
+          </a:solidFill>
+          <a:ln>
+            <a:noFill/>
+          </a:ln>
+        </p:spPr>
+        <p:style>
+          <a:lnRef idx="2">
+            <a:schemeClr val="accent1">
+              <a:shade val="50000"/>
+            </a:schemeClr>
+          </a:lnRef>
+          <a:fillRef idx="1">
+            <a:schemeClr val="accent1"/>
+          </a:fillRef>
+          <a:effectRef idx="0">
+            <a:schemeClr val="accent1"/>
+          </a:effectRef>
+          <a:fontRef idx="minor">
+            <a:schemeClr val="lt1"/>
+          </a:fontRef>
+        </p:style>
+        <p:txBody>
+          <a:bodyPr rtlCol="0" anchor="ctr"/>
+          <a:lstStyle/>
+          <a:p>
+            <a:pPr algn="ctr"/>
+            <a:endParaRPr kumimoji="1" lang="ko-KR" altLang="en-US"/>
+          </a:p>
+        </p:txBody>
+      </p:sp>
+      <p:pic>
+        <p:nvPicPr>
+          <p:cNvPr id="20" name="그림 19">
+            <a:extLst>
+              <a:ext uri="{FF2B5EF4-FFF2-40B4-BE49-F238E27FC236}">
+                <a16:creationId xmlns:a16="http://schemas.microsoft.com/office/drawing/2014/main" id="{BE59619E-72A8-CB47-8AE2-C6EA1D81C126}"/>
+              </a:ext>
+            </a:extLst>
+          </p:cNvPr>
+          <p:cNvPicPr>
+            <a:picLocks noChangeAspect="1"/>
+          </p:cNvPicPr>
+          <p:nvPr/>
+        </p:nvPicPr>
+        <p:blipFill rotWithShape="1">
+          <a:blip r:embed="rId7">
+            <a:extLst>
+              <a:ext uri="{BEBA8EAE-BF5A-486C-A8C5-ECC9F3942E4B}">
+                <a14:imgProps xmlns:a14="http://schemas.microsoft.com/office/drawing/2010/main">
+                  <a14:imgLayer r:embed="rId10">
+                    <a14:imgEffect>
+                      <a14:saturation sat="200000"/>
+                    </a14:imgEffect>
+                  </a14:imgLayer>
+                </a14:imgProps>
+              </a:ext>
+              <a:ext uri="{28A0092B-C50C-407E-A947-70E740481C1C}">
+                <a14:useLocalDpi xmlns:a14="http://schemas.microsoft.com/office/drawing/2010/main" val="0"/>
+              </a:ext>
+            </a:extLst>
+          </a:blip>
+          <a:srcRect l="25689" t="68570" r="25016" b="-2280"/>
+          <a:stretch/>
+        </p:blipFill>
+        <p:spPr>
+          <a:xfrm>
+            <a:off x="1571511" y="3030140"/>
+            <a:ext cx="1797690" cy="1229293"/>
+          </a:xfrm>
+          <a:prstGeom prst="rect">
+            <a:avLst/>
+          </a:prstGeom>
+        </p:spPr>
+      </p:pic>
+      <p:pic>
+        <p:nvPicPr>
+          <p:cNvPr id="22" name="그림 21">
+            <a:extLst>
+              <a:ext uri="{FF2B5EF4-FFF2-40B4-BE49-F238E27FC236}">
+                <a16:creationId xmlns:a16="http://schemas.microsoft.com/office/drawing/2014/main" id="{B3C19C63-7015-A34C-A24E-F405A3AF05FC}"/>
+              </a:ext>
+            </a:extLst>
+          </p:cNvPr>
+          <p:cNvPicPr>
+            <a:picLocks noChangeAspect="1"/>
+          </p:cNvPicPr>
+          <p:nvPr/>
+        </p:nvPicPr>
+        <p:blipFill rotWithShape="1">
+          <a:blip r:embed="rId11">
+            <a:extLst>
+              <a:ext uri="{28A0092B-C50C-407E-A947-70E740481C1C}">
+                <a14:useLocalDpi xmlns:a14="http://schemas.microsoft.com/office/drawing/2010/main" val="0"/>
+              </a:ext>
+            </a:extLst>
+          </a:blip>
+          <a:srcRect l="4177" t="1627" r="4475" b="1007"/>
+          <a:stretch/>
+        </p:blipFill>
+        <p:spPr>
+          <a:xfrm>
+            <a:off x="3434247" y="368036"/>
+            <a:ext cx="2772697" cy="2831691"/>
+          </a:xfrm>
+          <a:prstGeom prst="rect">
+            <a:avLst/>
+          </a:prstGeom>
+        </p:spPr>
+      </p:pic>
+    </p:spTree>
+    <p:extLst>
+      <p:ext uri="{BB962C8B-B14F-4D97-AF65-F5344CB8AC3E}">
+        <p14:creationId xmlns:p14="http://schemas.microsoft.com/office/powerpoint/2010/main" val="2205847664"/>
       </p:ext>
     </p:extLst>
   </p:cSld>
